--- a/docs/inner-unitkernel-map.pptx
+++ b/docs/inner-unitkernel-map.pptx
@@ -7,6 +7,8 @@
   <p:sldIdLst>
     <p:sldId id="256" r:id="rId2"/>
     <p:sldId id="257" r:id="rId3"/>
+    <p:sldId id="258" r:id="rId4"/>
+    <p:sldId id="259" r:id="rId5"/>
   </p:sldIdLst>
   <p:sldSz cx="12192000" cy="6858000"/>
   <p:notesSz cx="6858000" cy="9144000"/>
@@ -105,6 +107,11 @@
       </a:defRPr>
     </a:lvl9pPr>
   </p:defaultTextStyle>
+  <p:extLst>
+    <p:ext uri="{EFAFB233-063F-42B5-8137-9DF3F51BA10A}">
+      <p15:sldGuideLst xmlns:p15="http://schemas.microsoft.com/office/powerpoint/2012/main"/>
+    </p:ext>
+  </p:extLst>
 </p:presentation>
 </file>
 
@@ -255,7 +262,7 @@
           <a:p>
             <a:fld id="{CB472A81-3490-7E45-BCFD-E5C4421ADE95}" type="datetimeFigureOut">
               <a:rPr lang="en-US" smtClean="0"/>
-              <a:t>3/22/22</a:t>
+              <a:t>3/23/22</a:t>
             </a:fld>
             <a:endParaRPr lang="en-US"/>
           </a:p>
@@ -453,7 +460,7 @@
           <a:p>
             <a:fld id="{CB472A81-3490-7E45-BCFD-E5C4421ADE95}" type="datetimeFigureOut">
               <a:rPr lang="en-US" smtClean="0"/>
-              <a:t>3/22/22</a:t>
+              <a:t>3/23/22</a:t>
             </a:fld>
             <a:endParaRPr lang="en-US"/>
           </a:p>
@@ -661,7 +668,7 @@
           <a:p>
             <a:fld id="{CB472A81-3490-7E45-BCFD-E5C4421ADE95}" type="datetimeFigureOut">
               <a:rPr lang="en-US" smtClean="0"/>
-              <a:t>3/22/22</a:t>
+              <a:t>3/23/22</a:t>
             </a:fld>
             <a:endParaRPr lang="en-US"/>
           </a:p>
@@ -859,7 +866,7 @@
           <a:p>
             <a:fld id="{CB472A81-3490-7E45-BCFD-E5C4421ADE95}" type="datetimeFigureOut">
               <a:rPr lang="en-US" smtClean="0"/>
-              <a:t>3/22/22</a:t>
+              <a:t>3/23/22</a:t>
             </a:fld>
             <a:endParaRPr lang="en-US"/>
           </a:p>
@@ -1134,7 +1141,7 @@
           <a:p>
             <a:fld id="{CB472A81-3490-7E45-BCFD-E5C4421ADE95}" type="datetimeFigureOut">
               <a:rPr lang="en-US" smtClean="0"/>
-              <a:t>3/22/22</a:t>
+              <a:t>3/23/22</a:t>
             </a:fld>
             <a:endParaRPr lang="en-US"/>
           </a:p>
@@ -1399,7 +1406,7 @@
           <a:p>
             <a:fld id="{CB472A81-3490-7E45-BCFD-E5C4421ADE95}" type="datetimeFigureOut">
               <a:rPr lang="en-US" smtClean="0"/>
-              <a:t>3/22/22</a:t>
+              <a:t>3/23/22</a:t>
             </a:fld>
             <a:endParaRPr lang="en-US"/>
           </a:p>
@@ -1811,7 +1818,7 @@
           <a:p>
             <a:fld id="{CB472A81-3490-7E45-BCFD-E5C4421ADE95}" type="datetimeFigureOut">
               <a:rPr lang="en-US" smtClean="0"/>
-              <a:t>3/22/22</a:t>
+              <a:t>3/23/22</a:t>
             </a:fld>
             <a:endParaRPr lang="en-US"/>
           </a:p>
@@ -1952,7 +1959,7 @@
           <a:p>
             <a:fld id="{CB472A81-3490-7E45-BCFD-E5C4421ADE95}" type="datetimeFigureOut">
               <a:rPr lang="en-US" smtClean="0"/>
-              <a:t>3/22/22</a:t>
+              <a:t>3/23/22</a:t>
             </a:fld>
             <a:endParaRPr lang="en-US"/>
           </a:p>
@@ -2065,7 +2072,7 @@
           <a:p>
             <a:fld id="{CB472A81-3490-7E45-BCFD-E5C4421ADE95}" type="datetimeFigureOut">
               <a:rPr lang="en-US" smtClean="0"/>
-              <a:t>3/22/22</a:t>
+              <a:t>3/23/22</a:t>
             </a:fld>
             <a:endParaRPr lang="en-US"/>
           </a:p>
@@ -2376,7 +2383,7 @@
           <a:p>
             <a:fld id="{CB472A81-3490-7E45-BCFD-E5C4421ADE95}" type="datetimeFigureOut">
               <a:rPr lang="en-US" smtClean="0"/>
-              <a:t>3/22/22</a:t>
+              <a:t>3/23/22</a:t>
             </a:fld>
             <a:endParaRPr lang="en-US"/>
           </a:p>
@@ -2664,7 +2671,7 @@
           <a:p>
             <a:fld id="{CB472A81-3490-7E45-BCFD-E5C4421ADE95}" type="datetimeFigureOut">
               <a:rPr lang="en-US" smtClean="0"/>
-              <a:t>3/22/22</a:t>
+              <a:t>3/23/22</a:t>
             </a:fld>
             <a:endParaRPr lang="en-US"/>
           </a:p>
@@ -2905,7 +2912,7 @@
           <a:p>
             <a:fld id="{CB472A81-3490-7E45-BCFD-E5C4421ADE95}" type="datetimeFigureOut">
               <a:rPr lang="en-US" smtClean="0"/>
-              <a:t>3/22/22</a:t>
+              <a:t>3/23/22</a:t>
             </a:fld>
             <a:endParaRPr lang="en-US"/>
           </a:p>
@@ -3343,7 +3350,18 @@
           <a:bodyPr/>
           <a:lstStyle/>
           <a:p>
-            <a:endParaRPr lang="en-US"/>
+            <a:r>
+              <a:rPr lang="en-US" dirty="0"/>
+              <a:t>Inner-</a:t>
+            </a:r>
+            <a:r>
+              <a:rPr lang="en-US" dirty="0" err="1"/>
+              <a:t>unikernel</a:t>
+            </a:r>
+            <a:r>
+              <a:rPr lang="en-US" dirty="0"/>
+              <a:t> Maps</a:t>
+            </a:r>
           </a:p>
         </p:txBody>
       </p:sp>
@@ -8611,6 +8629,6235 @@
 </p:sld>
 </file>
 
+<file path=ppt/slides/slide3.xml><?xml version="1.0" encoding="utf-8"?>
+<p:sld xmlns:a="http://schemas.openxmlformats.org/drawingml/2006/main" xmlns:r="http://schemas.openxmlformats.org/officeDocument/2006/relationships" xmlns:p="http://schemas.openxmlformats.org/presentationml/2006/main">
+  <p:cSld>
+    <p:spTree>
+      <p:nvGrpSpPr>
+        <p:cNvPr id="1" name=""/>
+        <p:cNvGrpSpPr/>
+        <p:nvPr/>
+      </p:nvGrpSpPr>
+      <p:grpSpPr>
+        <a:xfrm>
+          <a:off x="0" y="0"/>
+          <a:ext cx="0" cy="0"/>
+          <a:chOff x="0" y="0"/>
+          <a:chExt cx="0" cy="0"/>
+        </a:xfrm>
+      </p:grpSpPr>
+      <p:sp>
+        <p:nvSpPr>
+          <p:cNvPr id="56" name="TextBox 55">
+            <a:extLst>
+              <a:ext uri="{FF2B5EF4-FFF2-40B4-BE49-F238E27FC236}">
+                <a16:creationId xmlns:a16="http://schemas.microsoft.com/office/drawing/2014/main" id="{9A20B675-BFF1-054A-A4DD-A70CA1F697F8}"/>
+              </a:ext>
+            </a:extLst>
+          </p:cNvPr>
+          <p:cNvSpPr txBox="1"/>
+          <p:nvPr/>
+        </p:nvSpPr>
+        <p:spPr>
+          <a:xfrm>
+            <a:off x="3911600" y="4677378"/>
+            <a:ext cx="3031812" cy="276999"/>
+          </a:xfrm>
+          <a:prstGeom prst="rect">
+            <a:avLst/>
+          </a:prstGeom>
+          <a:noFill/>
+        </p:spPr>
+        <p:txBody>
+          <a:bodyPr wrap="square" rtlCol="0">
+            <a:spAutoFit/>
+          </a:bodyPr>
+          <a:lstStyle/>
+          <a:p>
+            <a:pPr algn="ctr"/>
+            <a:r>
+              <a:rPr lang="en-US" sz="1200" dirty="0"/>
+              <a:t>Load rust program into the kernel</a:t>
+            </a:r>
+          </a:p>
+        </p:txBody>
+      </p:sp>
+      <p:sp>
+        <p:nvSpPr>
+          <p:cNvPr id="4" name="Document 3">
+            <a:extLst>
+              <a:ext uri="{FF2B5EF4-FFF2-40B4-BE49-F238E27FC236}">
+                <a16:creationId xmlns:a16="http://schemas.microsoft.com/office/drawing/2014/main" id="{809F5833-7A0A-0E4E-B67D-3B3253DA5C85}"/>
+              </a:ext>
+            </a:extLst>
+          </p:cNvPr>
+          <p:cNvSpPr/>
+          <p:nvPr/>
+        </p:nvSpPr>
+        <p:spPr>
+          <a:xfrm>
+            <a:off x="193494" y="213197"/>
+            <a:ext cx="3318449" cy="1583234"/>
+          </a:xfrm>
+          <a:prstGeom prst="flowChartDocument">
+            <a:avLst/>
+          </a:prstGeom>
+        </p:spPr>
+        <p:style>
+          <a:lnRef idx="2">
+            <a:schemeClr val="accent6"/>
+          </a:lnRef>
+          <a:fillRef idx="1">
+            <a:schemeClr val="lt1"/>
+          </a:fillRef>
+          <a:effectRef idx="0">
+            <a:schemeClr val="accent6"/>
+          </a:effectRef>
+          <a:fontRef idx="minor">
+            <a:schemeClr val="dk1"/>
+          </a:fontRef>
+        </p:style>
+        <p:txBody>
+          <a:bodyPr rtlCol="0" anchor="ctr"/>
+          <a:lstStyle/>
+          <a:p>
+            <a:r>
+              <a:rPr lang="en-US" sz="1000" dirty="0" err="1">
+                <a:solidFill>
+                  <a:srgbClr val="7030A0"/>
+                </a:solidFill>
+                <a:latin typeface="Menlo" panose="020B0609030804020204" pitchFamily="49" charset="0"/>
+                <a:ea typeface="Menlo" panose="020B0609030804020204" pitchFamily="49" charset="0"/>
+                <a:cs typeface="Menlo" panose="020B0609030804020204" pitchFamily="49" charset="0"/>
+              </a:rPr>
+              <a:t>fn</a:t>
+            </a:r>
+            <a:r>
+              <a:rPr lang="en-US" sz="1000" dirty="0">
+                <a:latin typeface="Menlo" panose="020B0609030804020204" pitchFamily="49" charset="0"/>
+                <a:ea typeface="Menlo" panose="020B0609030804020204" pitchFamily="49" charset="0"/>
+                <a:cs typeface="Menlo" panose="020B0609030804020204" pitchFamily="49" charset="0"/>
+              </a:rPr>
+              <a:t> f1(</a:t>
+            </a:r>
+            <a:r>
+              <a:rPr lang="en-US" sz="1000" dirty="0" err="1">
+                <a:latin typeface="Menlo" panose="020B0609030804020204" pitchFamily="49" charset="0"/>
+                <a:ea typeface="Menlo" panose="020B0609030804020204" pitchFamily="49" charset="0"/>
+                <a:cs typeface="Menlo" panose="020B0609030804020204" pitchFamily="49" charset="0"/>
+              </a:rPr>
+              <a:t>ctx</a:t>
+            </a:r>
+            <a:r>
+              <a:rPr lang="en-US" sz="1000" dirty="0">
+                <a:solidFill>
+                  <a:schemeClr val="accent3">
+                    <a:lumMod val="75000"/>
+                  </a:schemeClr>
+                </a:solidFill>
+                <a:latin typeface="Menlo" panose="020B0609030804020204" pitchFamily="49" charset="0"/>
+                <a:ea typeface="Menlo" panose="020B0609030804020204" pitchFamily="49" charset="0"/>
+                <a:cs typeface="Menlo" panose="020B0609030804020204" pitchFamily="49" charset="0"/>
+              </a:rPr>
+              <a:t>:</a:t>
+            </a:r>
+            <a:r>
+              <a:rPr lang="en-US" sz="1000" dirty="0">
+                <a:latin typeface="Menlo" panose="020B0609030804020204" pitchFamily="49" charset="0"/>
+                <a:ea typeface="Menlo" panose="020B0609030804020204" pitchFamily="49" charset="0"/>
+                <a:cs typeface="Menlo" panose="020B0609030804020204" pitchFamily="49" charset="0"/>
+              </a:rPr>
+              <a:t> </a:t>
+            </a:r>
+            <a:r>
+              <a:rPr lang="en-US" sz="1000" dirty="0">
+                <a:solidFill>
+                  <a:schemeClr val="accent3">
+                    <a:lumMod val="75000"/>
+                  </a:schemeClr>
+                </a:solidFill>
+                <a:latin typeface="Menlo" panose="020B0609030804020204" pitchFamily="49" charset="0"/>
+                <a:ea typeface="Menlo" panose="020B0609030804020204" pitchFamily="49" charset="0"/>
+                <a:cs typeface="Menlo" panose="020B0609030804020204" pitchFamily="49" charset="0"/>
+              </a:rPr>
+              <a:t>&amp;</a:t>
+            </a:r>
+            <a:r>
+              <a:rPr lang="en-US" sz="1000" dirty="0" err="1">
+                <a:latin typeface="Menlo" panose="020B0609030804020204" pitchFamily="49" charset="0"/>
+                <a:ea typeface="Menlo" panose="020B0609030804020204" pitchFamily="49" charset="0"/>
+                <a:cs typeface="Menlo" panose="020B0609030804020204" pitchFamily="49" charset="0"/>
+              </a:rPr>
+              <a:t>pt_regs</a:t>
+            </a:r>
+            <a:r>
+              <a:rPr lang="en-US" sz="1000" dirty="0">
+                <a:latin typeface="Menlo" panose="020B0609030804020204" pitchFamily="49" charset="0"/>
+                <a:ea typeface="Menlo" panose="020B0609030804020204" pitchFamily="49" charset="0"/>
+                <a:cs typeface="Menlo" panose="020B0609030804020204" pitchFamily="49" charset="0"/>
+              </a:rPr>
+              <a:t>) </a:t>
+            </a:r>
+            <a:r>
+              <a:rPr lang="en-US" sz="1000" dirty="0">
+                <a:solidFill>
+                  <a:schemeClr val="accent3">
+                    <a:lumMod val="75000"/>
+                  </a:schemeClr>
+                </a:solidFill>
+                <a:latin typeface="Menlo" panose="020B0609030804020204" pitchFamily="49" charset="0"/>
+                <a:ea typeface="Menlo" panose="020B0609030804020204" pitchFamily="49" charset="0"/>
+                <a:cs typeface="Menlo" panose="020B0609030804020204" pitchFamily="49" charset="0"/>
+              </a:rPr>
+              <a:t>-&gt;</a:t>
+            </a:r>
+            <a:r>
+              <a:rPr lang="en-US" sz="1000" dirty="0">
+                <a:latin typeface="Menlo" panose="020B0609030804020204" pitchFamily="49" charset="0"/>
+                <a:ea typeface="Menlo" panose="020B0609030804020204" pitchFamily="49" charset="0"/>
+                <a:cs typeface="Menlo" panose="020B0609030804020204" pitchFamily="49" charset="0"/>
+              </a:rPr>
+              <a:t> u64 {</a:t>
+            </a:r>
+          </a:p>
+          <a:p>
+            <a:r>
+              <a:rPr lang="en-US" sz="1000" dirty="0">
+                <a:latin typeface="Menlo" panose="020B0609030804020204" pitchFamily="49" charset="0"/>
+                <a:ea typeface="Menlo" panose="020B0609030804020204" pitchFamily="49" charset="0"/>
+                <a:cs typeface="Menlo" panose="020B0609030804020204" pitchFamily="49" charset="0"/>
+              </a:rPr>
+              <a:t>  </a:t>
+            </a:r>
+            <a:r>
+              <a:rPr lang="en-US" sz="1000" dirty="0">
+                <a:solidFill>
+                  <a:schemeClr val="accent2">
+                    <a:lumMod val="50000"/>
+                  </a:schemeClr>
+                </a:solidFill>
+                <a:latin typeface="Menlo" panose="020B0609030804020204" pitchFamily="49" charset="0"/>
+                <a:ea typeface="Menlo" panose="020B0609030804020204" pitchFamily="49" charset="0"/>
+                <a:cs typeface="Menlo" panose="020B0609030804020204" pitchFamily="49" charset="0"/>
+              </a:rPr>
+              <a:t>let</a:t>
+            </a:r>
+            <a:r>
+              <a:rPr lang="en-US" sz="1000" dirty="0">
+                <a:solidFill>
+                  <a:srgbClr val="7030A0"/>
+                </a:solidFill>
+                <a:latin typeface="Menlo" panose="020B0609030804020204" pitchFamily="49" charset="0"/>
+                <a:ea typeface="Menlo" panose="020B0609030804020204" pitchFamily="49" charset="0"/>
+                <a:cs typeface="Menlo" panose="020B0609030804020204" pitchFamily="49" charset="0"/>
+              </a:rPr>
+              <a:t> </a:t>
+            </a:r>
+            <a:r>
+              <a:rPr lang="en-US" sz="1000" dirty="0">
+                <a:latin typeface="Menlo" panose="020B0609030804020204" pitchFamily="49" charset="0"/>
+                <a:ea typeface="Menlo" panose="020B0609030804020204" pitchFamily="49" charset="0"/>
+                <a:cs typeface="Menlo" panose="020B0609030804020204" pitchFamily="49" charset="0"/>
+              </a:rPr>
+              <a:t>k</a:t>
+            </a:r>
+            <a:r>
+              <a:rPr lang="en-US" sz="1000" dirty="0">
+                <a:solidFill>
+                  <a:schemeClr val="accent3">
+                    <a:lumMod val="75000"/>
+                  </a:schemeClr>
+                </a:solidFill>
+                <a:latin typeface="Menlo" panose="020B0609030804020204" pitchFamily="49" charset="0"/>
+                <a:ea typeface="Menlo" panose="020B0609030804020204" pitchFamily="49" charset="0"/>
+                <a:cs typeface="Menlo" panose="020B0609030804020204" pitchFamily="49" charset="0"/>
+              </a:rPr>
+              <a:t>:</a:t>
+            </a:r>
+            <a:r>
+              <a:rPr lang="en-US" sz="1000" dirty="0">
+                <a:latin typeface="Menlo" panose="020B0609030804020204" pitchFamily="49" charset="0"/>
+                <a:ea typeface="Menlo" panose="020B0609030804020204" pitchFamily="49" charset="0"/>
+                <a:cs typeface="Menlo" panose="020B0609030804020204" pitchFamily="49" charset="0"/>
+              </a:rPr>
+              <a:t> </a:t>
+            </a:r>
+            <a:r>
+              <a:rPr lang="en-US" sz="1000" dirty="0">
+                <a:solidFill>
+                  <a:srgbClr val="7030A0"/>
+                </a:solidFill>
+                <a:latin typeface="Menlo" panose="020B0609030804020204" pitchFamily="49" charset="0"/>
+                <a:ea typeface="Menlo" panose="020B0609030804020204" pitchFamily="49" charset="0"/>
+                <a:cs typeface="Menlo" panose="020B0609030804020204" pitchFamily="49" charset="0"/>
+              </a:rPr>
+              <a:t>u32</a:t>
+            </a:r>
+            <a:r>
+              <a:rPr lang="en-US" sz="1000" dirty="0">
+                <a:latin typeface="Menlo" panose="020B0609030804020204" pitchFamily="49" charset="0"/>
+                <a:ea typeface="Menlo" panose="020B0609030804020204" pitchFamily="49" charset="0"/>
+                <a:cs typeface="Menlo" panose="020B0609030804020204" pitchFamily="49" charset="0"/>
+              </a:rPr>
+              <a:t> = </a:t>
+            </a:r>
+            <a:r>
+              <a:rPr lang="en-US" sz="1000" dirty="0">
+                <a:solidFill>
+                  <a:srgbClr val="00B0F0"/>
+                </a:solidFill>
+                <a:latin typeface="Menlo" panose="020B0609030804020204" pitchFamily="49" charset="0"/>
+                <a:ea typeface="Menlo" panose="020B0609030804020204" pitchFamily="49" charset="0"/>
+                <a:cs typeface="Menlo" panose="020B0609030804020204" pitchFamily="49" charset="0"/>
+              </a:rPr>
+              <a:t>0</a:t>
+            </a:r>
+            <a:r>
+              <a:rPr lang="en-US" sz="1000" dirty="0">
+                <a:latin typeface="Menlo" panose="020B0609030804020204" pitchFamily="49" charset="0"/>
+                <a:ea typeface="Menlo" panose="020B0609030804020204" pitchFamily="49" charset="0"/>
+                <a:cs typeface="Menlo" panose="020B0609030804020204" pitchFamily="49" charset="0"/>
+              </a:rPr>
+              <a:t>;</a:t>
+            </a:r>
+          </a:p>
+          <a:p>
+            <a:r>
+              <a:rPr lang="en-US" sz="1000" dirty="0">
+                <a:latin typeface="Menlo" panose="020B0609030804020204" pitchFamily="49" charset="0"/>
+                <a:ea typeface="Menlo" panose="020B0609030804020204" pitchFamily="49" charset="0"/>
+                <a:cs typeface="Menlo" panose="020B0609030804020204" pitchFamily="49" charset="0"/>
+              </a:rPr>
+              <a:t>  </a:t>
+            </a:r>
+            <a:r>
+              <a:rPr lang="en-US" sz="1000" dirty="0">
+                <a:solidFill>
+                  <a:schemeClr val="accent2">
+                    <a:lumMod val="50000"/>
+                  </a:schemeClr>
+                </a:solidFill>
+                <a:latin typeface="Menlo" panose="020B0609030804020204" pitchFamily="49" charset="0"/>
+                <a:ea typeface="Menlo" panose="020B0609030804020204" pitchFamily="49" charset="0"/>
+                <a:cs typeface="Menlo" panose="020B0609030804020204" pitchFamily="49" charset="0"/>
+              </a:rPr>
+              <a:t>let</a:t>
+            </a:r>
+            <a:r>
+              <a:rPr lang="en-US" sz="1000" dirty="0">
+                <a:solidFill>
+                  <a:srgbClr val="7030A0"/>
+                </a:solidFill>
+                <a:latin typeface="Menlo" panose="020B0609030804020204" pitchFamily="49" charset="0"/>
+                <a:ea typeface="Menlo" panose="020B0609030804020204" pitchFamily="49" charset="0"/>
+                <a:cs typeface="Menlo" panose="020B0609030804020204" pitchFamily="49" charset="0"/>
+              </a:rPr>
+              <a:t> </a:t>
+            </a:r>
+            <a:r>
+              <a:rPr lang="en-US" sz="1000" dirty="0">
+                <a:latin typeface="Menlo" panose="020B0609030804020204" pitchFamily="49" charset="0"/>
+                <a:ea typeface="Menlo" panose="020B0609030804020204" pitchFamily="49" charset="0"/>
+                <a:cs typeface="Menlo" panose="020B0609030804020204" pitchFamily="49" charset="0"/>
+              </a:rPr>
+              <a:t>v</a:t>
+            </a:r>
+            <a:r>
+              <a:rPr lang="en-US" sz="1000" dirty="0">
+                <a:solidFill>
+                  <a:schemeClr val="accent3">
+                    <a:lumMod val="75000"/>
+                  </a:schemeClr>
+                </a:solidFill>
+                <a:latin typeface="Menlo" panose="020B0609030804020204" pitchFamily="49" charset="0"/>
+                <a:ea typeface="Menlo" panose="020B0609030804020204" pitchFamily="49" charset="0"/>
+                <a:cs typeface="Menlo" panose="020B0609030804020204" pitchFamily="49" charset="0"/>
+              </a:rPr>
+              <a:t>:</a:t>
+            </a:r>
+            <a:r>
+              <a:rPr lang="en-US" sz="1000" dirty="0">
+                <a:latin typeface="Menlo" panose="020B0609030804020204" pitchFamily="49" charset="0"/>
+                <a:ea typeface="Menlo" panose="020B0609030804020204" pitchFamily="49" charset="0"/>
+                <a:cs typeface="Menlo" panose="020B0609030804020204" pitchFamily="49" charset="0"/>
+              </a:rPr>
+              <a:t> </a:t>
+            </a:r>
+            <a:r>
+              <a:rPr lang="en-US" sz="1000" dirty="0">
+                <a:solidFill>
+                  <a:srgbClr val="7030A0"/>
+                </a:solidFill>
+                <a:latin typeface="Menlo" panose="020B0609030804020204" pitchFamily="49" charset="0"/>
+                <a:ea typeface="Menlo" panose="020B0609030804020204" pitchFamily="49" charset="0"/>
+                <a:cs typeface="Menlo" panose="020B0609030804020204" pitchFamily="49" charset="0"/>
+              </a:rPr>
+              <a:t>u64</a:t>
+            </a:r>
+            <a:r>
+              <a:rPr lang="en-US" sz="1000" dirty="0">
+                <a:latin typeface="Menlo" panose="020B0609030804020204" pitchFamily="49" charset="0"/>
+                <a:ea typeface="Menlo" panose="020B0609030804020204" pitchFamily="49" charset="0"/>
+                <a:cs typeface="Menlo" panose="020B0609030804020204" pitchFamily="49" charset="0"/>
+              </a:rPr>
+              <a:t> = </a:t>
+            </a:r>
+            <a:r>
+              <a:rPr lang="en-US" sz="1000" dirty="0" err="1">
+                <a:latin typeface="Menlo" panose="020B0609030804020204" pitchFamily="49" charset="0"/>
+                <a:ea typeface="Menlo" panose="020B0609030804020204" pitchFamily="49" charset="0"/>
+                <a:cs typeface="Menlo" panose="020B0609030804020204" pitchFamily="49" charset="0"/>
+              </a:rPr>
+              <a:t>ctx</a:t>
+            </a:r>
+            <a:r>
+              <a:rPr lang="en-US" sz="1000" dirty="0" err="1">
+                <a:solidFill>
+                  <a:schemeClr val="accent3">
+                    <a:lumMod val="75000"/>
+                  </a:schemeClr>
+                </a:solidFill>
+                <a:latin typeface="Menlo" panose="020B0609030804020204" pitchFamily="49" charset="0"/>
+                <a:ea typeface="Menlo" panose="020B0609030804020204" pitchFamily="49" charset="0"/>
+                <a:cs typeface="Menlo" panose="020B0609030804020204" pitchFamily="49" charset="0"/>
+              </a:rPr>
+              <a:t>.</a:t>
+            </a:r>
+            <a:r>
+              <a:rPr lang="en-US" sz="1000" dirty="0" err="1">
+                <a:latin typeface="Menlo" panose="020B0609030804020204" pitchFamily="49" charset="0"/>
+                <a:ea typeface="Menlo" panose="020B0609030804020204" pitchFamily="49" charset="0"/>
+                <a:cs typeface="Menlo" panose="020B0609030804020204" pitchFamily="49" charset="0"/>
+              </a:rPr>
+              <a:t>rdi</a:t>
+            </a:r>
+            <a:r>
+              <a:rPr lang="en-US" sz="1000" dirty="0">
+                <a:latin typeface="Menlo" panose="020B0609030804020204" pitchFamily="49" charset="0"/>
+                <a:ea typeface="Menlo" panose="020B0609030804020204" pitchFamily="49" charset="0"/>
+                <a:cs typeface="Menlo" panose="020B0609030804020204" pitchFamily="49" charset="0"/>
+              </a:rPr>
+              <a:t>;</a:t>
+            </a:r>
+          </a:p>
+          <a:p>
+            <a:r>
+              <a:rPr lang="en-US" sz="1000" dirty="0">
+                <a:latin typeface="Menlo" panose="020B0609030804020204" pitchFamily="49" charset="0"/>
+                <a:ea typeface="Menlo" panose="020B0609030804020204" pitchFamily="49" charset="0"/>
+                <a:cs typeface="Menlo" panose="020B0609030804020204" pitchFamily="49" charset="0"/>
+              </a:rPr>
+              <a:t>  </a:t>
+            </a:r>
+            <a:r>
+              <a:rPr lang="en-US" sz="1000" dirty="0">
+                <a:solidFill>
+                  <a:schemeClr val="accent2">
+                    <a:lumMod val="50000"/>
+                  </a:schemeClr>
+                </a:solidFill>
+                <a:latin typeface="Menlo" panose="020B0609030804020204" pitchFamily="49" charset="0"/>
+                <a:ea typeface="Menlo" panose="020B0609030804020204" pitchFamily="49" charset="0"/>
+                <a:cs typeface="Menlo" panose="020B0609030804020204" pitchFamily="49" charset="0"/>
+              </a:rPr>
+              <a:t>let</a:t>
+            </a:r>
+            <a:r>
+              <a:rPr lang="en-US" sz="1000" dirty="0">
+                <a:latin typeface="Menlo" panose="020B0609030804020204" pitchFamily="49" charset="0"/>
+                <a:ea typeface="Menlo" panose="020B0609030804020204" pitchFamily="49" charset="0"/>
+                <a:cs typeface="Menlo" panose="020B0609030804020204" pitchFamily="49" charset="0"/>
+              </a:rPr>
+              <a:t> m: </a:t>
+            </a:r>
+            <a:r>
+              <a:rPr lang="en-US" sz="1000" dirty="0">
+                <a:solidFill>
+                  <a:srgbClr val="7030A0"/>
+                </a:solidFill>
+                <a:latin typeface="Menlo" panose="020B0609030804020204" pitchFamily="49" charset="0"/>
+                <a:ea typeface="Menlo" panose="020B0609030804020204" pitchFamily="49" charset="0"/>
+                <a:cs typeface="Menlo" panose="020B0609030804020204" pitchFamily="49" charset="0"/>
+              </a:rPr>
+              <a:t>u32</a:t>
+            </a:r>
+            <a:r>
+              <a:rPr lang="en-US" sz="1000" dirty="0">
+                <a:latin typeface="Menlo" panose="020B0609030804020204" pitchFamily="49" charset="0"/>
+                <a:ea typeface="Menlo" panose="020B0609030804020204" pitchFamily="49" charset="0"/>
+                <a:cs typeface="Menlo" panose="020B0609030804020204" pitchFamily="49" charset="0"/>
+              </a:rPr>
+              <a:t> = </a:t>
+            </a:r>
+            <a:r>
+              <a:rPr lang="en-US" sz="1000" dirty="0">
+                <a:solidFill>
+                  <a:srgbClr val="00B0F0"/>
+                </a:solidFill>
+                <a:latin typeface="Menlo" panose="020B0609030804020204" pitchFamily="49" charset="0"/>
+                <a:ea typeface="Menlo" panose="020B0609030804020204" pitchFamily="49" charset="0"/>
+                <a:cs typeface="Menlo" panose="020B0609030804020204" pitchFamily="49" charset="0"/>
+              </a:rPr>
+              <a:t>4</a:t>
+            </a:r>
+            <a:r>
+              <a:rPr lang="en-US" sz="1000" dirty="0">
+                <a:latin typeface="Menlo" panose="020B0609030804020204" pitchFamily="49" charset="0"/>
+                <a:ea typeface="Menlo" panose="020B0609030804020204" pitchFamily="49" charset="0"/>
+                <a:cs typeface="Menlo" panose="020B0609030804020204" pitchFamily="49" charset="0"/>
+              </a:rPr>
+              <a:t>;</a:t>
+            </a:r>
+          </a:p>
+          <a:p>
+            <a:r>
+              <a:rPr lang="en-US" sz="1000" dirty="0">
+                <a:latin typeface="Menlo" panose="020B0609030804020204" pitchFamily="49" charset="0"/>
+                <a:ea typeface="Menlo" panose="020B0609030804020204" pitchFamily="49" charset="0"/>
+                <a:cs typeface="Menlo" panose="020B0609030804020204" pitchFamily="49" charset="0"/>
+              </a:rPr>
+              <a:t>  </a:t>
+            </a:r>
+            <a:r>
+              <a:rPr lang="en-US" sz="1000" dirty="0">
+                <a:solidFill>
+                  <a:schemeClr val="bg2">
+                    <a:lumMod val="75000"/>
+                  </a:schemeClr>
+                </a:solidFill>
+                <a:latin typeface="Menlo" panose="020B0609030804020204" pitchFamily="49" charset="0"/>
+                <a:ea typeface="Menlo" panose="020B0609030804020204" pitchFamily="49" charset="0"/>
+                <a:cs typeface="Menlo" panose="020B0609030804020204" pitchFamily="49" charset="0"/>
+              </a:rPr>
+              <a:t>// Store </a:t>
+            </a:r>
+            <a:r>
+              <a:rPr lang="en-US" sz="1000" dirty="0" err="1">
+                <a:solidFill>
+                  <a:schemeClr val="bg2">
+                    <a:lumMod val="75000"/>
+                  </a:schemeClr>
+                </a:solidFill>
+                <a:latin typeface="Menlo" panose="020B0609030804020204" pitchFamily="49" charset="0"/>
+                <a:ea typeface="Menlo" panose="020B0609030804020204" pitchFamily="49" charset="0"/>
+                <a:cs typeface="Menlo" panose="020B0609030804020204" pitchFamily="49" charset="0"/>
+              </a:rPr>
+              <a:t>unshare</a:t>
+            </a:r>
+            <a:r>
+              <a:rPr lang="en-US" sz="1000" dirty="0">
+                <a:solidFill>
+                  <a:schemeClr val="bg2">
+                    <a:lumMod val="75000"/>
+                  </a:schemeClr>
+                </a:solidFill>
+                <a:latin typeface="Menlo" panose="020B0609030804020204" pitchFamily="49" charset="0"/>
+                <a:ea typeface="Menlo" panose="020B0609030804020204" pitchFamily="49" charset="0"/>
+                <a:cs typeface="Menlo" panose="020B0609030804020204" pitchFamily="49" charset="0"/>
+              </a:rPr>
+              <a:t> flags (</a:t>
+            </a:r>
+            <a:r>
+              <a:rPr lang="en-US" sz="1000" dirty="0" err="1">
+                <a:solidFill>
+                  <a:schemeClr val="bg2">
+                    <a:lumMod val="75000"/>
+                  </a:schemeClr>
+                </a:solidFill>
+                <a:latin typeface="Menlo" panose="020B0609030804020204" pitchFamily="49" charset="0"/>
+                <a:ea typeface="Menlo" panose="020B0609030804020204" pitchFamily="49" charset="0"/>
+                <a:cs typeface="Menlo" panose="020B0609030804020204" pitchFamily="49" charset="0"/>
+              </a:rPr>
+              <a:t>rdi</a:t>
+            </a:r>
+            <a:r>
+              <a:rPr lang="en-US" sz="1000" dirty="0">
+                <a:solidFill>
+                  <a:schemeClr val="bg2">
+                    <a:lumMod val="75000"/>
+                  </a:schemeClr>
+                </a:solidFill>
+                <a:latin typeface="Menlo" panose="020B0609030804020204" pitchFamily="49" charset="0"/>
+                <a:ea typeface="Menlo" panose="020B0609030804020204" pitchFamily="49" charset="0"/>
+                <a:cs typeface="Menlo" panose="020B0609030804020204" pitchFamily="49" charset="0"/>
+              </a:rPr>
+              <a:t>) to m[0]</a:t>
+            </a:r>
+          </a:p>
+          <a:p>
+            <a:r>
+              <a:rPr lang="en-US" sz="1000" dirty="0">
+                <a:latin typeface="Menlo" panose="020B0609030804020204" pitchFamily="49" charset="0"/>
+                <a:ea typeface="Menlo" panose="020B0609030804020204" pitchFamily="49" charset="0"/>
+                <a:cs typeface="Menlo" panose="020B0609030804020204" pitchFamily="49" charset="0"/>
+              </a:rPr>
+              <a:t>  </a:t>
+            </a:r>
+            <a:r>
+              <a:rPr lang="en-US" sz="1000" dirty="0" err="1">
+                <a:latin typeface="Menlo" panose="020B0609030804020204" pitchFamily="49" charset="0"/>
+                <a:ea typeface="Menlo" panose="020B0609030804020204" pitchFamily="49" charset="0"/>
+                <a:cs typeface="Menlo" panose="020B0609030804020204" pitchFamily="49" charset="0"/>
+              </a:rPr>
+              <a:t>bpf_map_update_elem</a:t>
+            </a:r>
+            <a:r>
+              <a:rPr lang="en-US" sz="1000" dirty="0">
+                <a:latin typeface="Menlo" panose="020B0609030804020204" pitchFamily="49" charset="0"/>
+                <a:ea typeface="Menlo" panose="020B0609030804020204" pitchFamily="49" charset="0"/>
+                <a:cs typeface="Menlo" panose="020B0609030804020204" pitchFamily="49" charset="0"/>
+              </a:rPr>
+              <a:t>(</a:t>
+            </a:r>
+            <a:r>
+              <a:rPr lang="en-US" sz="1000" dirty="0">
+                <a:solidFill>
+                  <a:schemeClr val="tx1"/>
+                </a:solidFill>
+                <a:latin typeface="Menlo" panose="020B0609030804020204" pitchFamily="49" charset="0"/>
+                <a:ea typeface="Menlo" panose="020B0609030804020204" pitchFamily="49" charset="0"/>
+                <a:cs typeface="Menlo" panose="020B0609030804020204" pitchFamily="49" charset="0"/>
+              </a:rPr>
+              <a:t>m</a:t>
+            </a:r>
+            <a:r>
+              <a:rPr lang="en-US" sz="1000" dirty="0">
+                <a:latin typeface="Menlo" panose="020B0609030804020204" pitchFamily="49" charset="0"/>
+                <a:ea typeface="Menlo" panose="020B0609030804020204" pitchFamily="49" charset="0"/>
+                <a:cs typeface="Menlo" panose="020B0609030804020204" pitchFamily="49" charset="0"/>
+              </a:rPr>
+              <a:t>, k, v, BPF_ANY);</a:t>
+            </a:r>
+          </a:p>
+          <a:p>
+            <a:r>
+              <a:rPr lang="en-US" sz="1000" dirty="0">
+                <a:latin typeface="Menlo" panose="020B0609030804020204" pitchFamily="49" charset="0"/>
+                <a:ea typeface="Menlo" panose="020B0609030804020204" pitchFamily="49" charset="0"/>
+                <a:cs typeface="Menlo" panose="020B0609030804020204" pitchFamily="49" charset="0"/>
+              </a:rPr>
+              <a:t>  </a:t>
+            </a:r>
+            <a:r>
+              <a:rPr lang="en-US" sz="1000" dirty="0">
+                <a:solidFill>
+                  <a:schemeClr val="accent2">
+                    <a:lumMod val="50000"/>
+                  </a:schemeClr>
+                </a:solidFill>
+                <a:latin typeface="Menlo" panose="020B0609030804020204" pitchFamily="49" charset="0"/>
+                <a:ea typeface="Menlo" panose="020B0609030804020204" pitchFamily="49" charset="0"/>
+                <a:cs typeface="Menlo" panose="020B0609030804020204" pitchFamily="49" charset="0"/>
+              </a:rPr>
+              <a:t>return</a:t>
+            </a:r>
+            <a:r>
+              <a:rPr lang="en-US" sz="1000" dirty="0">
+                <a:latin typeface="Menlo" panose="020B0609030804020204" pitchFamily="49" charset="0"/>
+                <a:ea typeface="Menlo" panose="020B0609030804020204" pitchFamily="49" charset="0"/>
+                <a:cs typeface="Menlo" panose="020B0609030804020204" pitchFamily="49" charset="0"/>
+              </a:rPr>
+              <a:t> </a:t>
+            </a:r>
+            <a:r>
+              <a:rPr lang="en-US" sz="1000" dirty="0">
+                <a:solidFill>
+                  <a:srgbClr val="00B0F0"/>
+                </a:solidFill>
+                <a:latin typeface="Menlo" panose="020B0609030804020204" pitchFamily="49" charset="0"/>
+                <a:ea typeface="Menlo" panose="020B0609030804020204" pitchFamily="49" charset="0"/>
+                <a:cs typeface="Menlo" panose="020B0609030804020204" pitchFamily="49" charset="0"/>
+              </a:rPr>
+              <a:t>0</a:t>
+            </a:r>
+            <a:r>
+              <a:rPr lang="en-US" sz="1000" dirty="0">
+                <a:latin typeface="Menlo" panose="020B0609030804020204" pitchFamily="49" charset="0"/>
+                <a:ea typeface="Menlo" panose="020B0609030804020204" pitchFamily="49" charset="0"/>
+                <a:cs typeface="Menlo" panose="020B0609030804020204" pitchFamily="49" charset="0"/>
+              </a:rPr>
+              <a:t>;</a:t>
+            </a:r>
+          </a:p>
+          <a:p>
+            <a:r>
+              <a:rPr lang="en-US" sz="1000" dirty="0">
+                <a:latin typeface="Menlo" panose="020B0609030804020204" pitchFamily="49" charset="0"/>
+                <a:ea typeface="Menlo" panose="020B0609030804020204" pitchFamily="49" charset="0"/>
+                <a:cs typeface="Menlo" panose="020B0609030804020204" pitchFamily="49" charset="0"/>
+              </a:rPr>
+              <a:t>}</a:t>
+            </a:r>
+          </a:p>
+        </p:txBody>
+      </p:sp>
+      <p:grpSp>
+        <p:nvGrpSpPr>
+          <p:cNvPr id="5" name="Group 4">
+            <a:extLst>
+              <a:ext uri="{FF2B5EF4-FFF2-40B4-BE49-F238E27FC236}">
+                <a16:creationId xmlns:a16="http://schemas.microsoft.com/office/drawing/2014/main" id="{51326453-A81E-B64C-90DD-4F6F5D7CEBC4}"/>
+              </a:ext>
+            </a:extLst>
+          </p:cNvPr>
+          <p:cNvGrpSpPr/>
+          <p:nvPr/>
+        </p:nvGrpSpPr>
+        <p:grpSpPr>
+          <a:xfrm>
+            <a:off x="193494" y="3560203"/>
+            <a:ext cx="3718106" cy="3181782"/>
+            <a:chOff x="193495" y="3676219"/>
+            <a:chExt cx="3712306" cy="3181782"/>
+          </a:xfrm>
+        </p:grpSpPr>
+        <p:sp>
+          <p:nvSpPr>
+            <p:cNvPr id="6" name="Document 5">
+              <a:extLst>
+                <a:ext uri="{FF2B5EF4-FFF2-40B4-BE49-F238E27FC236}">
+                  <a16:creationId xmlns:a16="http://schemas.microsoft.com/office/drawing/2014/main" id="{9227C2B2-9881-A042-BBBC-CDB11E00C306}"/>
+                </a:ext>
+              </a:extLst>
+            </p:cNvPr>
+            <p:cNvSpPr/>
+            <p:nvPr/>
+          </p:nvSpPr>
+          <p:spPr>
+            <a:xfrm>
+              <a:off x="193495" y="3676219"/>
+              <a:ext cx="3712306" cy="3181782"/>
+            </a:xfrm>
+            <a:prstGeom prst="flowChartDocument">
+              <a:avLst/>
+            </a:prstGeom>
+          </p:spPr>
+          <p:style>
+            <a:lnRef idx="2">
+              <a:schemeClr val="accent6"/>
+            </a:lnRef>
+            <a:fillRef idx="1">
+              <a:schemeClr val="lt1"/>
+            </a:fillRef>
+            <a:effectRef idx="0">
+              <a:schemeClr val="accent6"/>
+            </a:effectRef>
+            <a:fontRef idx="minor">
+              <a:schemeClr val="dk1"/>
+            </a:fontRef>
+          </p:style>
+          <p:txBody>
+            <a:bodyPr rtlCol="0" anchor="ctr"/>
+            <a:lstStyle/>
+            <a:p>
+              <a:r>
+                <a:rPr lang="en-US" sz="1000" dirty="0">
+                  <a:solidFill>
+                    <a:srgbClr val="7030A0"/>
+                  </a:solidFill>
+                  <a:latin typeface="Menlo" panose="020B0609030804020204" pitchFamily="49" charset="0"/>
+                  <a:ea typeface="Menlo" panose="020B0609030804020204" pitchFamily="49" charset="0"/>
+                  <a:cs typeface="Menlo" panose="020B0609030804020204" pitchFamily="49" charset="0"/>
+                </a:rPr>
+                <a:t>int</a:t>
+              </a:r>
+              <a:r>
+                <a:rPr lang="en-US" sz="1000" dirty="0">
+                  <a:latin typeface="Menlo" panose="020B0609030804020204" pitchFamily="49" charset="0"/>
+                  <a:ea typeface="Menlo" panose="020B0609030804020204" pitchFamily="49" charset="0"/>
+                  <a:cs typeface="Menlo" panose="020B0609030804020204" pitchFamily="49" charset="0"/>
+                </a:rPr>
+                <a:t> main(</a:t>
+              </a:r>
+              <a:r>
+                <a:rPr lang="en-US" sz="1000" dirty="0">
+                  <a:solidFill>
+                    <a:schemeClr val="accent2">
+                      <a:lumMod val="50000"/>
+                    </a:schemeClr>
+                  </a:solidFill>
+                  <a:latin typeface="Menlo" panose="020B0609030804020204" pitchFamily="49" charset="0"/>
+                  <a:ea typeface="Menlo" panose="020B0609030804020204" pitchFamily="49" charset="0"/>
+                  <a:cs typeface="Menlo" panose="020B0609030804020204" pitchFamily="49" charset="0"/>
+                </a:rPr>
+                <a:t>void</a:t>
+              </a:r>
+              <a:r>
+                <a:rPr lang="en-US" sz="1000" dirty="0">
+                  <a:latin typeface="Menlo" panose="020B0609030804020204" pitchFamily="49" charset="0"/>
+                  <a:ea typeface="Menlo" panose="020B0609030804020204" pitchFamily="49" charset="0"/>
+                  <a:cs typeface="Menlo" panose="020B0609030804020204" pitchFamily="49" charset="0"/>
+                </a:rPr>
+                <a:t>)</a:t>
+              </a:r>
+            </a:p>
+            <a:p>
+              <a:r>
+                <a:rPr lang="en-US" sz="1000" dirty="0">
+                  <a:latin typeface="Menlo" panose="020B0609030804020204" pitchFamily="49" charset="0"/>
+                  <a:ea typeface="Menlo" panose="020B0609030804020204" pitchFamily="49" charset="0"/>
+                  <a:cs typeface="Menlo" panose="020B0609030804020204" pitchFamily="49" charset="0"/>
+                </a:rPr>
+                <a:t>{</a:t>
+              </a:r>
+            </a:p>
+            <a:p>
+              <a:r>
+                <a:rPr lang="en-US" sz="1000" dirty="0">
+                  <a:solidFill>
+                    <a:srgbClr val="7030A0"/>
+                  </a:solidFill>
+                  <a:latin typeface="Menlo" panose="020B0609030804020204" pitchFamily="49" charset="0"/>
+                  <a:ea typeface="Menlo" panose="020B0609030804020204" pitchFamily="49" charset="0"/>
+                  <a:cs typeface="Menlo" panose="020B0609030804020204" pitchFamily="49" charset="0"/>
+                </a:rPr>
+                <a:t>  int</a:t>
+              </a:r>
+              <a:r>
+                <a:rPr lang="en-US" sz="1000" dirty="0">
+                  <a:latin typeface="Menlo" panose="020B0609030804020204" pitchFamily="49" charset="0"/>
+                  <a:ea typeface="Menlo" panose="020B0609030804020204" pitchFamily="49" charset="0"/>
+                  <a:cs typeface="Menlo" panose="020B0609030804020204" pitchFamily="49" charset="0"/>
+                </a:rPr>
+                <a:t> </a:t>
+              </a:r>
+              <a:r>
+                <a:rPr lang="en-US" sz="1000" dirty="0" err="1">
+                  <a:latin typeface="Menlo" panose="020B0609030804020204" pitchFamily="49" charset="0"/>
+                  <a:ea typeface="Menlo" panose="020B0609030804020204" pitchFamily="49" charset="0"/>
+                  <a:cs typeface="Menlo" panose="020B0609030804020204" pitchFamily="49" charset="0"/>
+                </a:rPr>
+                <a:t>p_fd</a:t>
+              </a:r>
+              <a:r>
+                <a:rPr lang="en-US" sz="1000" dirty="0">
+                  <a:latin typeface="Menlo" panose="020B0609030804020204" pitchFamily="49" charset="0"/>
+                  <a:ea typeface="Menlo" panose="020B0609030804020204" pitchFamily="49" charset="0"/>
+                  <a:cs typeface="Menlo" panose="020B0609030804020204" pitchFamily="49" charset="0"/>
+                </a:rPr>
+                <a:t>, </a:t>
+              </a:r>
+              <a:r>
+                <a:rPr lang="en-US" sz="1000" dirty="0" err="1">
+                  <a:latin typeface="Menlo" panose="020B0609030804020204" pitchFamily="49" charset="0"/>
+                  <a:ea typeface="Menlo" panose="020B0609030804020204" pitchFamily="49" charset="0"/>
+                  <a:cs typeface="Menlo" panose="020B0609030804020204" pitchFamily="49" charset="0"/>
+                </a:rPr>
+                <a:t>m_fd</a:t>
+              </a:r>
+              <a:r>
+                <a:rPr lang="en-US" sz="1000" dirty="0">
+                  <a:latin typeface="Menlo" panose="020B0609030804020204" pitchFamily="49" charset="0"/>
+                  <a:ea typeface="Menlo" panose="020B0609030804020204" pitchFamily="49" charset="0"/>
+                  <a:cs typeface="Menlo" panose="020B0609030804020204" pitchFamily="49" charset="0"/>
+                </a:rPr>
+                <a:t>, </a:t>
+              </a:r>
+              <a:r>
+                <a:rPr lang="en-US" sz="1000" dirty="0" err="1">
+                  <a:latin typeface="Menlo" panose="020B0609030804020204" pitchFamily="49" charset="0"/>
+                  <a:ea typeface="Menlo" panose="020B0609030804020204" pitchFamily="49" charset="0"/>
+                  <a:cs typeface="Menlo" panose="020B0609030804020204" pitchFamily="49" charset="0"/>
+                </a:rPr>
+                <a:t>f_fd</a:t>
+              </a:r>
+              <a:r>
+                <a:rPr lang="en-US" sz="1000" dirty="0">
+                  <a:latin typeface="Menlo" panose="020B0609030804020204" pitchFamily="49" charset="0"/>
+                  <a:ea typeface="Menlo" panose="020B0609030804020204" pitchFamily="49" charset="0"/>
+                  <a:cs typeface="Menlo" panose="020B0609030804020204" pitchFamily="49" charset="0"/>
+                </a:rPr>
+                <a:t>;</a:t>
+              </a:r>
+            </a:p>
+            <a:p>
+              <a:r>
+                <a:rPr lang="en-US" sz="1000" dirty="0">
+                  <a:latin typeface="Menlo" panose="020B0609030804020204" pitchFamily="49" charset="0"/>
+                  <a:ea typeface="Menlo" panose="020B0609030804020204" pitchFamily="49" charset="0"/>
+                  <a:cs typeface="Menlo" panose="020B0609030804020204" pitchFamily="49" charset="0"/>
+                </a:rPr>
+                <a:t>  </a:t>
+              </a:r>
+              <a:r>
+                <a:rPr lang="en-US" sz="1000" dirty="0">
+                  <a:solidFill>
+                    <a:srgbClr val="7030A0"/>
+                  </a:solidFill>
+                  <a:latin typeface="Menlo" panose="020B0609030804020204" pitchFamily="49" charset="0"/>
+                  <a:ea typeface="Menlo" panose="020B0609030804020204" pitchFamily="49" charset="0"/>
+                  <a:cs typeface="Menlo" panose="020B0609030804020204" pitchFamily="49" charset="0"/>
+                </a:rPr>
+                <a:t>union</a:t>
+              </a:r>
+              <a:r>
+                <a:rPr lang="en-US" sz="1000" dirty="0">
+                  <a:latin typeface="Menlo" panose="020B0609030804020204" pitchFamily="49" charset="0"/>
+                  <a:ea typeface="Menlo" panose="020B0609030804020204" pitchFamily="49" charset="0"/>
+                  <a:cs typeface="Menlo" panose="020B0609030804020204" pitchFamily="49" charset="0"/>
+                </a:rPr>
+                <a:t> </a:t>
+              </a:r>
+              <a:r>
+                <a:rPr lang="en-US" sz="1000" dirty="0" err="1">
+                  <a:latin typeface="Menlo" panose="020B0609030804020204" pitchFamily="49" charset="0"/>
+                  <a:ea typeface="Menlo" panose="020B0609030804020204" pitchFamily="49" charset="0"/>
+                  <a:cs typeface="Menlo" panose="020B0609030804020204" pitchFamily="49" charset="0"/>
+                </a:rPr>
+                <a:t>bpf_attr</a:t>
+              </a:r>
+              <a:r>
+                <a:rPr lang="en-US" sz="1000" dirty="0">
+                  <a:latin typeface="Menlo" panose="020B0609030804020204" pitchFamily="49" charset="0"/>
+                  <a:ea typeface="Menlo" panose="020B0609030804020204" pitchFamily="49" charset="0"/>
+                  <a:cs typeface="Menlo" panose="020B0609030804020204" pitchFamily="49" charset="0"/>
+                </a:rPr>
+                <a:t> </a:t>
+              </a:r>
+              <a:r>
+                <a:rPr lang="en-US" sz="1000" dirty="0" err="1">
+                  <a:latin typeface="Menlo" panose="020B0609030804020204" pitchFamily="49" charset="0"/>
+                  <a:ea typeface="Menlo" panose="020B0609030804020204" pitchFamily="49" charset="0"/>
+                  <a:cs typeface="Menlo" panose="020B0609030804020204" pitchFamily="49" charset="0"/>
+                </a:rPr>
+                <a:t>m_attr</a:t>
+              </a:r>
+              <a:r>
+                <a:rPr lang="en-US" sz="1000" dirty="0">
+                  <a:latin typeface="Menlo" panose="020B0609030804020204" pitchFamily="49" charset="0"/>
+                  <a:ea typeface="Menlo" panose="020B0609030804020204" pitchFamily="49" charset="0"/>
+                  <a:cs typeface="Menlo" panose="020B0609030804020204" pitchFamily="49" charset="0"/>
+                </a:rPr>
+                <a:t>, </a:t>
+              </a:r>
+              <a:r>
+                <a:rPr lang="en-US" sz="1000" dirty="0" err="1">
+                  <a:latin typeface="Menlo" panose="020B0609030804020204" pitchFamily="49" charset="0"/>
+                  <a:ea typeface="Menlo" panose="020B0609030804020204" pitchFamily="49" charset="0"/>
+                  <a:cs typeface="Menlo" panose="020B0609030804020204" pitchFamily="49" charset="0"/>
+                </a:rPr>
+                <a:t>p_attr</a:t>
+              </a:r>
+              <a:r>
+                <a:rPr lang="en-US" sz="1000" dirty="0">
+                  <a:latin typeface="Menlo" panose="020B0609030804020204" pitchFamily="49" charset="0"/>
+                  <a:ea typeface="Menlo" panose="020B0609030804020204" pitchFamily="49" charset="0"/>
+                  <a:cs typeface="Menlo" panose="020B0609030804020204" pitchFamily="49" charset="0"/>
+                </a:rPr>
+                <a:t>;</a:t>
+              </a:r>
+            </a:p>
+            <a:p>
+              <a:endParaRPr lang="en-US" sz="1000" dirty="0">
+                <a:latin typeface="Menlo" panose="020B0609030804020204" pitchFamily="49" charset="0"/>
+                <a:ea typeface="Menlo" panose="020B0609030804020204" pitchFamily="49" charset="0"/>
+                <a:cs typeface="Menlo" panose="020B0609030804020204" pitchFamily="49" charset="0"/>
+              </a:endParaRPr>
+            </a:p>
+            <a:p>
+              <a:r>
+                <a:rPr lang="en-US" sz="1000" dirty="0">
+                  <a:latin typeface="Menlo" panose="020B0609030804020204" pitchFamily="49" charset="0"/>
+                  <a:ea typeface="Menlo" panose="020B0609030804020204" pitchFamily="49" charset="0"/>
+                  <a:cs typeface="Menlo" panose="020B0609030804020204" pitchFamily="49" charset="0"/>
+                </a:rPr>
+                <a:t>  </a:t>
+              </a:r>
+              <a:r>
+                <a:rPr lang="en-US" sz="1000" dirty="0" err="1">
+                  <a:latin typeface="Menlo" panose="020B0609030804020204" pitchFamily="49" charset="0"/>
+                  <a:ea typeface="Menlo" panose="020B0609030804020204" pitchFamily="49" charset="0"/>
+                  <a:cs typeface="Menlo" panose="020B0609030804020204" pitchFamily="49" charset="0"/>
+                </a:rPr>
+                <a:t>f_fd</a:t>
+              </a:r>
+              <a:r>
+                <a:rPr lang="en-US" sz="1000" dirty="0">
+                  <a:latin typeface="Menlo" panose="020B0609030804020204" pitchFamily="49" charset="0"/>
+                  <a:ea typeface="Menlo" panose="020B0609030804020204" pitchFamily="49" charset="0"/>
+                  <a:cs typeface="Menlo" panose="020B0609030804020204" pitchFamily="49" charset="0"/>
+                </a:rPr>
+                <a:t> = open(</a:t>
+              </a:r>
+              <a:r>
+                <a:rPr lang="en-US" sz="1000" dirty="0">
+                  <a:solidFill>
+                    <a:srgbClr val="FF0000"/>
+                  </a:solidFill>
+                  <a:latin typeface="Menlo" panose="020B0609030804020204" pitchFamily="49" charset="0"/>
+                  <a:ea typeface="Menlo" panose="020B0609030804020204" pitchFamily="49" charset="0"/>
+                  <a:cs typeface="Menlo" panose="020B0609030804020204" pitchFamily="49" charset="0"/>
+                </a:rPr>
+                <a:t>“</a:t>
+              </a:r>
+              <a:r>
+                <a:rPr lang="en-US" sz="1000" dirty="0" err="1">
+                  <a:solidFill>
+                    <a:srgbClr val="FF0000"/>
+                  </a:solidFill>
+                  <a:latin typeface="Menlo" panose="020B0609030804020204" pitchFamily="49" charset="0"/>
+                  <a:ea typeface="Menlo" panose="020B0609030804020204" pitchFamily="49" charset="0"/>
+                  <a:cs typeface="Menlo" panose="020B0609030804020204" pitchFamily="49" charset="0"/>
+                </a:rPr>
+                <a:t>kern.o</a:t>
+              </a:r>
+              <a:r>
+                <a:rPr lang="en-US" sz="1000" dirty="0">
+                  <a:solidFill>
+                    <a:srgbClr val="FF0000"/>
+                  </a:solidFill>
+                  <a:latin typeface="Menlo" panose="020B0609030804020204" pitchFamily="49" charset="0"/>
+                  <a:ea typeface="Menlo" panose="020B0609030804020204" pitchFamily="49" charset="0"/>
+                  <a:cs typeface="Menlo" panose="020B0609030804020204" pitchFamily="49" charset="0"/>
+                </a:rPr>
+                <a:t>”</a:t>
+              </a:r>
+              <a:r>
+                <a:rPr lang="en-US" sz="1000" dirty="0">
+                  <a:latin typeface="Menlo" panose="020B0609030804020204" pitchFamily="49" charset="0"/>
+                  <a:ea typeface="Menlo" panose="020B0609030804020204" pitchFamily="49" charset="0"/>
+                  <a:cs typeface="Menlo" panose="020B0609030804020204" pitchFamily="49" charset="0"/>
+                </a:rPr>
+                <a:t>, O_RDONLY);</a:t>
+              </a:r>
+            </a:p>
+            <a:p>
+              <a:endParaRPr lang="en-US" sz="1000" dirty="0">
+                <a:latin typeface="Menlo" panose="020B0609030804020204" pitchFamily="49" charset="0"/>
+                <a:ea typeface="Menlo" panose="020B0609030804020204" pitchFamily="49" charset="0"/>
+                <a:cs typeface="Menlo" panose="020B0609030804020204" pitchFamily="49" charset="0"/>
+              </a:endParaRPr>
+            </a:p>
+            <a:p>
+              <a:r>
+                <a:rPr lang="en-US" sz="1000" dirty="0">
+                  <a:latin typeface="Menlo" panose="020B0609030804020204" pitchFamily="49" charset="0"/>
+                  <a:ea typeface="Menlo" panose="020B0609030804020204" pitchFamily="49" charset="0"/>
+                  <a:cs typeface="Menlo" panose="020B0609030804020204" pitchFamily="49" charset="0"/>
+                </a:rPr>
+                <a:t>  </a:t>
+              </a:r>
+              <a:r>
+                <a:rPr lang="en-US" sz="1000" dirty="0" err="1">
+                  <a:latin typeface="Menlo" panose="020B0609030804020204" pitchFamily="49" charset="0"/>
+                  <a:ea typeface="Menlo" panose="020B0609030804020204" pitchFamily="49" charset="0"/>
+                  <a:cs typeface="Menlo" panose="020B0609030804020204" pitchFamily="49" charset="0"/>
+                </a:rPr>
+                <a:t>m_fd</a:t>
+              </a:r>
+              <a:r>
+                <a:rPr lang="en-US" sz="1000" dirty="0">
+                  <a:latin typeface="Menlo" panose="020B0609030804020204" pitchFamily="49" charset="0"/>
+                  <a:ea typeface="Menlo" panose="020B0609030804020204" pitchFamily="49" charset="0"/>
+                  <a:cs typeface="Menlo" panose="020B0609030804020204" pitchFamily="49" charset="0"/>
+                </a:rPr>
+                <a:t> = </a:t>
+              </a:r>
+              <a:r>
+                <a:rPr lang="en-US" sz="1000" dirty="0" err="1">
+                  <a:latin typeface="Menlo" panose="020B0609030804020204" pitchFamily="49" charset="0"/>
+                  <a:ea typeface="Menlo" panose="020B0609030804020204" pitchFamily="49" charset="0"/>
+                  <a:cs typeface="Menlo" panose="020B0609030804020204" pitchFamily="49" charset="0"/>
+                </a:rPr>
+                <a:t>bpf</a:t>
+              </a:r>
+              <a:r>
+                <a:rPr lang="en-US" sz="1000" dirty="0">
+                  <a:solidFill>
+                    <a:schemeClr val="tx1"/>
+                  </a:solidFill>
+                  <a:latin typeface="Menlo" panose="020B0609030804020204" pitchFamily="49" charset="0"/>
+                  <a:ea typeface="Menlo" panose="020B0609030804020204" pitchFamily="49" charset="0"/>
+                  <a:cs typeface="Menlo" panose="020B0609030804020204" pitchFamily="49" charset="0"/>
+                </a:rPr>
+                <a:t>(BPF_MAP_CREATE, </a:t>
+              </a:r>
+              <a:r>
+                <a:rPr lang="en-US" sz="1000" dirty="0">
+                  <a:solidFill>
+                    <a:schemeClr val="accent3">
+                      <a:lumMod val="75000"/>
+                    </a:schemeClr>
+                  </a:solidFill>
+                  <a:latin typeface="Menlo" panose="020B0609030804020204" pitchFamily="49" charset="0"/>
+                  <a:ea typeface="Menlo" panose="020B0609030804020204" pitchFamily="49" charset="0"/>
+                  <a:cs typeface="Menlo" panose="020B0609030804020204" pitchFamily="49" charset="0"/>
+                </a:rPr>
+                <a:t>&amp;</a:t>
+              </a:r>
+              <a:r>
+                <a:rPr lang="en-US" sz="1000" dirty="0" err="1">
+                  <a:latin typeface="Menlo" panose="020B0609030804020204" pitchFamily="49" charset="0"/>
+                  <a:ea typeface="Menlo" panose="020B0609030804020204" pitchFamily="49" charset="0"/>
+                  <a:cs typeface="Menlo" panose="020B0609030804020204" pitchFamily="49" charset="0"/>
+                </a:rPr>
+                <a:t>m_attr</a:t>
+              </a:r>
+              <a:r>
+                <a:rPr lang="en-US" sz="1000" dirty="0">
+                  <a:latin typeface="Menlo" panose="020B0609030804020204" pitchFamily="49" charset="0"/>
+                  <a:ea typeface="Menlo" panose="020B0609030804020204" pitchFamily="49" charset="0"/>
+                  <a:cs typeface="Menlo" panose="020B0609030804020204" pitchFamily="49" charset="0"/>
+                </a:rPr>
+                <a:t>, ...);</a:t>
+              </a:r>
+            </a:p>
+            <a:p>
+              <a:r>
+                <a:rPr lang="en-US" sz="1000" dirty="0">
+                  <a:latin typeface="Menlo" panose="020B0609030804020204" pitchFamily="49" charset="0"/>
+                  <a:ea typeface="Menlo" panose="020B0609030804020204" pitchFamily="49" charset="0"/>
+                  <a:cs typeface="Menlo" panose="020B0609030804020204" pitchFamily="49" charset="0"/>
+                </a:rPr>
+                <a:t>  </a:t>
+              </a:r>
+              <a:r>
+                <a:rPr lang="en-US" sz="1000" dirty="0" err="1">
+                  <a:latin typeface="Menlo" panose="020B0609030804020204" pitchFamily="49" charset="0"/>
+                  <a:ea typeface="Menlo" panose="020B0609030804020204" pitchFamily="49" charset="0"/>
+                  <a:cs typeface="Menlo" panose="020B0609030804020204" pitchFamily="49" charset="0"/>
+                </a:rPr>
+                <a:t>p_fd</a:t>
+              </a:r>
+              <a:r>
+                <a:rPr lang="en-US" sz="1000" dirty="0">
+                  <a:latin typeface="Menlo" panose="020B0609030804020204" pitchFamily="49" charset="0"/>
+                  <a:ea typeface="Menlo" panose="020B0609030804020204" pitchFamily="49" charset="0"/>
+                  <a:cs typeface="Menlo" panose="020B0609030804020204" pitchFamily="49" charset="0"/>
+                </a:rPr>
+                <a:t> = </a:t>
+              </a:r>
+              <a:r>
+                <a:rPr lang="en-US" sz="1000" dirty="0" err="1">
+                  <a:latin typeface="Menlo" panose="020B0609030804020204" pitchFamily="49" charset="0"/>
+                  <a:ea typeface="Menlo" panose="020B0609030804020204" pitchFamily="49" charset="0"/>
+                  <a:cs typeface="Menlo" panose="020B0609030804020204" pitchFamily="49" charset="0"/>
+                </a:rPr>
+                <a:t>bpf</a:t>
+              </a:r>
+              <a:r>
+                <a:rPr lang="en-US" sz="1000" dirty="0">
+                  <a:latin typeface="Menlo" panose="020B0609030804020204" pitchFamily="49" charset="0"/>
+                  <a:ea typeface="Menlo" panose="020B0609030804020204" pitchFamily="49" charset="0"/>
+                  <a:cs typeface="Menlo" panose="020B0609030804020204" pitchFamily="49" charset="0"/>
+                </a:rPr>
+                <a:t>(BPF_PROG_LOAD_DJW, </a:t>
+              </a:r>
+              <a:r>
+                <a:rPr lang="en-US" sz="1000" dirty="0">
+                  <a:solidFill>
+                    <a:schemeClr val="accent3">
+                      <a:lumMod val="75000"/>
+                    </a:schemeClr>
+                  </a:solidFill>
+                  <a:latin typeface="Menlo" panose="020B0609030804020204" pitchFamily="49" charset="0"/>
+                  <a:ea typeface="Menlo" panose="020B0609030804020204" pitchFamily="49" charset="0"/>
+                  <a:cs typeface="Menlo" panose="020B0609030804020204" pitchFamily="49" charset="0"/>
+                </a:rPr>
+                <a:t>&amp;</a:t>
+              </a:r>
+              <a:r>
+                <a:rPr lang="en-US" sz="1000" dirty="0" err="1">
+                  <a:latin typeface="Menlo" panose="020B0609030804020204" pitchFamily="49" charset="0"/>
+                  <a:ea typeface="Menlo" panose="020B0609030804020204" pitchFamily="49" charset="0"/>
+                  <a:cs typeface="Menlo" panose="020B0609030804020204" pitchFamily="49" charset="0"/>
+                </a:rPr>
+                <a:t>p_attr</a:t>
+              </a:r>
+              <a:r>
+                <a:rPr lang="en-US" sz="1000" dirty="0">
+                  <a:latin typeface="Menlo" panose="020B0609030804020204" pitchFamily="49" charset="0"/>
+                  <a:ea typeface="Menlo" panose="020B0609030804020204" pitchFamily="49" charset="0"/>
+                  <a:cs typeface="Menlo" panose="020B0609030804020204" pitchFamily="49" charset="0"/>
+                </a:rPr>
+                <a:t>, ...);</a:t>
+              </a:r>
+            </a:p>
+            <a:p>
+              <a:r>
+                <a:rPr lang="en-US" sz="1000" dirty="0">
+                  <a:latin typeface="Menlo" panose="020B0609030804020204" pitchFamily="49" charset="0"/>
+                  <a:ea typeface="Menlo" panose="020B0609030804020204" pitchFamily="49" charset="0"/>
+                  <a:cs typeface="Menlo" panose="020B0609030804020204" pitchFamily="49" charset="0"/>
+                </a:rPr>
+                <a:t>  </a:t>
+              </a:r>
+            </a:p>
+            <a:p>
+              <a:r>
+                <a:rPr lang="en-US" sz="1000" dirty="0">
+                  <a:latin typeface="Menlo" panose="020B0609030804020204" pitchFamily="49" charset="0"/>
+                  <a:ea typeface="Menlo" panose="020B0609030804020204" pitchFamily="49" charset="0"/>
+                  <a:cs typeface="Menlo" panose="020B0609030804020204" pitchFamily="49" charset="0"/>
+                </a:rPr>
+                <a:t>  </a:t>
+              </a:r>
+              <a:r>
+                <a:rPr lang="en-US" sz="1000" dirty="0">
+                  <a:solidFill>
+                    <a:schemeClr val="bg2">
+                      <a:lumMod val="75000"/>
+                    </a:schemeClr>
+                  </a:solidFill>
+                  <a:latin typeface="Menlo" panose="020B0609030804020204" pitchFamily="49" charset="0"/>
+                  <a:ea typeface="Menlo" panose="020B0609030804020204" pitchFamily="49" charset="0"/>
+                  <a:cs typeface="Menlo" panose="020B0609030804020204" pitchFamily="49" charset="0"/>
+                </a:rPr>
+                <a:t>// equivalent to </a:t>
+              </a:r>
+              <a:r>
+                <a:rPr lang="en-US" sz="1000" dirty="0" err="1">
+                  <a:solidFill>
+                    <a:schemeClr val="bg2">
+                      <a:lumMod val="75000"/>
+                    </a:schemeClr>
+                  </a:solidFill>
+                  <a:latin typeface="Menlo" panose="020B0609030804020204" pitchFamily="49" charset="0"/>
+                  <a:ea typeface="Menlo" panose="020B0609030804020204" pitchFamily="49" charset="0"/>
+                  <a:cs typeface="Menlo" panose="020B0609030804020204" pitchFamily="49" charset="0"/>
+                </a:rPr>
+                <a:t>bpf_program__attach</a:t>
+              </a:r>
+              <a:endParaRPr lang="en-US" sz="1000" dirty="0">
+                <a:solidFill>
+                  <a:schemeClr val="bg2">
+                    <a:lumMod val="75000"/>
+                  </a:schemeClr>
+                </a:solidFill>
+                <a:latin typeface="Menlo" panose="020B0609030804020204" pitchFamily="49" charset="0"/>
+                <a:ea typeface="Menlo" panose="020B0609030804020204" pitchFamily="49" charset="0"/>
+                <a:cs typeface="Menlo" panose="020B0609030804020204" pitchFamily="49" charset="0"/>
+              </a:endParaRPr>
+            </a:p>
+            <a:p>
+              <a:r>
+                <a:rPr lang="en-US" sz="1000" dirty="0">
+                  <a:latin typeface="Menlo" panose="020B0609030804020204" pitchFamily="49" charset="0"/>
+                  <a:ea typeface="Menlo" panose="020B0609030804020204" pitchFamily="49" charset="0"/>
+                  <a:cs typeface="Menlo" panose="020B0609030804020204" pitchFamily="49" charset="0"/>
+                </a:rPr>
+                <a:t>  </a:t>
+              </a:r>
+              <a:r>
+                <a:rPr lang="en-US" sz="1000" dirty="0" err="1">
+                  <a:latin typeface="Menlo" panose="020B0609030804020204" pitchFamily="49" charset="0"/>
+                  <a:ea typeface="Menlo" panose="020B0609030804020204" pitchFamily="49" charset="0"/>
+                  <a:cs typeface="Menlo" panose="020B0609030804020204" pitchFamily="49" charset="0"/>
+                </a:rPr>
+                <a:t>perf_event_open</a:t>
+              </a:r>
+              <a:r>
+                <a:rPr lang="en-US" sz="1000" dirty="0">
+                  <a:latin typeface="Menlo" panose="020B0609030804020204" pitchFamily="49" charset="0"/>
+                  <a:ea typeface="Menlo" panose="020B0609030804020204" pitchFamily="49" charset="0"/>
+                  <a:cs typeface="Menlo" panose="020B0609030804020204" pitchFamily="49" charset="0"/>
+                </a:rPr>
+                <a:t>(...);</a:t>
+              </a:r>
+            </a:p>
+            <a:p>
+              <a:r>
+                <a:rPr lang="en-US" sz="1000" dirty="0">
+                  <a:latin typeface="Menlo" panose="020B0609030804020204" pitchFamily="49" charset="0"/>
+                  <a:ea typeface="Menlo" panose="020B0609030804020204" pitchFamily="49" charset="0"/>
+                  <a:cs typeface="Menlo" panose="020B0609030804020204" pitchFamily="49" charset="0"/>
+                </a:rPr>
+                <a:t>  </a:t>
+              </a:r>
+              <a:r>
+                <a:rPr lang="en-US" sz="1000" dirty="0" err="1">
+                  <a:latin typeface="Menlo" panose="020B0609030804020204" pitchFamily="49" charset="0"/>
+                  <a:ea typeface="Menlo" panose="020B0609030804020204" pitchFamily="49" charset="0"/>
+                  <a:cs typeface="Menlo" panose="020B0609030804020204" pitchFamily="49" charset="0"/>
+                </a:rPr>
+                <a:t>ioctl</a:t>
+              </a:r>
+              <a:r>
+                <a:rPr lang="en-US" sz="1000" dirty="0">
+                  <a:latin typeface="Menlo" panose="020B0609030804020204" pitchFamily="49" charset="0"/>
+                  <a:ea typeface="Menlo" panose="020B0609030804020204" pitchFamily="49" charset="0"/>
+                  <a:cs typeface="Menlo" panose="020B0609030804020204" pitchFamily="49" charset="0"/>
+                </a:rPr>
+                <a:t>(...);</a:t>
+              </a:r>
+            </a:p>
+            <a:p>
+              <a:endParaRPr lang="en-US" sz="1000" dirty="0">
+                <a:latin typeface="Menlo" panose="020B0609030804020204" pitchFamily="49" charset="0"/>
+                <a:ea typeface="Menlo" panose="020B0609030804020204" pitchFamily="49" charset="0"/>
+                <a:cs typeface="Menlo" panose="020B0609030804020204" pitchFamily="49" charset="0"/>
+              </a:endParaRPr>
+            </a:p>
+            <a:p>
+              <a:r>
+                <a:rPr lang="en-US" sz="1000" dirty="0">
+                  <a:solidFill>
+                    <a:schemeClr val="accent2">
+                      <a:lumMod val="50000"/>
+                    </a:schemeClr>
+                  </a:solidFill>
+                  <a:latin typeface="Menlo" panose="020B0609030804020204" pitchFamily="49" charset="0"/>
+                  <a:ea typeface="Menlo" panose="020B0609030804020204" pitchFamily="49" charset="0"/>
+                  <a:cs typeface="Menlo" panose="020B0609030804020204" pitchFamily="49" charset="0"/>
+                </a:rPr>
+                <a:t>  return</a:t>
+              </a:r>
+              <a:r>
+                <a:rPr lang="en-US" sz="1000" dirty="0">
+                  <a:latin typeface="Menlo" panose="020B0609030804020204" pitchFamily="49" charset="0"/>
+                  <a:ea typeface="Menlo" panose="020B0609030804020204" pitchFamily="49" charset="0"/>
+                  <a:cs typeface="Menlo" panose="020B0609030804020204" pitchFamily="49" charset="0"/>
+                </a:rPr>
+                <a:t> </a:t>
+              </a:r>
+              <a:r>
+                <a:rPr lang="en-US" sz="1000" dirty="0">
+                  <a:solidFill>
+                    <a:srgbClr val="00B0F0"/>
+                  </a:solidFill>
+                  <a:latin typeface="Menlo" panose="020B0609030804020204" pitchFamily="49" charset="0"/>
+                  <a:ea typeface="Menlo" panose="020B0609030804020204" pitchFamily="49" charset="0"/>
+                  <a:cs typeface="Menlo" panose="020B0609030804020204" pitchFamily="49" charset="0"/>
+                </a:rPr>
+                <a:t>0</a:t>
+              </a:r>
+              <a:r>
+                <a:rPr lang="en-US" sz="1000" dirty="0">
+                  <a:latin typeface="Menlo" panose="020B0609030804020204" pitchFamily="49" charset="0"/>
+                  <a:ea typeface="Menlo" panose="020B0609030804020204" pitchFamily="49" charset="0"/>
+                  <a:cs typeface="Menlo" panose="020B0609030804020204" pitchFamily="49" charset="0"/>
+                </a:rPr>
+                <a:t>;</a:t>
+              </a:r>
+            </a:p>
+            <a:p>
+              <a:r>
+                <a:rPr lang="en-US" sz="1000" dirty="0">
+                  <a:latin typeface="Menlo" panose="020B0609030804020204" pitchFamily="49" charset="0"/>
+                  <a:ea typeface="Menlo" panose="020B0609030804020204" pitchFamily="49" charset="0"/>
+                  <a:cs typeface="Menlo" panose="020B0609030804020204" pitchFamily="49" charset="0"/>
+                </a:rPr>
+                <a:t>}</a:t>
+              </a:r>
+            </a:p>
+          </p:txBody>
+        </p:sp>
+        <p:sp>
+          <p:nvSpPr>
+            <p:cNvPr id="7" name="TextBox 6">
+              <a:extLst>
+                <a:ext uri="{FF2B5EF4-FFF2-40B4-BE49-F238E27FC236}">
+                  <a16:creationId xmlns:a16="http://schemas.microsoft.com/office/drawing/2014/main" id="{3C104B79-C068-4447-BB3B-B44739ECCBF3}"/>
+                </a:ext>
+              </a:extLst>
+            </p:cNvPr>
+            <p:cNvSpPr txBox="1"/>
+            <p:nvPr/>
+          </p:nvSpPr>
+          <p:spPr>
+            <a:xfrm>
+              <a:off x="1512004" y="6238127"/>
+              <a:ext cx="845919" cy="307777"/>
+            </a:xfrm>
+            <a:prstGeom prst="rect">
+              <a:avLst/>
+            </a:prstGeom>
+            <a:noFill/>
+          </p:spPr>
+          <p:txBody>
+            <a:bodyPr wrap="square" rtlCol="0">
+              <a:spAutoFit/>
+            </a:bodyPr>
+            <a:lstStyle/>
+            <a:p>
+              <a:pPr algn="ctr"/>
+              <a:r>
+                <a:rPr lang="en-US" sz="1400" dirty="0" err="1"/>
+                <a:t>user.c</a:t>
+              </a:r>
+              <a:endParaRPr lang="en-US" sz="1400" dirty="0"/>
+            </a:p>
+          </p:txBody>
+        </p:sp>
+      </p:grpSp>
+      <p:sp>
+        <p:nvSpPr>
+          <p:cNvPr id="8" name="Rectangle 7">
+            <a:extLst>
+              <a:ext uri="{FF2B5EF4-FFF2-40B4-BE49-F238E27FC236}">
+                <a16:creationId xmlns:a16="http://schemas.microsoft.com/office/drawing/2014/main" id="{11CD4EFD-B330-9E46-9A35-683C44F7565A}"/>
+              </a:ext>
+            </a:extLst>
+          </p:cNvPr>
+          <p:cNvSpPr/>
+          <p:nvPr/>
+        </p:nvSpPr>
+        <p:spPr>
+          <a:xfrm>
+            <a:off x="1511534" y="1310337"/>
+            <a:ext cx="682367" cy="307777"/>
+          </a:xfrm>
+          <a:prstGeom prst="rect">
+            <a:avLst/>
+          </a:prstGeom>
+        </p:spPr>
+        <p:txBody>
+          <a:bodyPr wrap="none">
+            <a:spAutoFit/>
+          </a:bodyPr>
+          <a:lstStyle/>
+          <a:p>
+            <a:pPr algn="ctr"/>
+            <a:r>
+              <a:rPr lang="en-US" sz="1400" dirty="0" err="1"/>
+              <a:t>kern.rs</a:t>
+            </a:r>
+            <a:endParaRPr lang="en-US" sz="1400" dirty="0"/>
+          </a:p>
+        </p:txBody>
+      </p:sp>
+      <p:sp>
+        <p:nvSpPr>
+          <p:cNvPr id="12" name="Rounded Rectangle 11">
+            <a:extLst>
+              <a:ext uri="{FF2B5EF4-FFF2-40B4-BE49-F238E27FC236}">
+                <a16:creationId xmlns:a16="http://schemas.microsoft.com/office/drawing/2014/main" id="{E2DC9824-C3B4-6C45-ADE1-D83D65D7D015}"/>
+              </a:ext>
+            </a:extLst>
+          </p:cNvPr>
+          <p:cNvSpPr/>
+          <p:nvPr/>
+        </p:nvSpPr>
+        <p:spPr>
+          <a:xfrm>
+            <a:off x="193494" y="1919963"/>
+            <a:ext cx="2768192" cy="1404916"/>
+          </a:xfrm>
+          <a:prstGeom prst="roundRect">
+            <a:avLst/>
+          </a:prstGeom>
+        </p:spPr>
+        <p:style>
+          <a:lnRef idx="2">
+            <a:schemeClr val="accent6"/>
+          </a:lnRef>
+          <a:fillRef idx="1">
+            <a:schemeClr val="lt1"/>
+          </a:fillRef>
+          <a:effectRef idx="0">
+            <a:schemeClr val="accent6"/>
+          </a:effectRef>
+          <a:fontRef idx="minor">
+            <a:schemeClr val="dk1"/>
+          </a:fontRef>
+        </p:style>
+        <p:txBody>
+          <a:bodyPr rtlCol="0" anchor="ctr"/>
+          <a:lstStyle/>
+          <a:p>
+            <a:r>
+              <a:rPr lang="en-US" sz="1000" dirty="0" err="1">
+                <a:latin typeface="Menlo" panose="020B0609030804020204" pitchFamily="49" charset="0"/>
+                <a:ea typeface="Menlo" panose="020B0609030804020204" pitchFamily="49" charset="0"/>
+                <a:cs typeface="Menlo" panose="020B0609030804020204" pitchFamily="49" charset="0"/>
+              </a:rPr>
+              <a:t>m_attr</a:t>
+            </a:r>
+            <a:r>
+              <a:rPr lang="en-US" sz="1000" dirty="0">
+                <a:latin typeface="Menlo" panose="020B0609030804020204" pitchFamily="49" charset="0"/>
+                <a:ea typeface="Menlo" panose="020B0609030804020204" pitchFamily="49" charset="0"/>
+                <a:cs typeface="Menlo" panose="020B0609030804020204" pitchFamily="49" charset="0"/>
+              </a:rPr>
+              <a:t> = {</a:t>
+            </a:r>
+          </a:p>
+          <a:p>
+            <a:r>
+              <a:rPr lang="en-US" sz="1000" dirty="0">
+                <a:latin typeface="Menlo" panose="020B0609030804020204" pitchFamily="49" charset="0"/>
+                <a:ea typeface="Menlo" panose="020B0609030804020204" pitchFamily="49" charset="0"/>
+                <a:cs typeface="Menlo" panose="020B0609030804020204" pitchFamily="49" charset="0"/>
+              </a:rPr>
+              <a:t>  </a:t>
+            </a:r>
+            <a:r>
+              <a:rPr lang="en-US" sz="1000" dirty="0">
+                <a:solidFill>
+                  <a:schemeClr val="accent3">
+                    <a:lumMod val="75000"/>
+                  </a:schemeClr>
+                </a:solidFill>
+                <a:latin typeface="Menlo" panose="020B0609030804020204" pitchFamily="49" charset="0"/>
+                <a:ea typeface="Menlo" panose="020B0609030804020204" pitchFamily="49" charset="0"/>
+                <a:cs typeface="Menlo" panose="020B0609030804020204" pitchFamily="49" charset="0"/>
+              </a:rPr>
+              <a:t>.</a:t>
+            </a:r>
+            <a:r>
+              <a:rPr lang="en-US" sz="1000" dirty="0" err="1">
+                <a:latin typeface="Menlo" panose="020B0609030804020204" pitchFamily="49" charset="0"/>
+                <a:ea typeface="Menlo" panose="020B0609030804020204" pitchFamily="49" charset="0"/>
+                <a:cs typeface="Menlo" panose="020B0609030804020204" pitchFamily="49" charset="0"/>
+              </a:rPr>
+              <a:t>map_type</a:t>
+            </a:r>
+            <a:r>
+              <a:rPr lang="en-US" sz="1000" dirty="0">
+                <a:latin typeface="Menlo" panose="020B0609030804020204" pitchFamily="49" charset="0"/>
+                <a:ea typeface="Menlo" panose="020B0609030804020204" pitchFamily="49" charset="0"/>
+                <a:cs typeface="Menlo" panose="020B0609030804020204" pitchFamily="49" charset="0"/>
+              </a:rPr>
+              <a:t> = BPF_MAP_TYPE_HASH,</a:t>
+            </a:r>
+          </a:p>
+          <a:p>
+            <a:r>
+              <a:rPr lang="en-US" sz="1000" dirty="0">
+                <a:latin typeface="Menlo" panose="020B0609030804020204" pitchFamily="49" charset="0"/>
+                <a:ea typeface="Menlo" panose="020B0609030804020204" pitchFamily="49" charset="0"/>
+                <a:cs typeface="Menlo" panose="020B0609030804020204" pitchFamily="49" charset="0"/>
+              </a:rPr>
+              <a:t>  </a:t>
+            </a:r>
+            <a:r>
+              <a:rPr lang="en-US" sz="1000" dirty="0">
+                <a:solidFill>
+                  <a:schemeClr val="accent3">
+                    <a:lumMod val="75000"/>
+                  </a:schemeClr>
+                </a:solidFill>
+                <a:latin typeface="Menlo" panose="020B0609030804020204" pitchFamily="49" charset="0"/>
+                <a:ea typeface="Menlo" panose="020B0609030804020204" pitchFamily="49" charset="0"/>
+                <a:cs typeface="Menlo" panose="020B0609030804020204" pitchFamily="49" charset="0"/>
+              </a:rPr>
+              <a:t>.</a:t>
+            </a:r>
+            <a:r>
+              <a:rPr lang="en-US" sz="1000" dirty="0" err="1">
+                <a:latin typeface="Menlo" panose="020B0609030804020204" pitchFamily="49" charset="0"/>
+                <a:ea typeface="Menlo" panose="020B0609030804020204" pitchFamily="49" charset="0"/>
+                <a:cs typeface="Menlo" panose="020B0609030804020204" pitchFamily="49" charset="0"/>
+              </a:rPr>
+              <a:t>key_size</a:t>
+            </a:r>
+            <a:r>
+              <a:rPr lang="en-US" sz="1000" dirty="0">
+                <a:latin typeface="Menlo" panose="020B0609030804020204" pitchFamily="49" charset="0"/>
+                <a:ea typeface="Menlo" panose="020B0609030804020204" pitchFamily="49" charset="0"/>
+                <a:cs typeface="Menlo" panose="020B0609030804020204" pitchFamily="49" charset="0"/>
+              </a:rPr>
+              <a:t> = </a:t>
+            </a:r>
+            <a:r>
+              <a:rPr lang="en-US" sz="1000" dirty="0">
+                <a:solidFill>
+                  <a:srgbClr val="00B0F0"/>
+                </a:solidFill>
+                <a:latin typeface="Menlo" panose="020B0609030804020204" pitchFamily="49" charset="0"/>
+                <a:ea typeface="Menlo" panose="020B0609030804020204" pitchFamily="49" charset="0"/>
+                <a:cs typeface="Menlo" panose="020B0609030804020204" pitchFamily="49" charset="0"/>
+              </a:rPr>
+              <a:t>4</a:t>
+            </a:r>
+            <a:r>
+              <a:rPr lang="en-US" sz="1000" dirty="0">
+                <a:latin typeface="Menlo" panose="020B0609030804020204" pitchFamily="49" charset="0"/>
+                <a:ea typeface="Menlo" panose="020B0609030804020204" pitchFamily="49" charset="0"/>
+                <a:cs typeface="Menlo" panose="020B0609030804020204" pitchFamily="49" charset="0"/>
+              </a:rPr>
+              <a:t>,</a:t>
+            </a:r>
+          </a:p>
+          <a:p>
+            <a:r>
+              <a:rPr lang="en-US" sz="1000" dirty="0">
+                <a:latin typeface="Menlo" panose="020B0609030804020204" pitchFamily="49" charset="0"/>
+                <a:ea typeface="Menlo" panose="020B0609030804020204" pitchFamily="49" charset="0"/>
+                <a:cs typeface="Menlo" panose="020B0609030804020204" pitchFamily="49" charset="0"/>
+              </a:rPr>
+              <a:t>  </a:t>
+            </a:r>
+            <a:r>
+              <a:rPr lang="en-US" sz="1000" dirty="0">
+                <a:solidFill>
+                  <a:schemeClr val="accent3">
+                    <a:lumMod val="75000"/>
+                  </a:schemeClr>
+                </a:solidFill>
+                <a:latin typeface="Menlo" panose="020B0609030804020204" pitchFamily="49" charset="0"/>
+                <a:ea typeface="Menlo" panose="020B0609030804020204" pitchFamily="49" charset="0"/>
+                <a:cs typeface="Menlo" panose="020B0609030804020204" pitchFamily="49" charset="0"/>
+              </a:rPr>
+              <a:t>.</a:t>
+            </a:r>
+            <a:r>
+              <a:rPr lang="en-US" sz="1000" dirty="0" err="1">
+                <a:latin typeface="Menlo" panose="020B0609030804020204" pitchFamily="49" charset="0"/>
+                <a:ea typeface="Menlo" panose="020B0609030804020204" pitchFamily="49" charset="0"/>
+                <a:cs typeface="Menlo" panose="020B0609030804020204" pitchFamily="49" charset="0"/>
+              </a:rPr>
+              <a:t>value_size</a:t>
+            </a:r>
+            <a:r>
+              <a:rPr lang="en-US" sz="1000" dirty="0">
+                <a:latin typeface="Menlo" panose="020B0609030804020204" pitchFamily="49" charset="0"/>
+                <a:ea typeface="Menlo" panose="020B0609030804020204" pitchFamily="49" charset="0"/>
+                <a:cs typeface="Menlo" panose="020B0609030804020204" pitchFamily="49" charset="0"/>
+              </a:rPr>
+              <a:t> = </a:t>
+            </a:r>
+            <a:r>
+              <a:rPr lang="en-US" sz="1000" dirty="0">
+                <a:solidFill>
+                  <a:srgbClr val="00B0F0"/>
+                </a:solidFill>
+                <a:latin typeface="Menlo" panose="020B0609030804020204" pitchFamily="49" charset="0"/>
+                <a:ea typeface="Menlo" panose="020B0609030804020204" pitchFamily="49" charset="0"/>
+                <a:cs typeface="Menlo" panose="020B0609030804020204" pitchFamily="49" charset="0"/>
+              </a:rPr>
+              <a:t>8</a:t>
+            </a:r>
+            <a:r>
+              <a:rPr lang="en-US" sz="1000" dirty="0">
+                <a:latin typeface="Menlo" panose="020B0609030804020204" pitchFamily="49" charset="0"/>
+                <a:ea typeface="Menlo" panose="020B0609030804020204" pitchFamily="49" charset="0"/>
+                <a:cs typeface="Menlo" panose="020B0609030804020204" pitchFamily="49" charset="0"/>
+              </a:rPr>
+              <a:t>,</a:t>
+            </a:r>
+          </a:p>
+          <a:p>
+            <a:r>
+              <a:rPr lang="en-US" sz="1000" dirty="0">
+                <a:latin typeface="Menlo" panose="020B0609030804020204" pitchFamily="49" charset="0"/>
+                <a:ea typeface="Menlo" panose="020B0609030804020204" pitchFamily="49" charset="0"/>
+                <a:cs typeface="Menlo" panose="020B0609030804020204" pitchFamily="49" charset="0"/>
+              </a:rPr>
+              <a:t>  </a:t>
+            </a:r>
+            <a:r>
+              <a:rPr lang="en-US" sz="1000" dirty="0">
+                <a:solidFill>
+                  <a:schemeClr val="accent3">
+                    <a:lumMod val="75000"/>
+                  </a:schemeClr>
+                </a:solidFill>
+                <a:latin typeface="Menlo" panose="020B0609030804020204" pitchFamily="49" charset="0"/>
+                <a:ea typeface="Menlo" panose="020B0609030804020204" pitchFamily="49" charset="0"/>
+                <a:cs typeface="Menlo" panose="020B0609030804020204" pitchFamily="49" charset="0"/>
+              </a:rPr>
+              <a:t>.</a:t>
+            </a:r>
+            <a:r>
+              <a:rPr lang="en-US" sz="1000" dirty="0" err="1">
+                <a:latin typeface="Menlo" panose="020B0609030804020204" pitchFamily="49" charset="0"/>
+                <a:ea typeface="Menlo" panose="020B0609030804020204" pitchFamily="49" charset="0"/>
+                <a:cs typeface="Menlo" panose="020B0609030804020204" pitchFamily="49" charset="0"/>
+              </a:rPr>
+              <a:t>max_entries</a:t>
+            </a:r>
+            <a:r>
+              <a:rPr lang="en-US" sz="1000" dirty="0">
+                <a:latin typeface="Menlo" panose="020B0609030804020204" pitchFamily="49" charset="0"/>
+                <a:ea typeface="Menlo" panose="020B0609030804020204" pitchFamily="49" charset="0"/>
+                <a:cs typeface="Menlo" panose="020B0609030804020204" pitchFamily="49" charset="0"/>
+              </a:rPr>
+              <a:t> = </a:t>
+            </a:r>
+            <a:r>
+              <a:rPr lang="en-US" sz="1000" dirty="0">
+                <a:solidFill>
+                  <a:srgbClr val="00B0F0"/>
+                </a:solidFill>
+                <a:latin typeface="Menlo" panose="020B0609030804020204" pitchFamily="49" charset="0"/>
+                <a:ea typeface="Menlo" panose="020B0609030804020204" pitchFamily="49" charset="0"/>
+                <a:cs typeface="Menlo" panose="020B0609030804020204" pitchFamily="49" charset="0"/>
+              </a:rPr>
+              <a:t>64</a:t>
+            </a:r>
+            <a:r>
+              <a:rPr lang="en-US" sz="1000" dirty="0">
+                <a:latin typeface="Menlo" panose="020B0609030804020204" pitchFamily="49" charset="0"/>
+                <a:ea typeface="Menlo" panose="020B0609030804020204" pitchFamily="49" charset="0"/>
+                <a:cs typeface="Menlo" panose="020B0609030804020204" pitchFamily="49" charset="0"/>
+              </a:rPr>
+              <a:t>,</a:t>
+            </a:r>
+          </a:p>
+          <a:p>
+            <a:r>
+              <a:rPr lang="en-US" sz="1000" dirty="0">
+                <a:latin typeface="Menlo" panose="020B0609030804020204" pitchFamily="49" charset="0"/>
+                <a:ea typeface="Menlo" panose="020B0609030804020204" pitchFamily="49" charset="0"/>
+                <a:cs typeface="Menlo" panose="020B0609030804020204" pitchFamily="49" charset="0"/>
+              </a:rPr>
+              <a:t>  </a:t>
+            </a:r>
+            <a:r>
+              <a:rPr lang="en-US" sz="1000" dirty="0">
+                <a:solidFill>
+                  <a:schemeClr val="accent3">
+                    <a:lumMod val="75000"/>
+                  </a:schemeClr>
+                </a:solidFill>
+                <a:latin typeface="Menlo" panose="020B0609030804020204" pitchFamily="49" charset="0"/>
+                <a:ea typeface="Menlo" panose="020B0609030804020204" pitchFamily="49" charset="0"/>
+                <a:cs typeface="Menlo" panose="020B0609030804020204" pitchFamily="49" charset="0"/>
+              </a:rPr>
+              <a:t>.</a:t>
+            </a:r>
+            <a:r>
+              <a:rPr lang="en-US" sz="1000" dirty="0" err="1">
+                <a:latin typeface="Menlo" panose="020B0609030804020204" pitchFamily="49" charset="0"/>
+                <a:ea typeface="Menlo" panose="020B0609030804020204" pitchFamily="49" charset="0"/>
+                <a:cs typeface="Menlo" panose="020B0609030804020204" pitchFamily="49" charset="0"/>
+              </a:rPr>
+              <a:t>is_iu_map</a:t>
+            </a:r>
+            <a:r>
+              <a:rPr lang="en-US" sz="1000" dirty="0">
+                <a:latin typeface="Menlo" panose="020B0609030804020204" pitchFamily="49" charset="0"/>
+                <a:ea typeface="Menlo" panose="020B0609030804020204" pitchFamily="49" charset="0"/>
+                <a:cs typeface="Menlo" panose="020B0609030804020204" pitchFamily="49" charset="0"/>
+              </a:rPr>
+              <a:t> = </a:t>
+            </a:r>
+            <a:r>
+              <a:rPr lang="en-US" sz="1000" dirty="0">
+                <a:solidFill>
+                  <a:srgbClr val="00B0F0"/>
+                </a:solidFill>
+                <a:latin typeface="Menlo" panose="020B0609030804020204" pitchFamily="49" charset="0"/>
+                <a:ea typeface="Menlo" panose="020B0609030804020204" pitchFamily="49" charset="0"/>
+                <a:cs typeface="Menlo" panose="020B0609030804020204" pitchFamily="49" charset="0"/>
+              </a:rPr>
+              <a:t>1</a:t>
+            </a:r>
+            <a:r>
+              <a:rPr lang="en-US" sz="1000" dirty="0">
+                <a:latin typeface="Menlo" panose="020B0609030804020204" pitchFamily="49" charset="0"/>
+                <a:ea typeface="Menlo" panose="020B0609030804020204" pitchFamily="49" charset="0"/>
+                <a:cs typeface="Menlo" panose="020B0609030804020204" pitchFamily="49" charset="0"/>
+              </a:rPr>
+              <a:t>, </a:t>
+            </a:r>
+            <a:r>
+              <a:rPr lang="en-US" sz="1000" dirty="0">
+                <a:solidFill>
+                  <a:schemeClr val="bg2">
+                    <a:lumMod val="75000"/>
+                  </a:schemeClr>
+                </a:solidFill>
+                <a:latin typeface="Menlo" panose="020B0609030804020204" pitchFamily="49" charset="0"/>
+                <a:ea typeface="Menlo" panose="020B0609030804020204" pitchFamily="49" charset="0"/>
+                <a:cs typeface="Menlo" panose="020B0609030804020204" pitchFamily="49" charset="0"/>
+              </a:rPr>
+              <a:t>// new</a:t>
+            </a:r>
+          </a:p>
+          <a:p>
+            <a:r>
+              <a:rPr lang="en-US" sz="1000" dirty="0">
+                <a:latin typeface="Menlo" panose="020B0609030804020204" pitchFamily="49" charset="0"/>
+                <a:ea typeface="Menlo" panose="020B0609030804020204" pitchFamily="49" charset="0"/>
+                <a:cs typeface="Menlo" panose="020B0609030804020204" pitchFamily="49" charset="0"/>
+              </a:rPr>
+              <a:t>  </a:t>
+            </a:r>
+            <a:r>
+              <a:rPr lang="en-US" sz="1000" dirty="0">
+                <a:solidFill>
+                  <a:schemeClr val="accent3">
+                    <a:lumMod val="75000"/>
+                  </a:schemeClr>
+                </a:solidFill>
+                <a:latin typeface="Menlo" panose="020B0609030804020204" pitchFamily="49" charset="0"/>
+                <a:ea typeface="Menlo" panose="020B0609030804020204" pitchFamily="49" charset="0"/>
+                <a:cs typeface="Menlo" panose="020B0609030804020204" pitchFamily="49" charset="0"/>
+              </a:rPr>
+              <a:t>.</a:t>
+            </a:r>
+            <a:r>
+              <a:rPr lang="en-US" sz="1000" dirty="0" err="1">
+                <a:latin typeface="Menlo" panose="020B0609030804020204" pitchFamily="49" charset="0"/>
+                <a:ea typeface="Menlo" panose="020B0609030804020204" pitchFamily="49" charset="0"/>
+                <a:cs typeface="Menlo" panose="020B0609030804020204" pitchFamily="49" charset="0"/>
+              </a:rPr>
+              <a:t>iu_idx</a:t>
+            </a:r>
+            <a:r>
+              <a:rPr lang="en-US" sz="1000" dirty="0">
+                <a:latin typeface="Menlo" panose="020B0609030804020204" pitchFamily="49" charset="0"/>
+                <a:ea typeface="Menlo" panose="020B0609030804020204" pitchFamily="49" charset="0"/>
+                <a:cs typeface="Menlo" panose="020B0609030804020204" pitchFamily="49" charset="0"/>
+              </a:rPr>
+              <a:t> = </a:t>
+            </a:r>
+            <a:r>
+              <a:rPr lang="en-US" sz="1000" dirty="0">
+                <a:solidFill>
+                  <a:srgbClr val="00B0F0"/>
+                </a:solidFill>
+                <a:latin typeface="Menlo" panose="020B0609030804020204" pitchFamily="49" charset="0"/>
+                <a:ea typeface="Menlo" panose="020B0609030804020204" pitchFamily="49" charset="0"/>
+                <a:cs typeface="Menlo" panose="020B0609030804020204" pitchFamily="49" charset="0"/>
+              </a:rPr>
+              <a:t>4</a:t>
+            </a:r>
+            <a:r>
+              <a:rPr lang="en-US" sz="1000" dirty="0">
+                <a:latin typeface="Menlo" panose="020B0609030804020204" pitchFamily="49" charset="0"/>
+                <a:ea typeface="Menlo" panose="020B0609030804020204" pitchFamily="49" charset="0"/>
+                <a:cs typeface="Menlo" panose="020B0609030804020204" pitchFamily="49" charset="0"/>
+              </a:rPr>
+              <a:t>, </a:t>
+            </a:r>
+            <a:r>
+              <a:rPr lang="en-US" sz="1000" dirty="0">
+                <a:solidFill>
+                  <a:schemeClr val="bg2">
+                    <a:lumMod val="75000"/>
+                  </a:schemeClr>
+                </a:solidFill>
+                <a:latin typeface="Menlo" panose="020B0609030804020204" pitchFamily="49" charset="0"/>
+                <a:ea typeface="Menlo" panose="020B0609030804020204" pitchFamily="49" charset="0"/>
+                <a:cs typeface="Menlo" panose="020B0609030804020204" pitchFamily="49" charset="0"/>
+              </a:rPr>
+              <a:t>// new</a:t>
+            </a:r>
+          </a:p>
+          <a:p>
+            <a:r>
+              <a:rPr lang="en-US" sz="1000" dirty="0">
+                <a:latin typeface="Menlo" panose="020B0609030804020204" pitchFamily="49" charset="0"/>
+                <a:ea typeface="Menlo" panose="020B0609030804020204" pitchFamily="49" charset="0"/>
+                <a:cs typeface="Menlo" panose="020B0609030804020204" pitchFamily="49" charset="0"/>
+              </a:rPr>
+              <a:t>};</a:t>
+            </a:r>
+          </a:p>
+        </p:txBody>
+      </p:sp>
+      <p:sp>
+        <p:nvSpPr>
+          <p:cNvPr id="13" name="Rounded Rectangle 12">
+            <a:extLst>
+              <a:ext uri="{FF2B5EF4-FFF2-40B4-BE49-F238E27FC236}">
+                <a16:creationId xmlns:a16="http://schemas.microsoft.com/office/drawing/2014/main" id="{361D56F1-0EEB-F240-9723-FC4BCB922E95}"/>
+              </a:ext>
+            </a:extLst>
+          </p:cNvPr>
+          <p:cNvSpPr/>
+          <p:nvPr/>
+        </p:nvSpPr>
+        <p:spPr>
+          <a:xfrm>
+            <a:off x="193494" y="1919962"/>
+            <a:ext cx="3081081" cy="1404916"/>
+          </a:xfrm>
+          <a:prstGeom prst="roundRect">
+            <a:avLst/>
+          </a:prstGeom>
+        </p:spPr>
+        <p:style>
+          <a:lnRef idx="2">
+            <a:schemeClr val="accent6"/>
+          </a:lnRef>
+          <a:fillRef idx="1">
+            <a:schemeClr val="lt1"/>
+          </a:fillRef>
+          <a:effectRef idx="0">
+            <a:schemeClr val="accent6"/>
+          </a:effectRef>
+          <a:fontRef idx="minor">
+            <a:schemeClr val="dk1"/>
+          </a:fontRef>
+        </p:style>
+        <p:txBody>
+          <a:bodyPr rtlCol="0" anchor="ctr"/>
+          <a:lstStyle/>
+          <a:p>
+            <a:r>
+              <a:rPr lang="en-US" sz="1000" dirty="0" err="1">
+                <a:latin typeface="Menlo" panose="020B0609030804020204" pitchFamily="49" charset="0"/>
+                <a:ea typeface="Menlo" panose="020B0609030804020204" pitchFamily="49" charset="0"/>
+                <a:cs typeface="Menlo" panose="020B0609030804020204" pitchFamily="49" charset="0"/>
+              </a:rPr>
+              <a:t>p_attr</a:t>
+            </a:r>
+            <a:r>
+              <a:rPr lang="en-US" sz="1000" dirty="0">
+                <a:latin typeface="Menlo" panose="020B0609030804020204" pitchFamily="49" charset="0"/>
+                <a:ea typeface="Menlo" panose="020B0609030804020204" pitchFamily="49" charset="0"/>
+                <a:cs typeface="Menlo" panose="020B0609030804020204" pitchFamily="49" charset="0"/>
+              </a:rPr>
+              <a:t> = {</a:t>
+            </a:r>
+          </a:p>
+          <a:p>
+            <a:r>
+              <a:rPr lang="en-US" sz="1000" dirty="0">
+                <a:latin typeface="Menlo" panose="020B0609030804020204" pitchFamily="49" charset="0"/>
+                <a:ea typeface="Menlo" panose="020B0609030804020204" pitchFamily="49" charset="0"/>
+                <a:cs typeface="Menlo" panose="020B0609030804020204" pitchFamily="49" charset="0"/>
+              </a:rPr>
+              <a:t>  </a:t>
+            </a:r>
+            <a:r>
+              <a:rPr lang="en-US" sz="1000" dirty="0">
+                <a:solidFill>
+                  <a:schemeClr val="accent3">
+                    <a:lumMod val="75000"/>
+                  </a:schemeClr>
+                </a:solidFill>
+                <a:latin typeface="Menlo" panose="020B0609030804020204" pitchFamily="49" charset="0"/>
+                <a:ea typeface="Menlo" panose="020B0609030804020204" pitchFamily="49" charset="0"/>
+                <a:cs typeface="Menlo" panose="020B0609030804020204" pitchFamily="49" charset="0"/>
+              </a:rPr>
+              <a:t>.</a:t>
+            </a:r>
+            <a:r>
+              <a:rPr lang="en-US" sz="1000" dirty="0" err="1">
+                <a:latin typeface="Menlo" panose="020B0609030804020204" pitchFamily="49" charset="0"/>
+                <a:ea typeface="Menlo" panose="020B0609030804020204" pitchFamily="49" charset="0"/>
+                <a:cs typeface="Menlo" panose="020B0609030804020204" pitchFamily="49" charset="0"/>
+              </a:rPr>
+              <a:t>prog_type</a:t>
+            </a:r>
+            <a:r>
+              <a:rPr lang="en-US" sz="1000" dirty="0">
+                <a:latin typeface="Menlo" panose="020B0609030804020204" pitchFamily="49" charset="0"/>
+                <a:ea typeface="Menlo" panose="020B0609030804020204" pitchFamily="49" charset="0"/>
+                <a:cs typeface="Menlo" panose="020B0609030804020204" pitchFamily="49" charset="0"/>
+              </a:rPr>
+              <a:t> = BPF_PROG_TYPE_KPROBE,</a:t>
+            </a:r>
+          </a:p>
+          <a:p>
+            <a:r>
+              <a:rPr lang="en-US" sz="1000" dirty="0">
+                <a:latin typeface="Menlo" panose="020B0609030804020204" pitchFamily="49" charset="0"/>
+                <a:ea typeface="Menlo" panose="020B0609030804020204" pitchFamily="49" charset="0"/>
+                <a:cs typeface="Menlo" panose="020B0609030804020204" pitchFamily="49" charset="0"/>
+              </a:rPr>
+              <a:t>  </a:t>
+            </a:r>
+            <a:r>
+              <a:rPr lang="en-US" sz="1000" dirty="0">
+                <a:solidFill>
+                  <a:schemeClr val="accent3">
+                    <a:lumMod val="75000"/>
+                  </a:schemeClr>
+                </a:solidFill>
+                <a:latin typeface="Menlo" panose="020B0609030804020204" pitchFamily="49" charset="0"/>
+                <a:ea typeface="Menlo" panose="020B0609030804020204" pitchFamily="49" charset="0"/>
+                <a:cs typeface="Menlo" panose="020B0609030804020204" pitchFamily="49" charset="0"/>
+              </a:rPr>
+              <a:t>.</a:t>
+            </a:r>
+            <a:r>
+              <a:rPr lang="en-US" sz="1000" dirty="0" err="1">
+                <a:latin typeface="Menlo" panose="020B0609030804020204" pitchFamily="49" charset="0"/>
+                <a:ea typeface="Menlo" panose="020B0609030804020204" pitchFamily="49" charset="0"/>
+                <a:cs typeface="Menlo" panose="020B0609030804020204" pitchFamily="49" charset="0"/>
+              </a:rPr>
+              <a:t>rust_fd</a:t>
+            </a:r>
+            <a:r>
+              <a:rPr lang="en-US" sz="1000" dirty="0">
+                <a:latin typeface="Menlo" panose="020B0609030804020204" pitchFamily="49" charset="0"/>
+                <a:ea typeface="Menlo" panose="020B0609030804020204" pitchFamily="49" charset="0"/>
+                <a:cs typeface="Menlo" panose="020B0609030804020204" pitchFamily="49" charset="0"/>
+              </a:rPr>
+              <a:t> = </a:t>
+            </a:r>
+            <a:r>
+              <a:rPr lang="en-US" sz="1000" dirty="0" err="1">
+                <a:solidFill>
+                  <a:schemeClr val="tx1"/>
+                </a:solidFill>
+                <a:latin typeface="Menlo" panose="020B0609030804020204" pitchFamily="49" charset="0"/>
+                <a:ea typeface="Menlo" panose="020B0609030804020204" pitchFamily="49" charset="0"/>
+                <a:cs typeface="Menlo" panose="020B0609030804020204" pitchFamily="49" charset="0"/>
+              </a:rPr>
+              <a:t>f_fd</a:t>
+            </a:r>
+            <a:r>
+              <a:rPr lang="en-US" sz="1000" dirty="0">
+                <a:latin typeface="Menlo" panose="020B0609030804020204" pitchFamily="49" charset="0"/>
+                <a:ea typeface="Menlo" panose="020B0609030804020204" pitchFamily="49" charset="0"/>
+                <a:cs typeface="Menlo" panose="020B0609030804020204" pitchFamily="49" charset="0"/>
+              </a:rPr>
+              <a:t>,</a:t>
+            </a:r>
+          </a:p>
+          <a:p>
+            <a:r>
+              <a:rPr lang="en-US" sz="1000" dirty="0">
+                <a:latin typeface="Menlo" panose="020B0609030804020204" pitchFamily="49" charset="0"/>
+                <a:ea typeface="Menlo" panose="020B0609030804020204" pitchFamily="49" charset="0"/>
+                <a:cs typeface="Menlo" panose="020B0609030804020204" pitchFamily="49" charset="0"/>
+              </a:rPr>
+              <a:t>  </a:t>
+            </a:r>
+            <a:r>
+              <a:rPr lang="en-US" sz="1000" dirty="0">
+                <a:solidFill>
+                  <a:schemeClr val="accent3">
+                    <a:lumMod val="75000"/>
+                  </a:schemeClr>
+                </a:solidFill>
+                <a:latin typeface="Menlo" panose="020B0609030804020204" pitchFamily="49" charset="0"/>
+                <a:ea typeface="Menlo" panose="020B0609030804020204" pitchFamily="49" charset="0"/>
+                <a:cs typeface="Menlo" panose="020B0609030804020204" pitchFamily="49" charset="0"/>
+              </a:rPr>
+              <a:t>.</a:t>
+            </a:r>
+            <a:r>
+              <a:rPr lang="en-US" sz="1000" dirty="0" err="1">
+                <a:latin typeface="Menlo" panose="020B0609030804020204" pitchFamily="49" charset="0"/>
+                <a:ea typeface="Menlo" panose="020B0609030804020204" pitchFamily="49" charset="0"/>
+                <a:cs typeface="Menlo" panose="020B0609030804020204" pitchFamily="49" charset="0"/>
+              </a:rPr>
+              <a:t>iu_maps</a:t>
+            </a:r>
+            <a:r>
+              <a:rPr lang="en-US" sz="1000" dirty="0">
+                <a:latin typeface="Menlo" panose="020B0609030804020204" pitchFamily="49" charset="0"/>
+                <a:ea typeface="Menlo" panose="020B0609030804020204" pitchFamily="49" charset="0"/>
+                <a:cs typeface="Menlo" panose="020B0609030804020204" pitchFamily="49" charset="0"/>
+              </a:rPr>
+              <a:t> </a:t>
+            </a:r>
+            <a:r>
+              <a:rPr lang="en-US" sz="1000" dirty="0">
+                <a:solidFill>
+                  <a:schemeClr val="tx1"/>
+                </a:solidFill>
+                <a:latin typeface="Menlo" panose="020B0609030804020204" pitchFamily="49" charset="0"/>
+                <a:ea typeface="Menlo" panose="020B0609030804020204" pitchFamily="49" charset="0"/>
+                <a:cs typeface="Menlo" panose="020B0609030804020204" pitchFamily="49" charset="0"/>
+              </a:rPr>
+              <a:t>= { </a:t>
+            </a:r>
+            <a:r>
+              <a:rPr lang="en-US" sz="1000" dirty="0" err="1">
+                <a:solidFill>
+                  <a:schemeClr val="tx1"/>
+                </a:solidFill>
+                <a:latin typeface="Menlo" panose="020B0609030804020204" pitchFamily="49" charset="0"/>
+                <a:ea typeface="Menlo" panose="020B0609030804020204" pitchFamily="49" charset="0"/>
+                <a:cs typeface="Menlo" panose="020B0609030804020204" pitchFamily="49" charset="0"/>
+              </a:rPr>
+              <a:t>m_fd</a:t>
+            </a:r>
+            <a:r>
+              <a:rPr lang="en-US" sz="1000" dirty="0">
+                <a:solidFill>
+                  <a:schemeClr val="tx1"/>
+                </a:solidFill>
+                <a:latin typeface="Menlo" panose="020B0609030804020204" pitchFamily="49" charset="0"/>
+                <a:ea typeface="Menlo" panose="020B0609030804020204" pitchFamily="49" charset="0"/>
+                <a:cs typeface="Menlo" panose="020B0609030804020204" pitchFamily="49" charset="0"/>
+              </a:rPr>
+              <a:t> },</a:t>
+            </a:r>
+            <a:r>
+              <a:rPr lang="en-US" sz="1000" dirty="0">
+                <a:solidFill>
+                  <a:schemeClr val="bg2">
+                    <a:lumMod val="75000"/>
+                  </a:schemeClr>
+                </a:solidFill>
+                <a:latin typeface="Menlo" panose="020B0609030804020204" pitchFamily="49" charset="0"/>
+                <a:ea typeface="Menlo" panose="020B0609030804020204" pitchFamily="49" charset="0"/>
+                <a:cs typeface="Menlo" panose="020B0609030804020204" pitchFamily="49" charset="0"/>
+              </a:rPr>
+              <a:t> // new</a:t>
+            </a:r>
+            <a:endParaRPr lang="en-US" sz="1000" dirty="0">
+              <a:solidFill>
+                <a:schemeClr val="tx1"/>
+              </a:solidFill>
+              <a:latin typeface="Menlo" panose="020B0609030804020204" pitchFamily="49" charset="0"/>
+              <a:ea typeface="Menlo" panose="020B0609030804020204" pitchFamily="49" charset="0"/>
+              <a:cs typeface="Menlo" panose="020B0609030804020204" pitchFamily="49" charset="0"/>
+            </a:endParaRPr>
+          </a:p>
+          <a:p>
+            <a:r>
+              <a:rPr lang="en-US" sz="1000" dirty="0">
+                <a:latin typeface="Menlo" panose="020B0609030804020204" pitchFamily="49" charset="0"/>
+                <a:ea typeface="Menlo" panose="020B0609030804020204" pitchFamily="49" charset="0"/>
+                <a:cs typeface="Menlo" panose="020B0609030804020204" pitchFamily="49" charset="0"/>
+              </a:rPr>
+              <a:t>  </a:t>
+            </a:r>
+            <a:r>
+              <a:rPr lang="en-US" sz="1000" dirty="0">
+                <a:solidFill>
+                  <a:schemeClr val="accent3">
+                    <a:lumMod val="75000"/>
+                  </a:schemeClr>
+                </a:solidFill>
+                <a:latin typeface="Menlo" panose="020B0609030804020204" pitchFamily="49" charset="0"/>
+                <a:ea typeface="Menlo" panose="020B0609030804020204" pitchFamily="49" charset="0"/>
+                <a:cs typeface="Menlo" panose="020B0609030804020204" pitchFamily="49" charset="0"/>
+              </a:rPr>
+              <a:t>.</a:t>
+            </a:r>
+            <a:r>
+              <a:rPr lang="en-US" sz="1000" dirty="0" err="1">
+                <a:latin typeface="Menlo" panose="020B0609030804020204" pitchFamily="49" charset="0"/>
+                <a:ea typeface="Menlo" panose="020B0609030804020204" pitchFamily="49" charset="0"/>
+                <a:cs typeface="Menlo" panose="020B0609030804020204" pitchFamily="49" charset="0"/>
+              </a:rPr>
+              <a:t>iu_maps_len</a:t>
+            </a:r>
+            <a:r>
+              <a:rPr lang="en-US" sz="1000" dirty="0">
+                <a:latin typeface="Menlo" panose="020B0609030804020204" pitchFamily="49" charset="0"/>
+                <a:ea typeface="Menlo" panose="020B0609030804020204" pitchFamily="49" charset="0"/>
+                <a:cs typeface="Menlo" panose="020B0609030804020204" pitchFamily="49" charset="0"/>
+              </a:rPr>
+              <a:t> = </a:t>
+            </a:r>
+            <a:r>
+              <a:rPr lang="en-US" sz="1000" dirty="0">
+                <a:solidFill>
+                  <a:srgbClr val="00B0F0"/>
+                </a:solidFill>
+                <a:latin typeface="Menlo" panose="020B0609030804020204" pitchFamily="49" charset="0"/>
+                <a:ea typeface="Menlo" panose="020B0609030804020204" pitchFamily="49" charset="0"/>
+                <a:cs typeface="Menlo" panose="020B0609030804020204" pitchFamily="49" charset="0"/>
+              </a:rPr>
+              <a:t>1</a:t>
+            </a:r>
+            <a:r>
+              <a:rPr lang="en-US" sz="1000" dirty="0">
+                <a:latin typeface="Menlo" panose="020B0609030804020204" pitchFamily="49" charset="0"/>
+                <a:ea typeface="Menlo" panose="020B0609030804020204" pitchFamily="49" charset="0"/>
+                <a:cs typeface="Menlo" panose="020B0609030804020204" pitchFamily="49" charset="0"/>
+              </a:rPr>
+              <a:t>, </a:t>
+            </a:r>
+            <a:r>
+              <a:rPr lang="en-US" sz="1000" dirty="0">
+                <a:solidFill>
+                  <a:schemeClr val="bg2">
+                    <a:lumMod val="75000"/>
+                  </a:schemeClr>
+                </a:solidFill>
+                <a:latin typeface="Menlo" panose="020B0609030804020204" pitchFamily="49" charset="0"/>
+                <a:ea typeface="Menlo" panose="020B0609030804020204" pitchFamily="49" charset="0"/>
+                <a:cs typeface="Menlo" panose="020B0609030804020204" pitchFamily="49" charset="0"/>
+              </a:rPr>
+              <a:t>// new</a:t>
+            </a:r>
+            <a:endParaRPr lang="en-US" sz="1000" dirty="0">
+              <a:latin typeface="Menlo" panose="020B0609030804020204" pitchFamily="49" charset="0"/>
+              <a:ea typeface="Menlo" panose="020B0609030804020204" pitchFamily="49" charset="0"/>
+              <a:cs typeface="Menlo" panose="020B0609030804020204" pitchFamily="49" charset="0"/>
+            </a:endParaRPr>
+          </a:p>
+          <a:p>
+            <a:r>
+              <a:rPr lang="en-US" sz="1000" dirty="0">
+                <a:latin typeface="Menlo" panose="020B0609030804020204" pitchFamily="49" charset="0"/>
+                <a:ea typeface="Menlo" panose="020B0609030804020204" pitchFamily="49" charset="0"/>
+                <a:cs typeface="Menlo" panose="020B0609030804020204" pitchFamily="49" charset="0"/>
+              </a:rPr>
+              <a:t>};</a:t>
+            </a:r>
+          </a:p>
+        </p:txBody>
+      </p:sp>
+      <p:sp>
+        <p:nvSpPr>
+          <p:cNvPr id="15" name="Rounded Rectangle 14">
+            <a:extLst>
+              <a:ext uri="{FF2B5EF4-FFF2-40B4-BE49-F238E27FC236}">
+                <a16:creationId xmlns:a16="http://schemas.microsoft.com/office/drawing/2014/main" id="{0E3024F8-EA10-EB47-95A6-452159664F6B}"/>
+              </a:ext>
+            </a:extLst>
+          </p:cNvPr>
+          <p:cNvSpPr/>
+          <p:nvPr/>
+        </p:nvSpPr>
+        <p:spPr>
+          <a:xfrm>
+            <a:off x="6943412" y="125566"/>
+            <a:ext cx="4700634" cy="6398625"/>
+          </a:xfrm>
+          <a:prstGeom prst="roundRect">
+            <a:avLst/>
+          </a:prstGeom>
+        </p:spPr>
+        <p:style>
+          <a:lnRef idx="2">
+            <a:schemeClr val="accent6"/>
+          </a:lnRef>
+          <a:fillRef idx="1">
+            <a:schemeClr val="lt1"/>
+          </a:fillRef>
+          <a:effectRef idx="0">
+            <a:schemeClr val="accent6"/>
+          </a:effectRef>
+          <a:fontRef idx="minor">
+            <a:schemeClr val="dk1"/>
+          </a:fontRef>
+        </p:style>
+        <p:txBody>
+          <a:bodyPr rtlCol="0" anchor="ctr"/>
+          <a:lstStyle/>
+          <a:p>
+            <a:pPr algn="ctr"/>
+            <a:endParaRPr lang="en-US"/>
+          </a:p>
+        </p:txBody>
+      </p:sp>
+      <p:sp>
+        <p:nvSpPr>
+          <p:cNvPr id="16" name="TextBox 15">
+            <a:extLst>
+              <a:ext uri="{FF2B5EF4-FFF2-40B4-BE49-F238E27FC236}">
+                <a16:creationId xmlns:a16="http://schemas.microsoft.com/office/drawing/2014/main" id="{4E1AF973-42B8-5944-A150-047247348A8F}"/>
+              </a:ext>
+            </a:extLst>
+          </p:cNvPr>
+          <p:cNvSpPr txBox="1"/>
+          <p:nvPr/>
+        </p:nvSpPr>
+        <p:spPr>
+          <a:xfrm>
+            <a:off x="8939270" y="213197"/>
+            <a:ext cx="708917" cy="307777"/>
+          </a:xfrm>
+          <a:prstGeom prst="rect">
+            <a:avLst/>
+          </a:prstGeom>
+          <a:noFill/>
+        </p:spPr>
+        <p:txBody>
+          <a:bodyPr wrap="square" rtlCol="0">
+            <a:spAutoFit/>
+          </a:bodyPr>
+          <a:lstStyle/>
+          <a:p>
+            <a:pPr algn="ctr"/>
+            <a:r>
+              <a:rPr lang="en-US" sz="1400" dirty="0"/>
+              <a:t>Kernel</a:t>
+            </a:r>
+          </a:p>
+        </p:txBody>
+      </p:sp>
+      <p:cxnSp>
+        <p:nvCxnSpPr>
+          <p:cNvPr id="18" name="Straight Arrow Connector 17">
+            <a:extLst>
+              <a:ext uri="{FF2B5EF4-FFF2-40B4-BE49-F238E27FC236}">
+                <a16:creationId xmlns:a16="http://schemas.microsoft.com/office/drawing/2014/main" id="{6705FF60-9F94-B940-9F86-0CC8CB044550}"/>
+              </a:ext>
+            </a:extLst>
+          </p:cNvPr>
+          <p:cNvCxnSpPr>
+            <a:cxnSpLocks/>
+          </p:cNvCxnSpPr>
+          <p:nvPr/>
+        </p:nvCxnSpPr>
+        <p:spPr>
+          <a:xfrm>
+            <a:off x="193494" y="4766209"/>
+            <a:ext cx="203016" cy="0"/>
+          </a:xfrm>
+          <a:prstGeom prst="straightConnector1">
+            <a:avLst/>
+          </a:prstGeom>
+          <a:ln w="12700">
+            <a:tailEnd type="triangle"/>
+          </a:ln>
+        </p:spPr>
+        <p:style>
+          <a:lnRef idx="1">
+            <a:schemeClr val="accent1"/>
+          </a:lnRef>
+          <a:fillRef idx="0">
+            <a:schemeClr val="accent1"/>
+          </a:fillRef>
+          <a:effectRef idx="0">
+            <a:schemeClr val="accent1"/>
+          </a:effectRef>
+          <a:fontRef idx="minor">
+            <a:schemeClr val="tx1"/>
+          </a:fontRef>
+        </p:style>
+      </p:cxnSp>
+      <p:cxnSp>
+        <p:nvCxnSpPr>
+          <p:cNvPr id="21" name="Curved Connector 20">
+            <a:extLst>
+              <a:ext uri="{FF2B5EF4-FFF2-40B4-BE49-F238E27FC236}">
+                <a16:creationId xmlns:a16="http://schemas.microsoft.com/office/drawing/2014/main" id="{13C2EB5D-71E2-4E4F-A806-08A22F185854}"/>
+              </a:ext>
+            </a:extLst>
+          </p:cNvPr>
+          <p:cNvCxnSpPr>
+            <a:cxnSpLocks/>
+          </p:cNvCxnSpPr>
+          <p:nvPr/>
+        </p:nvCxnSpPr>
+        <p:spPr>
+          <a:xfrm rot="16200000" flipH="1">
+            <a:off x="2074425" y="3893174"/>
+            <a:ext cx="1357649" cy="221061"/>
+          </a:xfrm>
+          <a:prstGeom prst="curvedConnector3">
+            <a:avLst>
+              <a:gd name="adj1" fmla="val 50000"/>
+            </a:avLst>
+          </a:prstGeom>
+          <a:ln w="12700">
+            <a:tailEnd type="triangle"/>
+          </a:ln>
+        </p:spPr>
+        <p:style>
+          <a:lnRef idx="1">
+            <a:schemeClr val="accent1"/>
+          </a:lnRef>
+          <a:fillRef idx="0">
+            <a:schemeClr val="accent1"/>
+          </a:fillRef>
+          <a:effectRef idx="0">
+            <a:schemeClr val="accent1"/>
+          </a:effectRef>
+          <a:fontRef idx="minor">
+            <a:schemeClr val="tx1"/>
+          </a:fontRef>
+        </p:style>
+      </p:cxnSp>
+      <p:sp>
+        <p:nvSpPr>
+          <p:cNvPr id="26" name="Cloud 25">
+            <a:extLst>
+              <a:ext uri="{FF2B5EF4-FFF2-40B4-BE49-F238E27FC236}">
+                <a16:creationId xmlns:a16="http://schemas.microsoft.com/office/drawing/2014/main" id="{C663EEF2-32C0-C44A-A8E6-A2F71E0E63F4}"/>
+              </a:ext>
+            </a:extLst>
+          </p:cNvPr>
+          <p:cNvSpPr/>
+          <p:nvPr/>
+        </p:nvSpPr>
+        <p:spPr>
+          <a:xfrm>
+            <a:off x="3366199" y="1618114"/>
+            <a:ext cx="1949380" cy="1125086"/>
+          </a:xfrm>
+          <a:prstGeom prst="cloud">
+            <a:avLst/>
+          </a:prstGeom>
+        </p:spPr>
+        <p:style>
+          <a:lnRef idx="2">
+            <a:schemeClr val="accent6"/>
+          </a:lnRef>
+          <a:fillRef idx="1">
+            <a:schemeClr val="lt1"/>
+          </a:fillRef>
+          <a:effectRef idx="0">
+            <a:schemeClr val="accent6"/>
+          </a:effectRef>
+          <a:fontRef idx="minor">
+            <a:schemeClr val="dk1"/>
+          </a:fontRef>
+        </p:style>
+        <p:txBody>
+          <a:bodyPr rtlCol="0" anchor="ctr"/>
+          <a:lstStyle/>
+          <a:p>
+            <a:pPr algn="ctr"/>
+            <a:r>
+              <a:rPr lang="en-US" sz="1200" dirty="0"/>
+              <a:t>Rust prog and user loader choose the same map index</a:t>
+            </a:r>
+          </a:p>
+        </p:txBody>
+      </p:sp>
+      <p:cxnSp>
+        <p:nvCxnSpPr>
+          <p:cNvPr id="30" name="Straight Arrow Connector 29">
+            <a:extLst>
+              <a:ext uri="{FF2B5EF4-FFF2-40B4-BE49-F238E27FC236}">
+                <a16:creationId xmlns:a16="http://schemas.microsoft.com/office/drawing/2014/main" id="{14CD3999-264D-3B49-83E2-F210A4A82B4A}"/>
+              </a:ext>
+            </a:extLst>
+          </p:cNvPr>
+          <p:cNvCxnSpPr>
+            <a:cxnSpLocks/>
+          </p:cNvCxnSpPr>
+          <p:nvPr/>
+        </p:nvCxnSpPr>
+        <p:spPr>
+          <a:xfrm flipH="1" flipV="1">
+            <a:off x="1562563" y="794877"/>
+            <a:ext cx="1949380" cy="1125086"/>
+          </a:xfrm>
+          <a:prstGeom prst="straightConnector1">
+            <a:avLst/>
+          </a:prstGeom>
+          <a:ln w="12700">
+            <a:tailEnd type="triangle"/>
+          </a:ln>
+        </p:spPr>
+        <p:style>
+          <a:lnRef idx="1">
+            <a:schemeClr val="accent1"/>
+          </a:lnRef>
+          <a:fillRef idx="0">
+            <a:schemeClr val="accent1"/>
+          </a:fillRef>
+          <a:effectRef idx="0">
+            <a:schemeClr val="accent1"/>
+          </a:effectRef>
+          <a:fontRef idx="minor">
+            <a:schemeClr val="tx1"/>
+          </a:fontRef>
+        </p:style>
+      </p:cxnSp>
+      <p:cxnSp>
+        <p:nvCxnSpPr>
+          <p:cNvPr id="33" name="Straight Arrow Connector 32">
+            <a:extLst>
+              <a:ext uri="{FF2B5EF4-FFF2-40B4-BE49-F238E27FC236}">
+                <a16:creationId xmlns:a16="http://schemas.microsoft.com/office/drawing/2014/main" id="{2517E6E3-8EB3-0B48-AA37-F51E6FD4E936}"/>
+              </a:ext>
+            </a:extLst>
+          </p:cNvPr>
+          <p:cNvCxnSpPr/>
+          <p:nvPr/>
+        </p:nvCxnSpPr>
+        <p:spPr>
+          <a:xfrm flipH="1">
+            <a:off x="1406769" y="2592475"/>
+            <a:ext cx="2105174" cy="411982"/>
+          </a:xfrm>
+          <a:prstGeom prst="straightConnector1">
+            <a:avLst/>
+          </a:prstGeom>
+          <a:ln w="12700">
+            <a:tailEnd type="triangle"/>
+          </a:ln>
+        </p:spPr>
+        <p:style>
+          <a:lnRef idx="1">
+            <a:schemeClr val="accent1"/>
+          </a:lnRef>
+          <a:fillRef idx="0">
+            <a:schemeClr val="accent1"/>
+          </a:fillRef>
+          <a:effectRef idx="0">
+            <a:schemeClr val="accent1"/>
+          </a:effectRef>
+          <a:fontRef idx="minor">
+            <a:schemeClr val="tx1"/>
+          </a:fontRef>
+        </p:style>
+      </p:cxnSp>
+      <p:cxnSp>
+        <p:nvCxnSpPr>
+          <p:cNvPr id="36" name="Straight Arrow Connector 35">
+            <a:extLst>
+              <a:ext uri="{FF2B5EF4-FFF2-40B4-BE49-F238E27FC236}">
+                <a16:creationId xmlns:a16="http://schemas.microsoft.com/office/drawing/2014/main" id="{9793057F-53B1-D542-84DF-859EF65127FD}"/>
+              </a:ext>
+            </a:extLst>
+          </p:cNvPr>
+          <p:cNvCxnSpPr>
+            <a:cxnSpLocks/>
+          </p:cNvCxnSpPr>
+          <p:nvPr/>
+        </p:nvCxnSpPr>
+        <p:spPr>
+          <a:xfrm>
+            <a:off x="3908664" y="4765089"/>
+            <a:ext cx="3034748" cy="1120"/>
+          </a:xfrm>
+          <a:prstGeom prst="straightConnector1">
+            <a:avLst/>
+          </a:prstGeom>
+          <a:ln w="12700">
+            <a:tailEnd type="triangle"/>
+          </a:ln>
+        </p:spPr>
+        <p:style>
+          <a:lnRef idx="1">
+            <a:schemeClr val="accent1"/>
+          </a:lnRef>
+          <a:fillRef idx="0">
+            <a:schemeClr val="accent1"/>
+          </a:fillRef>
+          <a:effectRef idx="0">
+            <a:schemeClr val="accent1"/>
+          </a:effectRef>
+          <a:fontRef idx="minor">
+            <a:schemeClr val="tx1"/>
+          </a:fontRef>
+        </p:style>
+      </p:cxnSp>
+      <p:sp>
+        <p:nvSpPr>
+          <p:cNvPr id="38" name="TextBox 37">
+            <a:extLst>
+              <a:ext uri="{FF2B5EF4-FFF2-40B4-BE49-F238E27FC236}">
+                <a16:creationId xmlns:a16="http://schemas.microsoft.com/office/drawing/2014/main" id="{B5D09702-FC6F-324F-8D71-BDD223D0A1A5}"/>
+              </a:ext>
+            </a:extLst>
+          </p:cNvPr>
+          <p:cNvSpPr txBox="1"/>
+          <p:nvPr/>
+        </p:nvSpPr>
+        <p:spPr>
+          <a:xfrm>
+            <a:off x="3681874" y="4471516"/>
+            <a:ext cx="3261538" cy="276999"/>
+          </a:xfrm>
+          <a:prstGeom prst="rect">
+            <a:avLst/>
+          </a:prstGeom>
+          <a:noFill/>
+        </p:spPr>
+        <p:txBody>
+          <a:bodyPr wrap="square" rtlCol="0">
+            <a:spAutoFit/>
+          </a:bodyPr>
+          <a:lstStyle/>
+          <a:p>
+            <a:pPr algn="ctr"/>
+            <a:r>
+              <a:rPr lang="en-US" sz="1200" dirty="0"/>
+              <a:t>Creates the </a:t>
+            </a:r>
+            <a:r>
+              <a:rPr lang="en-US" sz="1200" dirty="0" err="1"/>
+              <a:t>bpf</a:t>
+            </a:r>
+            <a:r>
+              <a:rPr lang="en-US" sz="1200" dirty="0"/>
+              <a:t> map “m” in the kernel</a:t>
+            </a:r>
+          </a:p>
+        </p:txBody>
+      </p:sp>
+      <p:sp>
+        <p:nvSpPr>
+          <p:cNvPr id="39" name="Card 38">
+            <a:extLst>
+              <a:ext uri="{FF2B5EF4-FFF2-40B4-BE49-F238E27FC236}">
+                <a16:creationId xmlns:a16="http://schemas.microsoft.com/office/drawing/2014/main" id="{4550A54C-43E6-824D-B53D-31AD5D998159}"/>
+              </a:ext>
+            </a:extLst>
+          </p:cNvPr>
+          <p:cNvSpPr/>
+          <p:nvPr/>
+        </p:nvSpPr>
+        <p:spPr>
+          <a:xfrm>
+            <a:off x="10133973" y="2180657"/>
+            <a:ext cx="955040" cy="985520"/>
+          </a:xfrm>
+          <a:prstGeom prst="flowChartPunchedCard">
+            <a:avLst/>
+          </a:prstGeom>
+        </p:spPr>
+        <p:style>
+          <a:lnRef idx="2">
+            <a:schemeClr val="accent6"/>
+          </a:lnRef>
+          <a:fillRef idx="1">
+            <a:schemeClr val="lt1"/>
+          </a:fillRef>
+          <a:effectRef idx="0">
+            <a:schemeClr val="accent6"/>
+          </a:effectRef>
+          <a:fontRef idx="minor">
+            <a:schemeClr val="dk1"/>
+          </a:fontRef>
+        </p:style>
+        <p:txBody>
+          <a:bodyPr rtlCol="0" anchor="ctr"/>
+          <a:lstStyle/>
+          <a:p>
+            <a:pPr algn="ctr"/>
+            <a:r>
+              <a:rPr lang="en-US" sz="1000" dirty="0" err="1">
+                <a:latin typeface="Menlo" panose="020B0609030804020204" pitchFamily="49" charset="0"/>
+                <a:ea typeface="Menlo" panose="020B0609030804020204" pitchFamily="49" charset="0"/>
+                <a:cs typeface="Menlo" panose="020B0609030804020204" pitchFamily="49" charset="0"/>
+              </a:rPr>
+              <a:t>bpf_map</a:t>
+            </a:r>
+            <a:r>
+              <a:rPr lang="en-US" sz="1000" dirty="0">
+                <a:latin typeface="Menlo" panose="020B0609030804020204" pitchFamily="49" charset="0"/>
+                <a:ea typeface="Menlo" panose="020B0609030804020204" pitchFamily="49" charset="0"/>
+                <a:cs typeface="Menlo" panose="020B0609030804020204" pitchFamily="49" charset="0"/>
+              </a:rPr>
+              <a:t> m</a:t>
+            </a:r>
+          </a:p>
+          <a:p>
+            <a:pPr algn="ctr"/>
+            <a:endParaRPr lang="en-US" sz="1000" dirty="0">
+              <a:latin typeface="Menlo" panose="020B0609030804020204" pitchFamily="49" charset="0"/>
+              <a:ea typeface="Menlo" panose="020B0609030804020204" pitchFamily="49" charset="0"/>
+              <a:cs typeface="Menlo" panose="020B0609030804020204" pitchFamily="49" charset="0"/>
+            </a:endParaRPr>
+          </a:p>
+          <a:p>
+            <a:pPr algn="ctr"/>
+            <a:r>
+              <a:rPr lang="en-US" sz="1000" dirty="0" err="1">
+                <a:latin typeface="Menlo" panose="020B0609030804020204" pitchFamily="49" charset="0"/>
+                <a:ea typeface="Menlo" panose="020B0609030804020204" pitchFamily="49" charset="0"/>
+                <a:cs typeface="Menlo" panose="020B0609030804020204" pitchFamily="49" charset="0"/>
+              </a:rPr>
+              <a:t>refcnt</a:t>
+            </a:r>
+            <a:r>
+              <a:rPr lang="en-US" sz="1000" dirty="0">
+                <a:latin typeface="Menlo" panose="020B0609030804020204" pitchFamily="49" charset="0"/>
+                <a:ea typeface="Menlo" panose="020B0609030804020204" pitchFamily="49" charset="0"/>
+                <a:cs typeface="Menlo" panose="020B0609030804020204" pitchFamily="49" charset="0"/>
+              </a:rPr>
+              <a:t> = 1 </a:t>
+            </a:r>
+            <a:r>
+              <a:rPr lang="en-US" sz="1000" dirty="0" err="1">
+                <a:latin typeface="Menlo" panose="020B0609030804020204" pitchFamily="49" charset="0"/>
+                <a:ea typeface="Menlo" panose="020B0609030804020204" pitchFamily="49" charset="0"/>
+                <a:cs typeface="Menlo" panose="020B0609030804020204" pitchFamily="49" charset="0"/>
+              </a:rPr>
+              <a:t>iu_idx</a:t>
+            </a:r>
+            <a:r>
+              <a:rPr lang="en-US" sz="1000" dirty="0">
+                <a:latin typeface="Menlo" panose="020B0609030804020204" pitchFamily="49" charset="0"/>
+                <a:ea typeface="Menlo" panose="020B0609030804020204" pitchFamily="49" charset="0"/>
+                <a:cs typeface="Menlo" panose="020B0609030804020204" pitchFamily="49" charset="0"/>
+              </a:rPr>
+              <a:t> = 4</a:t>
+            </a:r>
+          </a:p>
+          <a:p>
+            <a:pPr algn="ctr"/>
+            <a:endParaRPr lang="en-US" sz="1000" dirty="0">
+              <a:latin typeface="Menlo" panose="020B0609030804020204" pitchFamily="49" charset="0"/>
+              <a:ea typeface="Menlo" panose="020B0609030804020204" pitchFamily="49" charset="0"/>
+              <a:cs typeface="Menlo" panose="020B0609030804020204" pitchFamily="49" charset="0"/>
+            </a:endParaRPr>
+          </a:p>
+        </p:txBody>
+      </p:sp>
+      <p:graphicFrame>
+        <p:nvGraphicFramePr>
+          <p:cNvPr id="41" name="Table 41">
+            <a:extLst>
+              <a:ext uri="{FF2B5EF4-FFF2-40B4-BE49-F238E27FC236}">
+                <a16:creationId xmlns:a16="http://schemas.microsoft.com/office/drawing/2014/main" id="{EA411561-E517-D747-A596-14B7F4634D47}"/>
+              </a:ext>
+            </a:extLst>
+          </p:cNvPr>
+          <p:cNvGraphicFramePr>
+            <a:graphicFrameLocks noGrp="1"/>
+          </p:cNvGraphicFramePr>
+          <p:nvPr>
+            <p:extLst>
+              <p:ext uri="{D42A27DB-BD31-4B8C-83A1-F6EECF244321}">
+                <p14:modId xmlns:p14="http://schemas.microsoft.com/office/powerpoint/2010/main" val="1863315321"/>
+              </p:ext>
+            </p:extLst>
+          </p:nvPr>
+        </p:nvGraphicFramePr>
+        <p:xfrm>
+          <a:off x="8380055" y="1093385"/>
+          <a:ext cx="2929790" cy="370840"/>
+        </p:xfrm>
+        <a:graphic>
+          <a:graphicData uri="http://schemas.openxmlformats.org/drawingml/2006/table">
+            <a:tbl>
+              <a:tblPr firstRow="1" bandRow="1">
+                <a:tableStyleId>{616DA210-FB5B-4158-B5E0-FEB733F419BA}</a:tableStyleId>
+              </a:tblPr>
+              <a:tblGrid>
+                <a:gridCol w="292979">
+                  <a:extLst>
+                    <a:ext uri="{9D8B030D-6E8A-4147-A177-3AD203B41FA5}">
+                      <a16:colId xmlns:a16="http://schemas.microsoft.com/office/drawing/2014/main" val="3569173469"/>
+                    </a:ext>
+                  </a:extLst>
+                </a:gridCol>
+                <a:gridCol w="292979">
+                  <a:extLst>
+                    <a:ext uri="{9D8B030D-6E8A-4147-A177-3AD203B41FA5}">
+                      <a16:colId xmlns:a16="http://schemas.microsoft.com/office/drawing/2014/main" val="4221256583"/>
+                    </a:ext>
+                  </a:extLst>
+                </a:gridCol>
+                <a:gridCol w="292979">
+                  <a:extLst>
+                    <a:ext uri="{9D8B030D-6E8A-4147-A177-3AD203B41FA5}">
+                      <a16:colId xmlns:a16="http://schemas.microsoft.com/office/drawing/2014/main" val="891447973"/>
+                    </a:ext>
+                  </a:extLst>
+                </a:gridCol>
+                <a:gridCol w="292979">
+                  <a:extLst>
+                    <a:ext uri="{9D8B030D-6E8A-4147-A177-3AD203B41FA5}">
+                      <a16:colId xmlns:a16="http://schemas.microsoft.com/office/drawing/2014/main" val="1332849947"/>
+                    </a:ext>
+                  </a:extLst>
+                </a:gridCol>
+                <a:gridCol w="292979">
+                  <a:extLst>
+                    <a:ext uri="{9D8B030D-6E8A-4147-A177-3AD203B41FA5}">
+                      <a16:colId xmlns:a16="http://schemas.microsoft.com/office/drawing/2014/main" val="1554009826"/>
+                    </a:ext>
+                  </a:extLst>
+                </a:gridCol>
+                <a:gridCol w="292979">
+                  <a:extLst>
+                    <a:ext uri="{9D8B030D-6E8A-4147-A177-3AD203B41FA5}">
+                      <a16:colId xmlns:a16="http://schemas.microsoft.com/office/drawing/2014/main" val="4053734110"/>
+                    </a:ext>
+                  </a:extLst>
+                </a:gridCol>
+                <a:gridCol w="292979">
+                  <a:extLst>
+                    <a:ext uri="{9D8B030D-6E8A-4147-A177-3AD203B41FA5}">
+                      <a16:colId xmlns:a16="http://schemas.microsoft.com/office/drawing/2014/main" val="2029412556"/>
+                    </a:ext>
+                  </a:extLst>
+                </a:gridCol>
+                <a:gridCol w="292979">
+                  <a:extLst>
+                    <a:ext uri="{9D8B030D-6E8A-4147-A177-3AD203B41FA5}">
+                      <a16:colId xmlns:a16="http://schemas.microsoft.com/office/drawing/2014/main" val="2276891093"/>
+                    </a:ext>
+                  </a:extLst>
+                </a:gridCol>
+                <a:gridCol w="292979">
+                  <a:extLst>
+                    <a:ext uri="{9D8B030D-6E8A-4147-A177-3AD203B41FA5}">
+                      <a16:colId xmlns:a16="http://schemas.microsoft.com/office/drawing/2014/main" val="1128923319"/>
+                    </a:ext>
+                  </a:extLst>
+                </a:gridCol>
+                <a:gridCol w="292979">
+                  <a:extLst>
+                    <a:ext uri="{9D8B030D-6E8A-4147-A177-3AD203B41FA5}">
+                      <a16:colId xmlns:a16="http://schemas.microsoft.com/office/drawing/2014/main" val="4288637404"/>
+                    </a:ext>
+                  </a:extLst>
+                </a:gridCol>
+              </a:tblGrid>
+              <a:tr h="370840">
+                <a:tc>
+                  <a:txBody>
+                    <a:bodyPr/>
+                    <a:lstStyle/>
+                    <a:p>
+                      <a:r>
+                        <a:rPr lang="en-US" b="0" dirty="0"/>
+                        <a:t>0</a:t>
+                      </a:r>
+                    </a:p>
+                  </a:txBody>
+                  <a:tcPr/>
+                </a:tc>
+                <a:tc>
+                  <a:txBody>
+                    <a:bodyPr/>
+                    <a:lstStyle/>
+                    <a:p>
+                      <a:r>
+                        <a:rPr lang="en-US" b="0" dirty="0"/>
+                        <a:t>1</a:t>
+                      </a:r>
+                    </a:p>
+                  </a:txBody>
+                  <a:tcPr/>
+                </a:tc>
+                <a:tc>
+                  <a:txBody>
+                    <a:bodyPr/>
+                    <a:lstStyle/>
+                    <a:p>
+                      <a:r>
+                        <a:rPr lang="en-US" b="0" dirty="0"/>
+                        <a:t>2</a:t>
+                      </a:r>
+                    </a:p>
+                  </a:txBody>
+                  <a:tcPr/>
+                </a:tc>
+                <a:tc>
+                  <a:txBody>
+                    <a:bodyPr/>
+                    <a:lstStyle/>
+                    <a:p>
+                      <a:r>
+                        <a:rPr lang="en-US" b="0" dirty="0"/>
+                        <a:t>3</a:t>
+                      </a:r>
+                    </a:p>
+                  </a:txBody>
+                  <a:tcPr/>
+                </a:tc>
+                <a:tc>
+                  <a:txBody>
+                    <a:bodyPr/>
+                    <a:lstStyle/>
+                    <a:p>
+                      <a:r>
+                        <a:rPr lang="en-US" b="0" dirty="0"/>
+                        <a:t>4</a:t>
+                      </a:r>
+                    </a:p>
+                  </a:txBody>
+                  <a:tcPr/>
+                </a:tc>
+                <a:tc>
+                  <a:txBody>
+                    <a:bodyPr/>
+                    <a:lstStyle/>
+                    <a:p>
+                      <a:r>
+                        <a:rPr lang="en-US" b="0" dirty="0"/>
+                        <a:t>5</a:t>
+                      </a:r>
+                    </a:p>
+                  </a:txBody>
+                  <a:tcPr/>
+                </a:tc>
+                <a:tc>
+                  <a:txBody>
+                    <a:bodyPr/>
+                    <a:lstStyle/>
+                    <a:p>
+                      <a:r>
+                        <a:rPr lang="en-US" b="0" dirty="0"/>
+                        <a:t>7</a:t>
+                      </a:r>
+                    </a:p>
+                  </a:txBody>
+                  <a:tcPr/>
+                </a:tc>
+                <a:tc>
+                  <a:txBody>
+                    <a:bodyPr/>
+                    <a:lstStyle/>
+                    <a:p>
+                      <a:r>
+                        <a:rPr lang="en-US" b="0" dirty="0"/>
+                        <a:t>8</a:t>
+                      </a:r>
+                    </a:p>
+                  </a:txBody>
+                  <a:tcPr/>
+                </a:tc>
+                <a:tc>
+                  <a:txBody>
+                    <a:bodyPr/>
+                    <a:lstStyle/>
+                    <a:p>
+                      <a:r>
+                        <a:rPr lang="en-US" b="0" dirty="0"/>
+                        <a:t>9</a:t>
+                      </a:r>
+                    </a:p>
+                  </a:txBody>
+                  <a:tcPr/>
+                </a:tc>
+                <a:tc>
+                  <a:txBody>
+                    <a:bodyPr/>
+                    <a:lstStyle/>
+                    <a:p>
+                      <a:r>
+                        <a:rPr lang="en-US" b="0" dirty="0"/>
+                        <a:t>…</a:t>
+                      </a:r>
+                    </a:p>
+                  </a:txBody>
+                  <a:tcPr/>
+                </a:tc>
+                <a:extLst>
+                  <a:ext uri="{0D108BD9-81ED-4DB2-BD59-A6C34878D82A}">
+                    <a16:rowId xmlns:a16="http://schemas.microsoft.com/office/drawing/2014/main" val="571563841"/>
+                  </a:ext>
+                </a:extLst>
+              </a:tr>
+            </a:tbl>
+          </a:graphicData>
+        </a:graphic>
+      </p:graphicFrame>
+      <p:sp>
+        <p:nvSpPr>
+          <p:cNvPr id="42" name="TextBox 41">
+            <a:extLst>
+              <a:ext uri="{FF2B5EF4-FFF2-40B4-BE49-F238E27FC236}">
+                <a16:creationId xmlns:a16="http://schemas.microsoft.com/office/drawing/2014/main" id="{899B15E6-0E72-0C4F-ACD0-949AD46D80D1}"/>
+              </a:ext>
+            </a:extLst>
+          </p:cNvPr>
+          <p:cNvSpPr txBox="1"/>
+          <p:nvPr/>
+        </p:nvSpPr>
+        <p:spPr>
+          <a:xfrm>
+            <a:off x="8331583" y="847164"/>
+            <a:ext cx="3081081" cy="246221"/>
+          </a:xfrm>
+          <a:prstGeom prst="rect">
+            <a:avLst/>
+          </a:prstGeom>
+          <a:noFill/>
+        </p:spPr>
+        <p:txBody>
+          <a:bodyPr wrap="square" rtlCol="0">
+            <a:spAutoFit/>
+          </a:bodyPr>
+          <a:lstStyle/>
+          <a:p>
+            <a:pPr algn="ctr"/>
+            <a:r>
+              <a:rPr lang="en-US" sz="1000" dirty="0">
+                <a:solidFill>
+                  <a:schemeClr val="accent2">
+                    <a:lumMod val="50000"/>
+                  </a:schemeClr>
+                </a:solidFill>
+                <a:latin typeface="Menlo" panose="020B0609030804020204" pitchFamily="49" charset="0"/>
+                <a:ea typeface="Menlo" panose="020B0609030804020204" pitchFamily="49" charset="0"/>
+                <a:cs typeface="Menlo" panose="020B0609030804020204" pitchFamily="49" charset="0"/>
+              </a:rPr>
+              <a:t>struct</a:t>
+            </a:r>
+            <a:r>
+              <a:rPr lang="en-US" sz="1000" dirty="0">
+                <a:latin typeface="Menlo" panose="020B0609030804020204" pitchFamily="49" charset="0"/>
+                <a:ea typeface="Menlo" panose="020B0609030804020204" pitchFamily="49" charset="0"/>
+                <a:cs typeface="Menlo" panose="020B0609030804020204" pitchFamily="49" charset="0"/>
+              </a:rPr>
+              <a:t> </a:t>
+            </a:r>
+            <a:r>
+              <a:rPr lang="en-US" sz="1000" dirty="0" err="1">
+                <a:latin typeface="Menlo" panose="020B0609030804020204" pitchFamily="49" charset="0"/>
+                <a:ea typeface="Menlo" panose="020B0609030804020204" pitchFamily="49" charset="0"/>
+                <a:cs typeface="Menlo" panose="020B0609030804020204" pitchFamily="49" charset="0"/>
+              </a:rPr>
+              <a:t>bpf_map</a:t>
+            </a:r>
+            <a:r>
+              <a:rPr lang="en-US" sz="1000" dirty="0">
+                <a:latin typeface="Menlo" panose="020B0609030804020204" pitchFamily="49" charset="0"/>
+                <a:ea typeface="Menlo" panose="020B0609030804020204" pitchFamily="49" charset="0"/>
+                <a:cs typeface="Menlo" panose="020B0609030804020204" pitchFamily="49" charset="0"/>
+              </a:rPr>
+              <a:t> </a:t>
+            </a:r>
+            <a:r>
+              <a:rPr lang="en-US" sz="1000" dirty="0">
+                <a:solidFill>
+                  <a:schemeClr val="accent3">
+                    <a:lumMod val="75000"/>
+                  </a:schemeClr>
+                </a:solidFill>
+                <a:latin typeface="Menlo" panose="020B0609030804020204" pitchFamily="49" charset="0"/>
+                <a:ea typeface="Menlo" panose="020B0609030804020204" pitchFamily="49" charset="0"/>
+                <a:cs typeface="Menlo" panose="020B0609030804020204" pitchFamily="49" charset="0"/>
+              </a:rPr>
+              <a:t>*</a:t>
+            </a:r>
+            <a:r>
+              <a:rPr lang="en-US" sz="1000" dirty="0" err="1">
+                <a:latin typeface="Menlo" panose="020B0609030804020204" pitchFamily="49" charset="0"/>
+                <a:ea typeface="Menlo" panose="020B0609030804020204" pitchFamily="49" charset="0"/>
+                <a:cs typeface="Menlo" panose="020B0609030804020204" pitchFamily="49" charset="0"/>
+              </a:rPr>
+              <a:t>iu_maps</a:t>
+            </a:r>
+            <a:r>
+              <a:rPr lang="en-US" sz="1000" dirty="0">
+                <a:latin typeface="Menlo" panose="020B0609030804020204" pitchFamily="49" charset="0"/>
+                <a:ea typeface="Menlo" panose="020B0609030804020204" pitchFamily="49" charset="0"/>
+                <a:cs typeface="Menlo" panose="020B0609030804020204" pitchFamily="49" charset="0"/>
+              </a:rPr>
+              <a:t>[</a:t>
+            </a:r>
+            <a:r>
+              <a:rPr lang="en-US" sz="1000" dirty="0">
+                <a:solidFill>
+                  <a:srgbClr val="00B0F0"/>
+                </a:solidFill>
+                <a:latin typeface="Menlo" panose="020B0609030804020204" pitchFamily="49" charset="0"/>
+                <a:ea typeface="Menlo" panose="020B0609030804020204" pitchFamily="49" charset="0"/>
+                <a:cs typeface="Menlo" panose="020B0609030804020204" pitchFamily="49" charset="0"/>
+              </a:rPr>
+              <a:t>32768</a:t>
+            </a:r>
+            <a:r>
+              <a:rPr lang="en-US" sz="1000" dirty="0">
+                <a:latin typeface="Menlo" panose="020B0609030804020204" pitchFamily="49" charset="0"/>
+                <a:ea typeface="Menlo" panose="020B0609030804020204" pitchFamily="49" charset="0"/>
+                <a:cs typeface="Menlo" panose="020B0609030804020204" pitchFamily="49" charset="0"/>
+              </a:rPr>
+              <a:t>]</a:t>
+            </a:r>
+          </a:p>
+        </p:txBody>
+      </p:sp>
+      <p:cxnSp>
+        <p:nvCxnSpPr>
+          <p:cNvPr id="44" name="Curved Connector 43">
+            <a:extLst>
+              <a:ext uri="{FF2B5EF4-FFF2-40B4-BE49-F238E27FC236}">
+                <a16:creationId xmlns:a16="http://schemas.microsoft.com/office/drawing/2014/main" id="{43CBDE34-8E0A-AB4B-B953-8BB6F55EE505}"/>
+              </a:ext>
+            </a:extLst>
+          </p:cNvPr>
+          <p:cNvCxnSpPr>
+            <a:endCxn id="39" idx="1"/>
+          </p:cNvCxnSpPr>
+          <p:nvPr/>
+        </p:nvCxnSpPr>
+        <p:spPr>
+          <a:xfrm rot="16200000" flipH="1">
+            <a:off x="9286484" y="1825928"/>
+            <a:ext cx="1209192" cy="485786"/>
+          </a:xfrm>
+          <a:prstGeom prst="curvedConnector2">
+            <a:avLst/>
+          </a:prstGeom>
+          <a:ln w="12700">
+            <a:tailEnd type="triangle"/>
+          </a:ln>
+        </p:spPr>
+        <p:style>
+          <a:lnRef idx="1">
+            <a:schemeClr val="accent1"/>
+          </a:lnRef>
+          <a:fillRef idx="0">
+            <a:schemeClr val="accent1"/>
+          </a:fillRef>
+          <a:effectRef idx="0">
+            <a:schemeClr val="accent1"/>
+          </a:effectRef>
+          <a:fontRef idx="minor">
+            <a:schemeClr val="tx1"/>
+          </a:fontRef>
+        </p:style>
+      </p:cxnSp>
+      <p:cxnSp>
+        <p:nvCxnSpPr>
+          <p:cNvPr id="46" name="Straight Arrow Connector 45">
+            <a:extLst>
+              <a:ext uri="{FF2B5EF4-FFF2-40B4-BE49-F238E27FC236}">
+                <a16:creationId xmlns:a16="http://schemas.microsoft.com/office/drawing/2014/main" id="{2B1B1B70-8C34-C84B-A51A-F271D28BB763}"/>
+              </a:ext>
+            </a:extLst>
+          </p:cNvPr>
+          <p:cNvCxnSpPr>
+            <a:cxnSpLocks/>
+          </p:cNvCxnSpPr>
+          <p:nvPr/>
+        </p:nvCxnSpPr>
+        <p:spPr>
+          <a:xfrm flipH="1">
+            <a:off x="3911600" y="4765089"/>
+            <a:ext cx="3031812" cy="1120"/>
+          </a:xfrm>
+          <a:prstGeom prst="straightConnector1">
+            <a:avLst/>
+          </a:prstGeom>
+          <a:ln w="12700">
+            <a:tailEnd type="triangle"/>
+          </a:ln>
+        </p:spPr>
+        <p:style>
+          <a:lnRef idx="1">
+            <a:schemeClr val="accent1"/>
+          </a:lnRef>
+          <a:fillRef idx="0">
+            <a:schemeClr val="accent1"/>
+          </a:fillRef>
+          <a:effectRef idx="0">
+            <a:schemeClr val="accent1"/>
+          </a:effectRef>
+          <a:fontRef idx="minor">
+            <a:schemeClr val="tx1"/>
+          </a:fontRef>
+        </p:style>
+      </p:cxnSp>
+      <p:sp>
+        <p:nvSpPr>
+          <p:cNvPr id="47" name="TextBox 46">
+            <a:extLst>
+              <a:ext uri="{FF2B5EF4-FFF2-40B4-BE49-F238E27FC236}">
+                <a16:creationId xmlns:a16="http://schemas.microsoft.com/office/drawing/2014/main" id="{2AB3CE87-B202-614E-8D2D-9414178F5951}"/>
+              </a:ext>
+            </a:extLst>
+          </p:cNvPr>
+          <p:cNvSpPr txBox="1"/>
+          <p:nvPr/>
+        </p:nvSpPr>
+        <p:spPr>
+          <a:xfrm>
+            <a:off x="3911600" y="4471516"/>
+            <a:ext cx="3031812" cy="246221"/>
+          </a:xfrm>
+          <a:prstGeom prst="rect">
+            <a:avLst/>
+          </a:prstGeom>
+          <a:noFill/>
+        </p:spPr>
+        <p:txBody>
+          <a:bodyPr wrap="square" rtlCol="0">
+            <a:spAutoFit/>
+          </a:bodyPr>
+          <a:lstStyle/>
+          <a:p>
+            <a:pPr algn="ctr"/>
+            <a:r>
+              <a:rPr lang="en-US" sz="1000" dirty="0" err="1">
+                <a:latin typeface="Menlo" panose="020B0609030804020204" pitchFamily="49" charset="0"/>
+                <a:ea typeface="Menlo" panose="020B0609030804020204" pitchFamily="49" charset="0"/>
+                <a:cs typeface="Menlo" panose="020B0609030804020204" pitchFamily="49" charset="0"/>
+              </a:rPr>
+              <a:t>fd</a:t>
+            </a:r>
+            <a:r>
+              <a:rPr lang="en-US" sz="1000" dirty="0">
+                <a:latin typeface="Menlo" panose="020B0609030804020204" pitchFamily="49" charset="0"/>
+                <a:ea typeface="Menlo" panose="020B0609030804020204" pitchFamily="49" charset="0"/>
+                <a:cs typeface="Menlo" panose="020B0609030804020204" pitchFamily="49" charset="0"/>
+              </a:rPr>
+              <a:t> = 4, w/ </a:t>
+            </a:r>
+            <a:r>
+              <a:rPr lang="en-US" sz="1000" dirty="0" err="1">
+                <a:latin typeface="Menlo" panose="020B0609030804020204" pitchFamily="49" charset="0"/>
+                <a:ea typeface="Menlo" panose="020B0609030804020204" pitchFamily="49" charset="0"/>
+                <a:cs typeface="Menlo" panose="020B0609030804020204" pitchFamily="49" charset="0"/>
+              </a:rPr>
+              <a:t>refcnt</a:t>
+            </a:r>
+            <a:endParaRPr lang="en-US" sz="1000" dirty="0">
+              <a:latin typeface="Menlo" panose="020B0609030804020204" pitchFamily="49" charset="0"/>
+              <a:ea typeface="Menlo" panose="020B0609030804020204" pitchFamily="49" charset="0"/>
+              <a:cs typeface="Menlo" panose="020B0609030804020204" pitchFamily="49" charset="0"/>
+            </a:endParaRPr>
+          </a:p>
+        </p:txBody>
+      </p:sp>
+      <p:cxnSp>
+        <p:nvCxnSpPr>
+          <p:cNvPr id="48" name="Straight Arrow Connector 47">
+            <a:extLst>
+              <a:ext uri="{FF2B5EF4-FFF2-40B4-BE49-F238E27FC236}">
+                <a16:creationId xmlns:a16="http://schemas.microsoft.com/office/drawing/2014/main" id="{676D546F-B58D-5645-A164-AFBACE24AEE2}"/>
+              </a:ext>
+            </a:extLst>
+          </p:cNvPr>
+          <p:cNvCxnSpPr>
+            <a:cxnSpLocks/>
+          </p:cNvCxnSpPr>
+          <p:nvPr/>
+        </p:nvCxnSpPr>
+        <p:spPr>
+          <a:xfrm>
+            <a:off x="193494" y="4918609"/>
+            <a:ext cx="203016" cy="0"/>
+          </a:xfrm>
+          <a:prstGeom prst="straightConnector1">
+            <a:avLst/>
+          </a:prstGeom>
+          <a:ln w="12700">
+            <a:tailEnd type="triangle"/>
+          </a:ln>
+        </p:spPr>
+        <p:style>
+          <a:lnRef idx="1">
+            <a:schemeClr val="accent1"/>
+          </a:lnRef>
+          <a:fillRef idx="0">
+            <a:schemeClr val="accent1"/>
+          </a:fillRef>
+          <a:effectRef idx="0">
+            <a:schemeClr val="accent1"/>
+          </a:effectRef>
+          <a:fontRef idx="minor">
+            <a:schemeClr val="tx1"/>
+          </a:fontRef>
+        </p:style>
+      </p:cxnSp>
+      <p:cxnSp>
+        <p:nvCxnSpPr>
+          <p:cNvPr id="50" name="Curved Connector 49">
+            <a:extLst>
+              <a:ext uri="{FF2B5EF4-FFF2-40B4-BE49-F238E27FC236}">
+                <a16:creationId xmlns:a16="http://schemas.microsoft.com/office/drawing/2014/main" id="{5472160F-96A3-2C40-9E88-3EBDD6EDEB1E}"/>
+              </a:ext>
+            </a:extLst>
+          </p:cNvPr>
+          <p:cNvCxnSpPr>
+            <a:cxnSpLocks/>
+          </p:cNvCxnSpPr>
+          <p:nvPr/>
+        </p:nvCxnSpPr>
+        <p:spPr>
+          <a:xfrm rot="16200000" flipH="1">
+            <a:off x="2156968" y="3979077"/>
+            <a:ext cx="1590736" cy="282339"/>
+          </a:xfrm>
+          <a:prstGeom prst="curvedConnector3">
+            <a:avLst/>
+          </a:prstGeom>
+          <a:ln w="12700">
+            <a:tailEnd type="triangle"/>
+          </a:ln>
+        </p:spPr>
+        <p:style>
+          <a:lnRef idx="1">
+            <a:schemeClr val="accent1"/>
+          </a:lnRef>
+          <a:fillRef idx="0">
+            <a:schemeClr val="accent1"/>
+          </a:fillRef>
+          <a:effectRef idx="0">
+            <a:schemeClr val="accent1"/>
+          </a:effectRef>
+          <a:fontRef idx="minor">
+            <a:schemeClr val="tx1"/>
+          </a:fontRef>
+        </p:style>
+      </p:cxnSp>
+      <p:sp>
+        <p:nvSpPr>
+          <p:cNvPr id="51" name="Cloud 50">
+            <a:extLst>
+              <a:ext uri="{FF2B5EF4-FFF2-40B4-BE49-F238E27FC236}">
+                <a16:creationId xmlns:a16="http://schemas.microsoft.com/office/drawing/2014/main" id="{91BF098E-1201-814E-919E-B6EBD84230F9}"/>
+              </a:ext>
+            </a:extLst>
+          </p:cNvPr>
+          <p:cNvSpPr/>
+          <p:nvPr/>
+        </p:nvSpPr>
+        <p:spPr>
+          <a:xfrm>
+            <a:off x="3627644" y="1670216"/>
+            <a:ext cx="2032000" cy="1334241"/>
+          </a:xfrm>
+          <a:prstGeom prst="cloud">
+            <a:avLst/>
+          </a:prstGeom>
+        </p:spPr>
+        <p:style>
+          <a:lnRef idx="2">
+            <a:schemeClr val="accent6"/>
+          </a:lnRef>
+          <a:fillRef idx="1">
+            <a:schemeClr val="lt1"/>
+          </a:fillRef>
+          <a:effectRef idx="0">
+            <a:schemeClr val="accent6"/>
+          </a:effectRef>
+          <a:fontRef idx="minor">
+            <a:schemeClr val="dk1"/>
+          </a:fontRef>
+        </p:style>
+        <p:txBody>
+          <a:bodyPr rtlCol="0" anchor="ctr"/>
+          <a:lstStyle/>
+          <a:p>
+            <a:pPr algn="ctr"/>
+            <a:r>
+              <a:rPr lang="en-US" sz="1200" dirty="0"/>
+              <a:t>Specify the </a:t>
+            </a:r>
+            <a:r>
+              <a:rPr lang="en-US" sz="1200" dirty="0" err="1"/>
+              <a:t>fd</a:t>
+            </a:r>
+            <a:r>
+              <a:rPr lang="en-US" sz="1200" dirty="0"/>
+              <a:t> of map the program uses (as an array)</a:t>
+            </a:r>
+          </a:p>
+        </p:txBody>
+      </p:sp>
+      <p:cxnSp>
+        <p:nvCxnSpPr>
+          <p:cNvPr id="53" name="Straight Arrow Connector 52">
+            <a:extLst>
+              <a:ext uri="{FF2B5EF4-FFF2-40B4-BE49-F238E27FC236}">
+                <a16:creationId xmlns:a16="http://schemas.microsoft.com/office/drawing/2014/main" id="{039D2382-60DC-BA45-9C9F-5C7B81946D10}"/>
+              </a:ext>
+            </a:extLst>
+          </p:cNvPr>
+          <p:cNvCxnSpPr/>
+          <p:nvPr/>
+        </p:nvCxnSpPr>
+        <p:spPr>
+          <a:xfrm flipH="1">
+            <a:off x="1991498" y="2484581"/>
+            <a:ext cx="1520445" cy="188836"/>
+          </a:xfrm>
+          <a:prstGeom prst="straightConnector1">
+            <a:avLst/>
+          </a:prstGeom>
+          <a:ln w="12700">
+            <a:tailEnd type="triangle"/>
+          </a:ln>
+        </p:spPr>
+        <p:style>
+          <a:lnRef idx="1">
+            <a:schemeClr val="accent1"/>
+          </a:lnRef>
+          <a:fillRef idx="0">
+            <a:schemeClr val="accent1"/>
+          </a:fillRef>
+          <a:effectRef idx="0">
+            <a:schemeClr val="accent1"/>
+          </a:effectRef>
+          <a:fontRef idx="minor">
+            <a:schemeClr val="tx1"/>
+          </a:fontRef>
+        </p:style>
+      </p:cxnSp>
+      <p:cxnSp>
+        <p:nvCxnSpPr>
+          <p:cNvPr id="55" name="Straight Arrow Connector 54">
+            <a:extLst>
+              <a:ext uri="{FF2B5EF4-FFF2-40B4-BE49-F238E27FC236}">
+                <a16:creationId xmlns:a16="http://schemas.microsoft.com/office/drawing/2014/main" id="{89325F7A-FF87-4B46-9CAB-26A7C5AA7EC8}"/>
+              </a:ext>
+            </a:extLst>
+          </p:cNvPr>
+          <p:cNvCxnSpPr>
+            <a:cxnSpLocks/>
+          </p:cNvCxnSpPr>
+          <p:nvPr/>
+        </p:nvCxnSpPr>
+        <p:spPr>
+          <a:xfrm flipV="1">
+            <a:off x="3911600" y="4953060"/>
+            <a:ext cx="3031812" cy="1317"/>
+          </a:xfrm>
+          <a:prstGeom prst="straightConnector1">
+            <a:avLst/>
+          </a:prstGeom>
+          <a:ln w="12700">
+            <a:tailEnd type="triangle"/>
+          </a:ln>
+        </p:spPr>
+        <p:style>
+          <a:lnRef idx="1">
+            <a:schemeClr val="accent1"/>
+          </a:lnRef>
+          <a:fillRef idx="0">
+            <a:schemeClr val="accent1"/>
+          </a:fillRef>
+          <a:effectRef idx="0">
+            <a:schemeClr val="accent1"/>
+          </a:effectRef>
+          <a:fontRef idx="minor">
+            <a:schemeClr val="tx1"/>
+          </a:fontRef>
+        </p:style>
+      </p:cxnSp>
+      <p:sp>
+        <p:nvSpPr>
+          <p:cNvPr id="57" name="Document 56">
+            <a:extLst>
+              <a:ext uri="{FF2B5EF4-FFF2-40B4-BE49-F238E27FC236}">
+                <a16:creationId xmlns:a16="http://schemas.microsoft.com/office/drawing/2014/main" id="{5B305EB2-366A-F244-AF75-CDD3FF5FDEC7}"/>
+              </a:ext>
+            </a:extLst>
+          </p:cNvPr>
+          <p:cNvSpPr/>
+          <p:nvPr/>
+        </p:nvSpPr>
+        <p:spPr>
+          <a:xfrm>
+            <a:off x="8787331" y="4317138"/>
+            <a:ext cx="2693283" cy="1274478"/>
+          </a:xfrm>
+          <a:prstGeom prst="flowChartDocument">
+            <a:avLst/>
+          </a:prstGeom>
+        </p:spPr>
+        <p:style>
+          <a:lnRef idx="2">
+            <a:schemeClr val="accent6"/>
+          </a:lnRef>
+          <a:fillRef idx="1">
+            <a:schemeClr val="lt1"/>
+          </a:fillRef>
+          <a:effectRef idx="0">
+            <a:schemeClr val="accent6"/>
+          </a:effectRef>
+          <a:fontRef idx="minor">
+            <a:schemeClr val="dk1"/>
+          </a:fontRef>
+        </p:style>
+        <p:txBody>
+          <a:bodyPr rtlCol="0" anchor="ctr"/>
+          <a:lstStyle/>
+          <a:p>
+            <a:r>
+              <a:rPr lang="en-US" sz="800" dirty="0" err="1">
+                <a:solidFill>
+                  <a:srgbClr val="7030A0"/>
+                </a:solidFill>
+                <a:latin typeface="Menlo" panose="020B0609030804020204" pitchFamily="49" charset="0"/>
+                <a:ea typeface="Menlo" panose="020B0609030804020204" pitchFamily="49" charset="0"/>
+                <a:cs typeface="Menlo" panose="020B0609030804020204" pitchFamily="49" charset="0"/>
+              </a:rPr>
+              <a:t>fn</a:t>
+            </a:r>
+            <a:r>
+              <a:rPr lang="en-US" sz="800" dirty="0">
+                <a:latin typeface="Menlo" panose="020B0609030804020204" pitchFamily="49" charset="0"/>
+                <a:ea typeface="Menlo" panose="020B0609030804020204" pitchFamily="49" charset="0"/>
+                <a:cs typeface="Menlo" panose="020B0609030804020204" pitchFamily="49" charset="0"/>
+              </a:rPr>
+              <a:t> f1(</a:t>
+            </a:r>
+            <a:r>
+              <a:rPr lang="en-US" sz="800" dirty="0" err="1">
+                <a:latin typeface="Menlo" panose="020B0609030804020204" pitchFamily="49" charset="0"/>
+                <a:ea typeface="Menlo" panose="020B0609030804020204" pitchFamily="49" charset="0"/>
+                <a:cs typeface="Menlo" panose="020B0609030804020204" pitchFamily="49" charset="0"/>
+              </a:rPr>
+              <a:t>ctx</a:t>
+            </a:r>
+            <a:r>
+              <a:rPr lang="en-US" sz="800" dirty="0">
+                <a:solidFill>
+                  <a:schemeClr val="accent3">
+                    <a:lumMod val="75000"/>
+                  </a:schemeClr>
+                </a:solidFill>
+                <a:latin typeface="Menlo" panose="020B0609030804020204" pitchFamily="49" charset="0"/>
+                <a:ea typeface="Menlo" panose="020B0609030804020204" pitchFamily="49" charset="0"/>
+                <a:cs typeface="Menlo" panose="020B0609030804020204" pitchFamily="49" charset="0"/>
+              </a:rPr>
+              <a:t>:</a:t>
+            </a:r>
+            <a:r>
+              <a:rPr lang="en-US" sz="800" dirty="0">
+                <a:latin typeface="Menlo" panose="020B0609030804020204" pitchFamily="49" charset="0"/>
+                <a:ea typeface="Menlo" panose="020B0609030804020204" pitchFamily="49" charset="0"/>
+                <a:cs typeface="Menlo" panose="020B0609030804020204" pitchFamily="49" charset="0"/>
+              </a:rPr>
+              <a:t> </a:t>
+            </a:r>
+            <a:r>
+              <a:rPr lang="en-US" sz="800" dirty="0">
+                <a:solidFill>
+                  <a:schemeClr val="accent3">
+                    <a:lumMod val="75000"/>
+                  </a:schemeClr>
+                </a:solidFill>
+                <a:latin typeface="Menlo" panose="020B0609030804020204" pitchFamily="49" charset="0"/>
+                <a:ea typeface="Menlo" panose="020B0609030804020204" pitchFamily="49" charset="0"/>
+                <a:cs typeface="Menlo" panose="020B0609030804020204" pitchFamily="49" charset="0"/>
+              </a:rPr>
+              <a:t>&amp;</a:t>
+            </a:r>
+            <a:r>
+              <a:rPr lang="en-US" sz="800" dirty="0" err="1">
+                <a:latin typeface="Menlo" panose="020B0609030804020204" pitchFamily="49" charset="0"/>
+                <a:ea typeface="Menlo" panose="020B0609030804020204" pitchFamily="49" charset="0"/>
+                <a:cs typeface="Menlo" panose="020B0609030804020204" pitchFamily="49" charset="0"/>
+              </a:rPr>
+              <a:t>pt_regs</a:t>
+            </a:r>
+            <a:r>
+              <a:rPr lang="en-US" sz="800" dirty="0">
+                <a:latin typeface="Menlo" panose="020B0609030804020204" pitchFamily="49" charset="0"/>
+                <a:ea typeface="Menlo" panose="020B0609030804020204" pitchFamily="49" charset="0"/>
+                <a:cs typeface="Menlo" panose="020B0609030804020204" pitchFamily="49" charset="0"/>
+              </a:rPr>
+              <a:t>) </a:t>
+            </a:r>
+            <a:r>
+              <a:rPr lang="en-US" sz="800" dirty="0">
+                <a:solidFill>
+                  <a:schemeClr val="accent3">
+                    <a:lumMod val="75000"/>
+                  </a:schemeClr>
+                </a:solidFill>
+                <a:latin typeface="Menlo" panose="020B0609030804020204" pitchFamily="49" charset="0"/>
+                <a:ea typeface="Menlo" panose="020B0609030804020204" pitchFamily="49" charset="0"/>
+                <a:cs typeface="Menlo" panose="020B0609030804020204" pitchFamily="49" charset="0"/>
+              </a:rPr>
+              <a:t>-&gt;</a:t>
+            </a:r>
+            <a:r>
+              <a:rPr lang="en-US" sz="800" dirty="0">
+                <a:latin typeface="Menlo" panose="020B0609030804020204" pitchFamily="49" charset="0"/>
+                <a:ea typeface="Menlo" panose="020B0609030804020204" pitchFamily="49" charset="0"/>
+                <a:cs typeface="Menlo" panose="020B0609030804020204" pitchFamily="49" charset="0"/>
+              </a:rPr>
+              <a:t> u64 {</a:t>
+            </a:r>
+          </a:p>
+          <a:p>
+            <a:r>
+              <a:rPr lang="en-US" sz="800" dirty="0">
+                <a:latin typeface="Menlo" panose="020B0609030804020204" pitchFamily="49" charset="0"/>
+                <a:ea typeface="Menlo" panose="020B0609030804020204" pitchFamily="49" charset="0"/>
+                <a:cs typeface="Menlo" panose="020B0609030804020204" pitchFamily="49" charset="0"/>
+              </a:rPr>
+              <a:t>  </a:t>
+            </a:r>
+            <a:r>
+              <a:rPr lang="en-US" sz="800" dirty="0">
+                <a:solidFill>
+                  <a:schemeClr val="accent2">
+                    <a:lumMod val="50000"/>
+                  </a:schemeClr>
+                </a:solidFill>
+                <a:latin typeface="Menlo" panose="020B0609030804020204" pitchFamily="49" charset="0"/>
+                <a:ea typeface="Menlo" panose="020B0609030804020204" pitchFamily="49" charset="0"/>
+                <a:cs typeface="Menlo" panose="020B0609030804020204" pitchFamily="49" charset="0"/>
+              </a:rPr>
+              <a:t>let</a:t>
+            </a:r>
+            <a:r>
+              <a:rPr lang="en-US" sz="800" dirty="0">
+                <a:solidFill>
+                  <a:srgbClr val="7030A0"/>
+                </a:solidFill>
+                <a:latin typeface="Menlo" panose="020B0609030804020204" pitchFamily="49" charset="0"/>
+                <a:ea typeface="Menlo" panose="020B0609030804020204" pitchFamily="49" charset="0"/>
+                <a:cs typeface="Menlo" panose="020B0609030804020204" pitchFamily="49" charset="0"/>
+              </a:rPr>
+              <a:t> </a:t>
+            </a:r>
+            <a:r>
+              <a:rPr lang="en-US" sz="800" dirty="0">
+                <a:latin typeface="Menlo" panose="020B0609030804020204" pitchFamily="49" charset="0"/>
+                <a:ea typeface="Menlo" panose="020B0609030804020204" pitchFamily="49" charset="0"/>
+                <a:cs typeface="Menlo" panose="020B0609030804020204" pitchFamily="49" charset="0"/>
+              </a:rPr>
+              <a:t>k</a:t>
+            </a:r>
+            <a:r>
+              <a:rPr lang="en-US" sz="800" dirty="0">
+                <a:solidFill>
+                  <a:schemeClr val="accent3">
+                    <a:lumMod val="75000"/>
+                  </a:schemeClr>
+                </a:solidFill>
+                <a:latin typeface="Menlo" panose="020B0609030804020204" pitchFamily="49" charset="0"/>
+                <a:ea typeface="Menlo" panose="020B0609030804020204" pitchFamily="49" charset="0"/>
+                <a:cs typeface="Menlo" panose="020B0609030804020204" pitchFamily="49" charset="0"/>
+              </a:rPr>
+              <a:t>:</a:t>
+            </a:r>
+            <a:r>
+              <a:rPr lang="en-US" sz="800" dirty="0">
+                <a:latin typeface="Menlo" panose="020B0609030804020204" pitchFamily="49" charset="0"/>
+                <a:ea typeface="Menlo" panose="020B0609030804020204" pitchFamily="49" charset="0"/>
+                <a:cs typeface="Menlo" panose="020B0609030804020204" pitchFamily="49" charset="0"/>
+              </a:rPr>
+              <a:t> </a:t>
+            </a:r>
+            <a:r>
+              <a:rPr lang="en-US" sz="800" dirty="0">
+                <a:solidFill>
+                  <a:srgbClr val="7030A0"/>
+                </a:solidFill>
+                <a:latin typeface="Menlo" panose="020B0609030804020204" pitchFamily="49" charset="0"/>
+                <a:ea typeface="Menlo" panose="020B0609030804020204" pitchFamily="49" charset="0"/>
+                <a:cs typeface="Menlo" panose="020B0609030804020204" pitchFamily="49" charset="0"/>
+              </a:rPr>
+              <a:t>u32</a:t>
+            </a:r>
+            <a:r>
+              <a:rPr lang="en-US" sz="800" dirty="0">
+                <a:latin typeface="Menlo" panose="020B0609030804020204" pitchFamily="49" charset="0"/>
+                <a:ea typeface="Menlo" panose="020B0609030804020204" pitchFamily="49" charset="0"/>
+                <a:cs typeface="Menlo" panose="020B0609030804020204" pitchFamily="49" charset="0"/>
+              </a:rPr>
+              <a:t> = </a:t>
+            </a:r>
+            <a:r>
+              <a:rPr lang="en-US" sz="800" dirty="0">
+                <a:solidFill>
+                  <a:srgbClr val="00B0F0"/>
+                </a:solidFill>
+                <a:latin typeface="Menlo" panose="020B0609030804020204" pitchFamily="49" charset="0"/>
+                <a:ea typeface="Menlo" panose="020B0609030804020204" pitchFamily="49" charset="0"/>
+                <a:cs typeface="Menlo" panose="020B0609030804020204" pitchFamily="49" charset="0"/>
+              </a:rPr>
+              <a:t>0</a:t>
+            </a:r>
+            <a:r>
+              <a:rPr lang="en-US" sz="800" dirty="0">
+                <a:latin typeface="Menlo" panose="020B0609030804020204" pitchFamily="49" charset="0"/>
+                <a:ea typeface="Menlo" panose="020B0609030804020204" pitchFamily="49" charset="0"/>
+                <a:cs typeface="Menlo" panose="020B0609030804020204" pitchFamily="49" charset="0"/>
+              </a:rPr>
+              <a:t>;</a:t>
+            </a:r>
+          </a:p>
+          <a:p>
+            <a:r>
+              <a:rPr lang="en-US" sz="800" dirty="0">
+                <a:latin typeface="Menlo" panose="020B0609030804020204" pitchFamily="49" charset="0"/>
+                <a:ea typeface="Menlo" panose="020B0609030804020204" pitchFamily="49" charset="0"/>
+                <a:cs typeface="Menlo" panose="020B0609030804020204" pitchFamily="49" charset="0"/>
+              </a:rPr>
+              <a:t>  </a:t>
+            </a:r>
+            <a:r>
+              <a:rPr lang="en-US" sz="800" dirty="0">
+                <a:solidFill>
+                  <a:schemeClr val="accent2">
+                    <a:lumMod val="50000"/>
+                  </a:schemeClr>
+                </a:solidFill>
+                <a:latin typeface="Menlo" panose="020B0609030804020204" pitchFamily="49" charset="0"/>
+                <a:ea typeface="Menlo" panose="020B0609030804020204" pitchFamily="49" charset="0"/>
+                <a:cs typeface="Menlo" panose="020B0609030804020204" pitchFamily="49" charset="0"/>
+              </a:rPr>
+              <a:t>let</a:t>
+            </a:r>
+            <a:r>
+              <a:rPr lang="en-US" sz="800" dirty="0">
+                <a:solidFill>
+                  <a:srgbClr val="7030A0"/>
+                </a:solidFill>
+                <a:latin typeface="Menlo" panose="020B0609030804020204" pitchFamily="49" charset="0"/>
+                <a:ea typeface="Menlo" panose="020B0609030804020204" pitchFamily="49" charset="0"/>
+                <a:cs typeface="Menlo" panose="020B0609030804020204" pitchFamily="49" charset="0"/>
+              </a:rPr>
+              <a:t> </a:t>
+            </a:r>
+            <a:r>
+              <a:rPr lang="en-US" sz="800" dirty="0">
+                <a:latin typeface="Menlo" panose="020B0609030804020204" pitchFamily="49" charset="0"/>
+                <a:ea typeface="Menlo" panose="020B0609030804020204" pitchFamily="49" charset="0"/>
+                <a:cs typeface="Menlo" panose="020B0609030804020204" pitchFamily="49" charset="0"/>
+              </a:rPr>
+              <a:t>v</a:t>
+            </a:r>
+            <a:r>
+              <a:rPr lang="en-US" sz="800" dirty="0">
+                <a:solidFill>
+                  <a:schemeClr val="accent3">
+                    <a:lumMod val="75000"/>
+                  </a:schemeClr>
+                </a:solidFill>
+                <a:latin typeface="Menlo" panose="020B0609030804020204" pitchFamily="49" charset="0"/>
+                <a:ea typeface="Menlo" panose="020B0609030804020204" pitchFamily="49" charset="0"/>
+                <a:cs typeface="Menlo" panose="020B0609030804020204" pitchFamily="49" charset="0"/>
+              </a:rPr>
+              <a:t>:</a:t>
+            </a:r>
+            <a:r>
+              <a:rPr lang="en-US" sz="800" dirty="0">
+                <a:latin typeface="Menlo" panose="020B0609030804020204" pitchFamily="49" charset="0"/>
+                <a:ea typeface="Menlo" panose="020B0609030804020204" pitchFamily="49" charset="0"/>
+                <a:cs typeface="Menlo" panose="020B0609030804020204" pitchFamily="49" charset="0"/>
+              </a:rPr>
+              <a:t> </a:t>
+            </a:r>
+            <a:r>
+              <a:rPr lang="en-US" sz="800" dirty="0">
+                <a:solidFill>
+                  <a:srgbClr val="7030A0"/>
+                </a:solidFill>
+                <a:latin typeface="Menlo" panose="020B0609030804020204" pitchFamily="49" charset="0"/>
+                <a:ea typeface="Menlo" panose="020B0609030804020204" pitchFamily="49" charset="0"/>
+                <a:cs typeface="Menlo" panose="020B0609030804020204" pitchFamily="49" charset="0"/>
+              </a:rPr>
+              <a:t>u64</a:t>
+            </a:r>
+            <a:r>
+              <a:rPr lang="en-US" sz="800" dirty="0">
+                <a:latin typeface="Menlo" panose="020B0609030804020204" pitchFamily="49" charset="0"/>
+                <a:ea typeface="Menlo" panose="020B0609030804020204" pitchFamily="49" charset="0"/>
+                <a:cs typeface="Menlo" panose="020B0609030804020204" pitchFamily="49" charset="0"/>
+              </a:rPr>
+              <a:t> = </a:t>
+            </a:r>
+            <a:r>
+              <a:rPr lang="en-US" sz="800" dirty="0" err="1">
+                <a:latin typeface="Menlo" panose="020B0609030804020204" pitchFamily="49" charset="0"/>
+                <a:ea typeface="Menlo" panose="020B0609030804020204" pitchFamily="49" charset="0"/>
+                <a:cs typeface="Menlo" panose="020B0609030804020204" pitchFamily="49" charset="0"/>
+              </a:rPr>
+              <a:t>ctx</a:t>
+            </a:r>
+            <a:r>
+              <a:rPr lang="en-US" sz="800" dirty="0" err="1">
+                <a:solidFill>
+                  <a:schemeClr val="accent3">
+                    <a:lumMod val="75000"/>
+                  </a:schemeClr>
+                </a:solidFill>
+                <a:latin typeface="Menlo" panose="020B0609030804020204" pitchFamily="49" charset="0"/>
+                <a:ea typeface="Menlo" panose="020B0609030804020204" pitchFamily="49" charset="0"/>
+                <a:cs typeface="Menlo" panose="020B0609030804020204" pitchFamily="49" charset="0"/>
+              </a:rPr>
+              <a:t>.</a:t>
+            </a:r>
+            <a:r>
+              <a:rPr lang="en-US" sz="800" dirty="0" err="1">
+                <a:latin typeface="Menlo" panose="020B0609030804020204" pitchFamily="49" charset="0"/>
+                <a:ea typeface="Menlo" panose="020B0609030804020204" pitchFamily="49" charset="0"/>
+                <a:cs typeface="Menlo" panose="020B0609030804020204" pitchFamily="49" charset="0"/>
+              </a:rPr>
+              <a:t>rdi</a:t>
+            </a:r>
+            <a:r>
+              <a:rPr lang="en-US" sz="800" dirty="0">
+                <a:latin typeface="Menlo" panose="020B0609030804020204" pitchFamily="49" charset="0"/>
+                <a:ea typeface="Menlo" panose="020B0609030804020204" pitchFamily="49" charset="0"/>
+                <a:cs typeface="Menlo" panose="020B0609030804020204" pitchFamily="49" charset="0"/>
+              </a:rPr>
+              <a:t>;</a:t>
+            </a:r>
+          </a:p>
+          <a:p>
+            <a:r>
+              <a:rPr lang="en-US" sz="800" dirty="0">
+                <a:latin typeface="Menlo" panose="020B0609030804020204" pitchFamily="49" charset="0"/>
+                <a:ea typeface="Menlo" panose="020B0609030804020204" pitchFamily="49" charset="0"/>
+                <a:cs typeface="Menlo" panose="020B0609030804020204" pitchFamily="49" charset="0"/>
+              </a:rPr>
+              <a:t>  </a:t>
+            </a:r>
+            <a:r>
+              <a:rPr lang="en-US" sz="800" dirty="0">
+                <a:solidFill>
+                  <a:schemeClr val="accent2">
+                    <a:lumMod val="50000"/>
+                  </a:schemeClr>
+                </a:solidFill>
+                <a:latin typeface="Menlo" panose="020B0609030804020204" pitchFamily="49" charset="0"/>
+                <a:ea typeface="Menlo" panose="020B0609030804020204" pitchFamily="49" charset="0"/>
+                <a:cs typeface="Menlo" panose="020B0609030804020204" pitchFamily="49" charset="0"/>
+              </a:rPr>
+              <a:t>let</a:t>
+            </a:r>
+            <a:r>
+              <a:rPr lang="en-US" sz="800" dirty="0">
+                <a:latin typeface="Menlo" panose="020B0609030804020204" pitchFamily="49" charset="0"/>
+                <a:ea typeface="Menlo" panose="020B0609030804020204" pitchFamily="49" charset="0"/>
+                <a:cs typeface="Menlo" panose="020B0609030804020204" pitchFamily="49" charset="0"/>
+              </a:rPr>
+              <a:t> m: </a:t>
+            </a:r>
+            <a:r>
+              <a:rPr lang="en-US" sz="800" dirty="0">
+                <a:solidFill>
+                  <a:srgbClr val="7030A0"/>
+                </a:solidFill>
+                <a:latin typeface="Menlo" panose="020B0609030804020204" pitchFamily="49" charset="0"/>
+                <a:ea typeface="Menlo" panose="020B0609030804020204" pitchFamily="49" charset="0"/>
+                <a:cs typeface="Menlo" panose="020B0609030804020204" pitchFamily="49" charset="0"/>
+              </a:rPr>
+              <a:t>u32</a:t>
+            </a:r>
+            <a:r>
+              <a:rPr lang="en-US" sz="800" dirty="0">
+                <a:latin typeface="Menlo" panose="020B0609030804020204" pitchFamily="49" charset="0"/>
+                <a:ea typeface="Menlo" panose="020B0609030804020204" pitchFamily="49" charset="0"/>
+                <a:cs typeface="Menlo" panose="020B0609030804020204" pitchFamily="49" charset="0"/>
+              </a:rPr>
+              <a:t> = </a:t>
+            </a:r>
+            <a:r>
+              <a:rPr lang="en-US" sz="800" dirty="0">
+                <a:solidFill>
+                  <a:srgbClr val="00B0F0"/>
+                </a:solidFill>
+                <a:latin typeface="Menlo" panose="020B0609030804020204" pitchFamily="49" charset="0"/>
+                <a:ea typeface="Menlo" panose="020B0609030804020204" pitchFamily="49" charset="0"/>
+                <a:cs typeface="Menlo" panose="020B0609030804020204" pitchFamily="49" charset="0"/>
+              </a:rPr>
+              <a:t>4</a:t>
+            </a:r>
+            <a:r>
+              <a:rPr lang="en-US" sz="800" dirty="0">
+                <a:latin typeface="Menlo" panose="020B0609030804020204" pitchFamily="49" charset="0"/>
+                <a:ea typeface="Menlo" panose="020B0609030804020204" pitchFamily="49" charset="0"/>
+                <a:cs typeface="Menlo" panose="020B0609030804020204" pitchFamily="49" charset="0"/>
+              </a:rPr>
+              <a:t>;</a:t>
+            </a:r>
+          </a:p>
+          <a:p>
+            <a:r>
+              <a:rPr lang="en-US" sz="800" dirty="0">
+                <a:latin typeface="Menlo" panose="020B0609030804020204" pitchFamily="49" charset="0"/>
+                <a:ea typeface="Menlo" panose="020B0609030804020204" pitchFamily="49" charset="0"/>
+                <a:cs typeface="Menlo" panose="020B0609030804020204" pitchFamily="49" charset="0"/>
+              </a:rPr>
+              <a:t>  </a:t>
+            </a:r>
+            <a:r>
+              <a:rPr lang="en-US" sz="800" dirty="0">
+                <a:solidFill>
+                  <a:schemeClr val="bg2">
+                    <a:lumMod val="75000"/>
+                  </a:schemeClr>
+                </a:solidFill>
+                <a:latin typeface="Menlo" panose="020B0609030804020204" pitchFamily="49" charset="0"/>
+                <a:ea typeface="Menlo" panose="020B0609030804020204" pitchFamily="49" charset="0"/>
+                <a:cs typeface="Menlo" panose="020B0609030804020204" pitchFamily="49" charset="0"/>
+              </a:rPr>
+              <a:t>// Store </a:t>
+            </a:r>
+            <a:r>
+              <a:rPr lang="en-US" sz="800" dirty="0" err="1">
+                <a:solidFill>
+                  <a:schemeClr val="bg2">
+                    <a:lumMod val="75000"/>
+                  </a:schemeClr>
+                </a:solidFill>
+                <a:latin typeface="Menlo" panose="020B0609030804020204" pitchFamily="49" charset="0"/>
+                <a:ea typeface="Menlo" panose="020B0609030804020204" pitchFamily="49" charset="0"/>
+                <a:cs typeface="Menlo" panose="020B0609030804020204" pitchFamily="49" charset="0"/>
+              </a:rPr>
+              <a:t>unshare</a:t>
+            </a:r>
+            <a:r>
+              <a:rPr lang="en-US" sz="800" dirty="0">
+                <a:solidFill>
+                  <a:schemeClr val="bg2">
+                    <a:lumMod val="75000"/>
+                  </a:schemeClr>
+                </a:solidFill>
+                <a:latin typeface="Menlo" panose="020B0609030804020204" pitchFamily="49" charset="0"/>
+                <a:ea typeface="Menlo" panose="020B0609030804020204" pitchFamily="49" charset="0"/>
+                <a:cs typeface="Menlo" panose="020B0609030804020204" pitchFamily="49" charset="0"/>
+              </a:rPr>
+              <a:t> flags (</a:t>
+            </a:r>
+            <a:r>
+              <a:rPr lang="en-US" sz="800" dirty="0" err="1">
+                <a:solidFill>
+                  <a:schemeClr val="bg2">
+                    <a:lumMod val="75000"/>
+                  </a:schemeClr>
+                </a:solidFill>
+                <a:latin typeface="Menlo" panose="020B0609030804020204" pitchFamily="49" charset="0"/>
+                <a:ea typeface="Menlo" panose="020B0609030804020204" pitchFamily="49" charset="0"/>
+                <a:cs typeface="Menlo" panose="020B0609030804020204" pitchFamily="49" charset="0"/>
+              </a:rPr>
+              <a:t>rdi</a:t>
+            </a:r>
+            <a:r>
+              <a:rPr lang="en-US" sz="800" dirty="0">
+                <a:solidFill>
+                  <a:schemeClr val="bg2">
+                    <a:lumMod val="75000"/>
+                  </a:schemeClr>
+                </a:solidFill>
+                <a:latin typeface="Menlo" panose="020B0609030804020204" pitchFamily="49" charset="0"/>
+                <a:ea typeface="Menlo" panose="020B0609030804020204" pitchFamily="49" charset="0"/>
+                <a:cs typeface="Menlo" panose="020B0609030804020204" pitchFamily="49" charset="0"/>
+              </a:rPr>
+              <a:t>) to m[0]</a:t>
+            </a:r>
+          </a:p>
+          <a:p>
+            <a:r>
+              <a:rPr lang="en-US" sz="800" dirty="0">
+                <a:latin typeface="Menlo" panose="020B0609030804020204" pitchFamily="49" charset="0"/>
+                <a:ea typeface="Menlo" panose="020B0609030804020204" pitchFamily="49" charset="0"/>
+                <a:cs typeface="Menlo" panose="020B0609030804020204" pitchFamily="49" charset="0"/>
+              </a:rPr>
+              <a:t>  </a:t>
+            </a:r>
+            <a:r>
+              <a:rPr lang="en-US" sz="800" dirty="0" err="1">
+                <a:latin typeface="Menlo" panose="020B0609030804020204" pitchFamily="49" charset="0"/>
+                <a:ea typeface="Menlo" panose="020B0609030804020204" pitchFamily="49" charset="0"/>
+                <a:cs typeface="Menlo" panose="020B0609030804020204" pitchFamily="49" charset="0"/>
+              </a:rPr>
+              <a:t>bpf_map_update_elem</a:t>
+            </a:r>
+            <a:r>
+              <a:rPr lang="en-US" sz="800" dirty="0">
+                <a:latin typeface="Menlo" panose="020B0609030804020204" pitchFamily="49" charset="0"/>
+                <a:ea typeface="Menlo" panose="020B0609030804020204" pitchFamily="49" charset="0"/>
+                <a:cs typeface="Menlo" panose="020B0609030804020204" pitchFamily="49" charset="0"/>
+              </a:rPr>
+              <a:t>(</a:t>
+            </a:r>
+            <a:r>
+              <a:rPr lang="en-US" sz="800" dirty="0">
+                <a:solidFill>
+                  <a:schemeClr val="tx1"/>
+                </a:solidFill>
+                <a:latin typeface="Menlo" panose="020B0609030804020204" pitchFamily="49" charset="0"/>
+                <a:ea typeface="Menlo" panose="020B0609030804020204" pitchFamily="49" charset="0"/>
+                <a:cs typeface="Menlo" panose="020B0609030804020204" pitchFamily="49" charset="0"/>
+              </a:rPr>
+              <a:t>m</a:t>
+            </a:r>
+            <a:r>
+              <a:rPr lang="en-US" sz="800" dirty="0">
+                <a:latin typeface="Menlo" panose="020B0609030804020204" pitchFamily="49" charset="0"/>
+                <a:ea typeface="Menlo" panose="020B0609030804020204" pitchFamily="49" charset="0"/>
+                <a:cs typeface="Menlo" panose="020B0609030804020204" pitchFamily="49" charset="0"/>
+              </a:rPr>
+              <a:t>, k, v, BPF_ANY);</a:t>
+            </a:r>
+          </a:p>
+          <a:p>
+            <a:r>
+              <a:rPr lang="en-US" sz="800" dirty="0">
+                <a:latin typeface="Menlo" panose="020B0609030804020204" pitchFamily="49" charset="0"/>
+                <a:ea typeface="Menlo" panose="020B0609030804020204" pitchFamily="49" charset="0"/>
+                <a:cs typeface="Menlo" panose="020B0609030804020204" pitchFamily="49" charset="0"/>
+              </a:rPr>
+              <a:t>  </a:t>
+            </a:r>
+            <a:r>
+              <a:rPr lang="en-US" sz="800" dirty="0">
+                <a:solidFill>
+                  <a:schemeClr val="accent2">
+                    <a:lumMod val="50000"/>
+                  </a:schemeClr>
+                </a:solidFill>
+                <a:latin typeface="Menlo" panose="020B0609030804020204" pitchFamily="49" charset="0"/>
+                <a:ea typeface="Menlo" panose="020B0609030804020204" pitchFamily="49" charset="0"/>
+                <a:cs typeface="Menlo" panose="020B0609030804020204" pitchFamily="49" charset="0"/>
+              </a:rPr>
+              <a:t>return</a:t>
+            </a:r>
+            <a:r>
+              <a:rPr lang="en-US" sz="800" dirty="0">
+                <a:latin typeface="Menlo" panose="020B0609030804020204" pitchFamily="49" charset="0"/>
+                <a:ea typeface="Menlo" panose="020B0609030804020204" pitchFamily="49" charset="0"/>
+                <a:cs typeface="Menlo" panose="020B0609030804020204" pitchFamily="49" charset="0"/>
+              </a:rPr>
+              <a:t> </a:t>
+            </a:r>
+            <a:r>
+              <a:rPr lang="en-US" sz="800" dirty="0">
+                <a:solidFill>
+                  <a:srgbClr val="00B0F0"/>
+                </a:solidFill>
+                <a:latin typeface="Menlo" panose="020B0609030804020204" pitchFamily="49" charset="0"/>
+                <a:ea typeface="Menlo" panose="020B0609030804020204" pitchFamily="49" charset="0"/>
+                <a:cs typeface="Menlo" panose="020B0609030804020204" pitchFamily="49" charset="0"/>
+              </a:rPr>
+              <a:t>0</a:t>
+            </a:r>
+            <a:r>
+              <a:rPr lang="en-US" sz="800" dirty="0">
+                <a:latin typeface="Menlo" panose="020B0609030804020204" pitchFamily="49" charset="0"/>
+                <a:ea typeface="Menlo" panose="020B0609030804020204" pitchFamily="49" charset="0"/>
+                <a:cs typeface="Menlo" panose="020B0609030804020204" pitchFamily="49" charset="0"/>
+              </a:rPr>
+              <a:t>;</a:t>
+            </a:r>
+          </a:p>
+          <a:p>
+            <a:r>
+              <a:rPr lang="en-US" sz="800" dirty="0">
+                <a:latin typeface="Menlo" panose="020B0609030804020204" pitchFamily="49" charset="0"/>
+                <a:ea typeface="Menlo" panose="020B0609030804020204" pitchFamily="49" charset="0"/>
+                <a:cs typeface="Menlo" panose="020B0609030804020204" pitchFamily="49" charset="0"/>
+              </a:rPr>
+              <a:t>}</a:t>
+            </a:r>
+          </a:p>
+        </p:txBody>
+      </p:sp>
+      <p:sp>
+        <p:nvSpPr>
+          <p:cNvPr id="58" name="Cloud Callout 57">
+            <a:extLst>
+              <a:ext uri="{FF2B5EF4-FFF2-40B4-BE49-F238E27FC236}">
+                <a16:creationId xmlns:a16="http://schemas.microsoft.com/office/drawing/2014/main" id="{1558ACC9-A5F3-0641-9AC8-A21A7031CAB1}"/>
+              </a:ext>
+            </a:extLst>
+          </p:cNvPr>
+          <p:cNvSpPr/>
+          <p:nvPr/>
+        </p:nvSpPr>
+        <p:spPr>
+          <a:xfrm>
+            <a:off x="8078501" y="2800325"/>
+            <a:ext cx="1978302" cy="1384259"/>
+          </a:xfrm>
+          <a:prstGeom prst="cloudCallout">
+            <a:avLst>
+              <a:gd name="adj1" fmla="val 72738"/>
+              <a:gd name="adj2" fmla="val 30571"/>
+            </a:avLst>
+          </a:prstGeom>
+        </p:spPr>
+        <p:style>
+          <a:lnRef idx="2">
+            <a:schemeClr val="accent6"/>
+          </a:lnRef>
+          <a:fillRef idx="1">
+            <a:schemeClr val="lt1"/>
+          </a:fillRef>
+          <a:effectRef idx="0">
+            <a:schemeClr val="accent6"/>
+          </a:effectRef>
+          <a:fontRef idx="minor">
+            <a:schemeClr val="dk1"/>
+          </a:fontRef>
+        </p:style>
+        <p:txBody>
+          <a:bodyPr rtlCol="0" anchor="ctr"/>
+          <a:lstStyle/>
+          <a:p>
+            <a:pPr algn="ctr"/>
+            <a:r>
+              <a:rPr lang="en-US" sz="1200" dirty="0"/>
+              <a:t>Kernel sets up map </a:t>
+            </a:r>
+            <a:r>
+              <a:rPr lang="en-US" sz="1200" dirty="0" err="1"/>
+              <a:t>refcnts</a:t>
+            </a:r>
+            <a:r>
+              <a:rPr lang="en-US" sz="1200" dirty="0"/>
+              <a:t> based on the map </a:t>
+            </a:r>
+            <a:r>
+              <a:rPr lang="en-US" sz="1200" dirty="0" err="1"/>
+              <a:t>fd</a:t>
+            </a:r>
+            <a:r>
+              <a:rPr lang="en-US" sz="1200" dirty="0"/>
+              <a:t> array specified</a:t>
+            </a:r>
+          </a:p>
+        </p:txBody>
+      </p:sp>
+      <p:cxnSp>
+        <p:nvCxnSpPr>
+          <p:cNvPr id="66" name="Straight Arrow Connector 65">
+            <a:extLst>
+              <a:ext uri="{FF2B5EF4-FFF2-40B4-BE49-F238E27FC236}">
+                <a16:creationId xmlns:a16="http://schemas.microsoft.com/office/drawing/2014/main" id="{F03EA3F0-3961-034F-BE24-6290296C8950}"/>
+              </a:ext>
+            </a:extLst>
+          </p:cNvPr>
+          <p:cNvCxnSpPr/>
+          <p:nvPr/>
+        </p:nvCxnSpPr>
+        <p:spPr>
+          <a:xfrm flipV="1">
+            <a:off x="10611293" y="3166177"/>
+            <a:ext cx="0" cy="1150961"/>
+          </a:xfrm>
+          <a:prstGeom prst="straightConnector1">
+            <a:avLst/>
+          </a:prstGeom>
+          <a:ln w="12700">
+            <a:tailEnd type="triangle"/>
+          </a:ln>
+        </p:spPr>
+        <p:style>
+          <a:lnRef idx="1">
+            <a:schemeClr val="accent1"/>
+          </a:lnRef>
+          <a:fillRef idx="0">
+            <a:schemeClr val="accent1"/>
+          </a:fillRef>
+          <a:effectRef idx="0">
+            <a:schemeClr val="accent1"/>
+          </a:effectRef>
+          <a:fontRef idx="minor">
+            <a:schemeClr val="tx1"/>
+          </a:fontRef>
+        </p:style>
+      </p:cxnSp>
+      <p:sp>
+        <p:nvSpPr>
+          <p:cNvPr id="67" name="TextBox 66">
+            <a:extLst>
+              <a:ext uri="{FF2B5EF4-FFF2-40B4-BE49-F238E27FC236}">
+                <a16:creationId xmlns:a16="http://schemas.microsoft.com/office/drawing/2014/main" id="{85BF00CE-C439-A549-88C0-636F1F6DF1C0}"/>
+              </a:ext>
+            </a:extLst>
+          </p:cNvPr>
+          <p:cNvSpPr txBox="1"/>
+          <p:nvPr/>
+        </p:nvSpPr>
+        <p:spPr>
+          <a:xfrm>
+            <a:off x="10129313" y="2644460"/>
+            <a:ext cx="959700" cy="400110"/>
+          </a:xfrm>
+          <a:prstGeom prst="rect">
+            <a:avLst/>
+          </a:prstGeom>
+          <a:noFill/>
+        </p:spPr>
+        <p:txBody>
+          <a:bodyPr wrap="square" rtlCol="0">
+            <a:spAutoFit/>
+          </a:bodyPr>
+          <a:lstStyle/>
+          <a:p>
+            <a:pPr algn="ctr"/>
+            <a:r>
+              <a:rPr lang="en-US" sz="1000" dirty="0" err="1">
+                <a:latin typeface="Menlo" panose="020B0609030804020204" pitchFamily="49" charset="0"/>
+                <a:ea typeface="Menlo" panose="020B0609030804020204" pitchFamily="49" charset="0"/>
+                <a:cs typeface="Menlo" panose="020B0609030804020204" pitchFamily="49" charset="0"/>
+              </a:rPr>
+              <a:t>refcnt</a:t>
+            </a:r>
+            <a:r>
+              <a:rPr lang="en-US" sz="1000" dirty="0">
+                <a:latin typeface="Menlo" panose="020B0609030804020204" pitchFamily="49" charset="0"/>
+                <a:ea typeface="Menlo" panose="020B0609030804020204" pitchFamily="49" charset="0"/>
+                <a:cs typeface="Menlo" panose="020B0609030804020204" pitchFamily="49" charset="0"/>
+              </a:rPr>
+              <a:t> = 2</a:t>
+            </a:r>
+          </a:p>
+          <a:p>
+            <a:pPr algn="ctr"/>
+            <a:r>
+              <a:rPr lang="en-US" sz="1000" dirty="0" err="1">
+                <a:latin typeface="Menlo" panose="020B0609030804020204" pitchFamily="49" charset="0"/>
+                <a:ea typeface="Menlo" panose="020B0609030804020204" pitchFamily="49" charset="0"/>
+                <a:cs typeface="Menlo" panose="020B0609030804020204" pitchFamily="49" charset="0"/>
+              </a:rPr>
+              <a:t>iu_idx</a:t>
+            </a:r>
+            <a:r>
+              <a:rPr lang="en-US" sz="1000" dirty="0">
+                <a:latin typeface="Menlo" panose="020B0609030804020204" pitchFamily="49" charset="0"/>
+                <a:ea typeface="Menlo" panose="020B0609030804020204" pitchFamily="49" charset="0"/>
+                <a:cs typeface="Menlo" panose="020B0609030804020204" pitchFamily="49" charset="0"/>
+              </a:rPr>
+              <a:t> = 4</a:t>
+            </a:r>
+          </a:p>
+        </p:txBody>
+      </p:sp>
+      <p:cxnSp>
+        <p:nvCxnSpPr>
+          <p:cNvPr id="70" name="Straight Arrow Connector 69">
+            <a:extLst>
+              <a:ext uri="{FF2B5EF4-FFF2-40B4-BE49-F238E27FC236}">
+                <a16:creationId xmlns:a16="http://schemas.microsoft.com/office/drawing/2014/main" id="{B61A0B80-5C83-3549-A910-650E821C7FC4}"/>
+              </a:ext>
+            </a:extLst>
+          </p:cNvPr>
+          <p:cNvCxnSpPr/>
+          <p:nvPr/>
+        </p:nvCxnSpPr>
+        <p:spPr>
+          <a:xfrm flipH="1">
+            <a:off x="3893956" y="4951743"/>
+            <a:ext cx="3034748" cy="0"/>
+          </a:xfrm>
+          <a:prstGeom prst="straightConnector1">
+            <a:avLst/>
+          </a:prstGeom>
+          <a:ln w="12700">
+            <a:tailEnd type="triangle"/>
+          </a:ln>
+        </p:spPr>
+        <p:style>
+          <a:lnRef idx="1">
+            <a:schemeClr val="accent1"/>
+          </a:lnRef>
+          <a:fillRef idx="0">
+            <a:schemeClr val="accent1"/>
+          </a:fillRef>
+          <a:effectRef idx="0">
+            <a:schemeClr val="accent1"/>
+          </a:effectRef>
+          <a:fontRef idx="minor">
+            <a:schemeClr val="tx1"/>
+          </a:fontRef>
+        </p:style>
+      </p:cxnSp>
+      <p:sp>
+        <p:nvSpPr>
+          <p:cNvPr id="71" name="TextBox 70">
+            <a:extLst>
+              <a:ext uri="{FF2B5EF4-FFF2-40B4-BE49-F238E27FC236}">
+                <a16:creationId xmlns:a16="http://schemas.microsoft.com/office/drawing/2014/main" id="{A7B02263-9725-FB45-9B89-91BF098A3503}"/>
+              </a:ext>
+            </a:extLst>
+          </p:cNvPr>
+          <p:cNvSpPr txBox="1"/>
+          <p:nvPr/>
+        </p:nvSpPr>
+        <p:spPr>
+          <a:xfrm>
+            <a:off x="3906926" y="4700480"/>
+            <a:ext cx="3034748" cy="246221"/>
+          </a:xfrm>
+          <a:prstGeom prst="rect">
+            <a:avLst/>
+          </a:prstGeom>
+          <a:noFill/>
+        </p:spPr>
+        <p:txBody>
+          <a:bodyPr wrap="square" rtlCol="0">
+            <a:spAutoFit/>
+          </a:bodyPr>
+          <a:lstStyle/>
+          <a:p>
+            <a:pPr algn="ctr"/>
+            <a:r>
+              <a:rPr lang="en-US" sz="1000" dirty="0" err="1">
+                <a:latin typeface="Menlo" panose="020B0609030804020204" pitchFamily="49" charset="0"/>
+                <a:ea typeface="Menlo" panose="020B0609030804020204" pitchFamily="49" charset="0"/>
+                <a:cs typeface="Menlo" panose="020B0609030804020204" pitchFamily="49" charset="0"/>
+              </a:rPr>
+              <a:t>fd</a:t>
+            </a:r>
+            <a:r>
+              <a:rPr lang="en-US" sz="1000" dirty="0">
+                <a:latin typeface="Menlo" panose="020B0609030804020204" pitchFamily="49" charset="0"/>
+                <a:ea typeface="Menlo" panose="020B0609030804020204" pitchFamily="49" charset="0"/>
+                <a:cs typeface="Menlo" panose="020B0609030804020204" pitchFamily="49" charset="0"/>
+              </a:rPr>
+              <a:t> = 5, w/ </a:t>
+            </a:r>
+            <a:r>
+              <a:rPr lang="en-US" sz="1000" dirty="0" err="1">
+                <a:latin typeface="Menlo" panose="020B0609030804020204" pitchFamily="49" charset="0"/>
+                <a:ea typeface="Menlo" panose="020B0609030804020204" pitchFamily="49" charset="0"/>
+                <a:cs typeface="Menlo" panose="020B0609030804020204" pitchFamily="49" charset="0"/>
+              </a:rPr>
+              <a:t>refcnt</a:t>
+            </a:r>
+            <a:endParaRPr lang="en-US" sz="1000" dirty="0">
+              <a:latin typeface="Menlo" panose="020B0609030804020204" pitchFamily="49" charset="0"/>
+              <a:ea typeface="Menlo" panose="020B0609030804020204" pitchFamily="49" charset="0"/>
+              <a:cs typeface="Menlo" panose="020B0609030804020204" pitchFamily="49" charset="0"/>
+            </a:endParaRPr>
+          </a:p>
+        </p:txBody>
+      </p:sp>
+      <p:cxnSp>
+        <p:nvCxnSpPr>
+          <p:cNvPr id="72" name="Straight Arrow Connector 71">
+            <a:extLst>
+              <a:ext uri="{FF2B5EF4-FFF2-40B4-BE49-F238E27FC236}">
+                <a16:creationId xmlns:a16="http://schemas.microsoft.com/office/drawing/2014/main" id="{09EC4C90-7467-AA4B-B799-5AD22DA66B22}"/>
+              </a:ext>
+            </a:extLst>
+          </p:cNvPr>
+          <p:cNvCxnSpPr>
+            <a:cxnSpLocks/>
+          </p:cNvCxnSpPr>
+          <p:nvPr/>
+        </p:nvCxnSpPr>
+        <p:spPr>
+          <a:xfrm>
+            <a:off x="193494" y="5529370"/>
+            <a:ext cx="203016" cy="0"/>
+          </a:xfrm>
+          <a:prstGeom prst="straightConnector1">
+            <a:avLst/>
+          </a:prstGeom>
+          <a:ln w="12700">
+            <a:tailEnd type="triangle"/>
+          </a:ln>
+        </p:spPr>
+        <p:style>
+          <a:lnRef idx="1">
+            <a:schemeClr val="accent1"/>
+          </a:lnRef>
+          <a:fillRef idx="0">
+            <a:schemeClr val="accent1"/>
+          </a:fillRef>
+          <a:effectRef idx="0">
+            <a:schemeClr val="accent1"/>
+          </a:effectRef>
+          <a:fontRef idx="minor">
+            <a:schemeClr val="tx1"/>
+          </a:fontRef>
+        </p:style>
+      </p:cxnSp>
+      <p:sp>
+        <p:nvSpPr>
+          <p:cNvPr id="73" name="Rounded Rectangle 72">
+            <a:extLst>
+              <a:ext uri="{FF2B5EF4-FFF2-40B4-BE49-F238E27FC236}">
+                <a16:creationId xmlns:a16="http://schemas.microsoft.com/office/drawing/2014/main" id="{B9E79E58-BAB1-C843-9BEF-82BBA52B6224}"/>
+              </a:ext>
+            </a:extLst>
+          </p:cNvPr>
+          <p:cNvSpPr/>
+          <p:nvPr/>
+        </p:nvSpPr>
+        <p:spPr>
+          <a:xfrm>
+            <a:off x="7100699" y="1938788"/>
+            <a:ext cx="2407429" cy="405200"/>
+          </a:xfrm>
+          <a:prstGeom prst="roundRect">
+            <a:avLst/>
+          </a:prstGeom>
+        </p:spPr>
+        <p:style>
+          <a:lnRef idx="2">
+            <a:schemeClr val="accent6"/>
+          </a:lnRef>
+          <a:fillRef idx="1">
+            <a:schemeClr val="lt1"/>
+          </a:fillRef>
+          <a:effectRef idx="0">
+            <a:schemeClr val="accent6"/>
+          </a:effectRef>
+          <a:fontRef idx="minor">
+            <a:schemeClr val="dk1"/>
+          </a:fontRef>
+        </p:style>
+        <p:txBody>
+          <a:bodyPr rtlCol="0" anchor="ctr"/>
+          <a:lstStyle/>
+          <a:p>
+            <a:pPr algn="ctr"/>
+            <a:r>
+              <a:rPr lang="en-US" sz="1200" dirty="0">
+                <a:solidFill>
+                  <a:srgbClr val="7030A0"/>
+                </a:solidFill>
+                <a:latin typeface="Menlo" panose="020B0609030804020204" pitchFamily="49" charset="0"/>
+                <a:ea typeface="Menlo" panose="020B0609030804020204" pitchFamily="49" charset="0"/>
+                <a:cs typeface="Menlo" panose="020B0609030804020204" pitchFamily="49" charset="0"/>
+              </a:rPr>
+              <a:t>int</a:t>
+            </a:r>
+            <a:r>
+              <a:rPr lang="en-US" sz="1200" dirty="0">
+                <a:latin typeface="Menlo" panose="020B0609030804020204" pitchFamily="49" charset="0"/>
+                <a:ea typeface="Menlo" panose="020B0609030804020204" pitchFamily="49" charset="0"/>
+                <a:cs typeface="Menlo" panose="020B0609030804020204" pitchFamily="49" charset="0"/>
+              </a:rPr>
+              <a:t> </a:t>
+            </a:r>
+            <a:r>
+              <a:rPr lang="en-US" sz="1200" dirty="0" err="1">
+                <a:latin typeface="Menlo" panose="020B0609030804020204" pitchFamily="49" charset="0"/>
+                <a:ea typeface="Menlo" panose="020B0609030804020204" pitchFamily="49" charset="0"/>
+                <a:cs typeface="Menlo" panose="020B0609030804020204" pitchFamily="49" charset="0"/>
+              </a:rPr>
+              <a:t>ksys_unshare</a:t>
+            </a:r>
+            <a:r>
+              <a:rPr lang="en-US" sz="1200" dirty="0">
+                <a:latin typeface="Menlo" panose="020B0609030804020204" pitchFamily="49" charset="0"/>
+                <a:ea typeface="Menlo" panose="020B0609030804020204" pitchFamily="49" charset="0"/>
+                <a:cs typeface="Menlo" panose="020B0609030804020204" pitchFamily="49" charset="0"/>
+              </a:rPr>
+              <a:t>(...)</a:t>
+            </a:r>
+          </a:p>
+        </p:txBody>
+      </p:sp>
+      <p:cxnSp>
+        <p:nvCxnSpPr>
+          <p:cNvPr id="74" name="Curved Connector 73">
+            <a:extLst>
+              <a:ext uri="{FF2B5EF4-FFF2-40B4-BE49-F238E27FC236}">
+                <a16:creationId xmlns:a16="http://schemas.microsoft.com/office/drawing/2014/main" id="{BEF33A1A-BB6B-1E44-B1B8-503D16EF59DA}"/>
+              </a:ext>
+            </a:extLst>
+          </p:cNvPr>
+          <p:cNvCxnSpPr>
+            <a:cxnSpLocks/>
+            <a:stCxn id="57" idx="1"/>
+          </p:cNvCxnSpPr>
+          <p:nvPr/>
+        </p:nvCxnSpPr>
+        <p:spPr>
+          <a:xfrm rot="10800000">
+            <a:off x="7530465" y="2343991"/>
+            <a:ext cx="1256866" cy="2610387"/>
+          </a:xfrm>
+          <a:prstGeom prst="curvedConnector2">
+            <a:avLst/>
+          </a:prstGeom>
+          <a:ln w="12700">
+            <a:tailEnd type="triangle"/>
+          </a:ln>
+        </p:spPr>
+        <p:style>
+          <a:lnRef idx="1">
+            <a:schemeClr val="accent1"/>
+          </a:lnRef>
+          <a:fillRef idx="0">
+            <a:schemeClr val="accent1"/>
+          </a:fillRef>
+          <a:effectRef idx="0">
+            <a:schemeClr val="accent1"/>
+          </a:effectRef>
+          <a:fontRef idx="minor">
+            <a:schemeClr val="tx1"/>
+          </a:fontRef>
+        </p:style>
+      </p:cxnSp>
+    </p:spTree>
+    <p:extLst>
+      <p:ext uri="{BB962C8B-B14F-4D97-AF65-F5344CB8AC3E}">
+        <p14:creationId xmlns:p14="http://schemas.microsoft.com/office/powerpoint/2010/main" val="2389696025"/>
+      </p:ext>
+    </p:extLst>
+  </p:cSld>
+  <p:clrMapOvr>
+    <a:masterClrMapping/>
+  </p:clrMapOvr>
+  <p:timing>
+    <p:tnLst>
+      <p:par>
+        <p:cTn id="1" dur="indefinite" restart="never" nodeType="tmRoot">
+          <p:childTnLst>
+            <p:seq concurrent="1" nextAc="seek">
+              <p:cTn id="2" dur="indefinite" nodeType="mainSeq">
+                <p:childTnLst>
+                  <p:par>
+                    <p:cTn id="3" fill="hold">
+                      <p:stCondLst>
+                        <p:cond delay="indefinite"/>
+                      </p:stCondLst>
+                      <p:childTnLst>
+                        <p:par>
+                          <p:cTn id="4" fill="hold">
+                            <p:stCondLst>
+                              <p:cond delay="0"/>
+                            </p:stCondLst>
+                            <p:childTnLst>
+                              <p:par>
+                                <p:cTn id="5" presetID="1" presetClass="entr" presetSubtype="0" fill="hold" nodeType="clickEffect">
+                                  <p:stCondLst>
+                                    <p:cond delay="0"/>
+                                  </p:stCondLst>
+                                  <p:childTnLst>
+                                    <p:set>
+                                      <p:cBhvr>
+                                        <p:cTn id="6" dur="1" fill="hold">
+                                          <p:stCondLst>
+                                            <p:cond delay="0"/>
+                                          </p:stCondLst>
+                                        </p:cTn>
+                                        <p:tgtEl>
+                                          <p:spTgt spid="18"/>
+                                        </p:tgtEl>
+                                        <p:attrNameLst>
+                                          <p:attrName>style.visibility</p:attrName>
+                                        </p:attrNameLst>
+                                      </p:cBhvr>
+                                      <p:to>
+                                        <p:strVal val="visible"/>
+                                      </p:to>
+                                    </p:set>
+                                  </p:childTnLst>
+                                </p:cTn>
+                              </p:par>
+                            </p:childTnLst>
+                          </p:cTn>
+                        </p:par>
+                      </p:childTnLst>
+                    </p:cTn>
+                  </p:par>
+                  <p:par>
+                    <p:cTn id="7" fill="hold">
+                      <p:stCondLst>
+                        <p:cond delay="indefinite"/>
+                      </p:stCondLst>
+                      <p:childTnLst>
+                        <p:par>
+                          <p:cTn id="8" fill="hold">
+                            <p:stCondLst>
+                              <p:cond delay="0"/>
+                            </p:stCondLst>
+                            <p:childTnLst>
+                              <p:par>
+                                <p:cTn id="9" presetID="1" presetClass="entr" presetSubtype="0" fill="hold" grpId="0" nodeType="clickEffect">
+                                  <p:stCondLst>
+                                    <p:cond delay="0"/>
+                                  </p:stCondLst>
+                                  <p:childTnLst>
+                                    <p:set>
+                                      <p:cBhvr>
+                                        <p:cTn id="10" dur="1" fill="hold">
+                                          <p:stCondLst>
+                                            <p:cond delay="0"/>
+                                          </p:stCondLst>
+                                        </p:cTn>
+                                        <p:tgtEl>
+                                          <p:spTgt spid="12"/>
+                                        </p:tgtEl>
+                                        <p:attrNameLst>
+                                          <p:attrName>style.visibility</p:attrName>
+                                        </p:attrNameLst>
+                                      </p:cBhvr>
+                                      <p:to>
+                                        <p:strVal val="visible"/>
+                                      </p:to>
+                                    </p:set>
+                                  </p:childTnLst>
+                                </p:cTn>
+                              </p:par>
+                              <p:par>
+                                <p:cTn id="11" presetID="1" presetClass="entr" presetSubtype="0" fill="hold" nodeType="withEffect">
+                                  <p:stCondLst>
+                                    <p:cond delay="0"/>
+                                  </p:stCondLst>
+                                  <p:childTnLst>
+                                    <p:set>
+                                      <p:cBhvr>
+                                        <p:cTn id="12" dur="1" fill="hold">
+                                          <p:stCondLst>
+                                            <p:cond delay="0"/>
+                                          </p:stCondLst>
+                                        </p:cTn>
+                                        <p:tgtEl>
+                                          <p:spTgt spid="21"/>
+                                        </p:tgtEl>
+                                        <p:attrNameLst>
+                                          <p:attrName>style.visibility</p:attrName>
+                                        </p:attrNameLst>
+                                      </p:cBhvr>
+                                      <p:to>
+                                        <p:strVal val="visible"/>
+                                      </p:to>
+                                    </p:set>
+                                  </p:childTnLst>
+                                </p:cTn>
+                              </p:par>
+                            </p:childTnLst>
+                          </p:cTn>
+                        </p:par>
+                      </p:childTnLst>
+                    </p:cTn>
+                  </p:par>
+                  <p:par>
+                    <p:cTn id="13" fill="hold">
+                      <p:stCondLst>
+                        <p:cond delay="indefinite"/>
+                      </p:stCondLst>
+                      <p:childTnLst>
+                        <p:par>
+                          <p:cTn id="14" fill="hold">
+                            <p:stCondLst>
+                              <p:cond delay="0"/>
+                            </p:stCondLst>
+                            <p:childTnLst>
+                              <p:par>
+                                <p:cTn id="15" presetID="1" presetClass="entr" presetSubtype="0" fill="hold" nodeType="clickEffect">
+                                  <p:stCondLst>
+                                    <p:cond delay="0"/>
+                                  </p:stCondLst>
+                                  <p:childTnLst>
+                                    <p:set>
+                                      <p:cBhvr>
+                                        <p:cTn id="16" dur="1" fill="hold">
+                                          <p:stCondLst>
+                                            <p:cond delay="0"/>
+                                          </p:stCondLst>
+                                        </p:cTn>
+                                        <p:tgtEl>
+                                          <p:spTgt spid="33"/>
+                                        </p:tgtEl>
+                                        <p:attrNameLst>
+                                          <p:attrName>style.visibility</p:attrName>
+                                        </p:attrNameLst>
+                                      </p:cBhvr>
+                                      <p:to>
+                                        <p:strVal val="visible"/>
+                                      </p:to>
+                                    </p:set>
+                                  </p:childTnLst>
+                                </p:cTn>
+                              </p:par>
+                              <p:par>
+                                <p:cTn id="17" presetID="1" presetClass="entr" presetSubtype="0" fill="hold" nodeType="withEffect">
+                                  <p:stCondLst>
+                                    <p:cond delay="0"/>
+                                  </p:stCondLst>
+                                  <p:childTnLst>
+                                    <p:set>
+                                      <p:cBhvr>
+                                        <p:cTn id="18" dur="1" fill="hold">
+                                          <p:stCondLst>
+                                            <p:cond delay="0"/>
+                                          </p:stCondLst>
+                                        </p:cTn>
+                                        <p:tgtEl>
+                                          <p:spTgt spid="30"/>
+                                        </p:tgtEl>
+                                        <p:attrNameLst>
+                                          <p:attrName>style.visibility</p:attrName>
+                                        </p:attrNameLst>
+                                      </p:cBhvr>
+                                      <p:to>
+                                        <p:strVal val="visible"/>
+                                      </p:to>
+                                    </p:set>
+                                  </p:childTnLst>
+                                </p:cTn>
+                              </p:par>
+                              <p:par>
+                                <p:cTn id="19" presetID="1" presetClass="entr" presetSubtype="0" fill="hold" grpId="0" nodeType="withEffect">
+                                  <p:stCondLst>
+                                    <p:cond delay="0"/>
+                                  </p:stCondLst>
+                                  <p:childTnLst>
+                                    <p:set>
+                                      <p:cBhvr>
+                                        <p:cTn id="20" dur="1" fill="hold">
+                                          <p:stCondLst>
+                                            <p:cond delay="0"/>
+                                          </p:stCondLst>
+                                        </p:cTn>
+                                        <p:tgtEl>
+                                          <p:spTgt spid="26"/>
+                                        </p:tgtEl>
+                                        <p:attrNameLst>
+                                          <p:attrName>style.visibility</p:attrName>
+                                        </p:attrNameLst>
+                                      </p:cBhvr>
+                                      <p:to>
+                                        <p:strVal val="visible"/>
+                                      </p:to>
+                                    </p:set>
+                                  </p:childTnLst>
+                                </p:cTn>
+                              </p:par>
+                            </p:childTnLst>
+                          </p:cTn>
+                        </p:par>
+                      </p:childTnLst>
+                    </p:cTn>
+                  </p:par>
+                  <p:par>
+                    <p:cTn id="21" fill="hold">
+                      <p:stCondLst>
+                        <p:cond delay="indefinite"/>
+                      </p:stCondLst>
+                      <p:childTnLst>
+                        <p:par>
+                          <p:cTn id="22" fill="hold">
+                            <p:stCondLst>
+                              <p:cond delay="0"/>
+                            </p:stCondLst>
+                            <p:childTnLst>
+                              <p:par>
+                                <p:cTn id="23" presetID="1" presetClass="entr" presetSubtype="0" fill="hold" nodeType="clickEffect">
+                                  <p:stCondLst>
+                                    <p:cond delay="0"/>
+                                  </p:stCondLst>
+                                  <p:childTnLst>
+                                    <p:set>
+                                      <p:cBhvr>
+                                        <p:cTn id="24" dur="1" fill="hold">
+                                          <p:stCondLst>
+                                            <p:cond delay="0"/>
+                                          </p:stCondLst>
+                                        </p:cTn>
+                                        <p:tgtEl>
+                                          <p:spTgt spid="36"/>
+                                        </p:tgtEl>
+                                        <p:attrNameLst>
+                                          <p:attrName>style.visibility</p:attrName>
+                                        </p:attrNameLst>
+                                      </p:cBhvr>
+                                      <p:to>
+                                        <p:strVal val="visible"/>
+                                      </p:to>
+                                    </p:set>
+                                  </p:childTnLst>
+                                </p:cTn>
+                              </p:par>
+                              <p:par>
+                                <p:cTn id="25" presetID="1" presetClass="entr" presetSubtype="0" fill="hold" grpId="0" nodeType="withEffect">
+                                  <p:stCondLst>
+                                    <p:cond delay="0"/>
+                                  </p:stCondLst>
+                                  <p:childTnLst>
+                                    <p:set>
+                                      <p:cBhvr>
+                                        <p:cTn id="26" dur="1" fill="hold">
+                                          <p:stCondLst>
+                                            <p:cond delay="0"/>
+                                          </p:stCondLst>
+                                        </p:cTn>
+                                        <p:tgtEl>
+                                          <p:spTgt spid="38"/>
+                                        </p:tgtEl>
+                                        <p:attrNameLst>
+                                          <p:attrName>style.visibility</p:attrName>
+                                        </p:attrNameLst>
+                                      </p:cBhvr>
+                                      <p:to>
+                                        <p:strVal val="visible"/>
+                                      </p:to>
+                                    </p:set>
+                                  </p:childTnLst>
+                                </p:cTn>
+                              </p:par>
+                            </p:childTnLst>
+                          </p:cTn>
+                        </p:par>
+                      </p:childTnLst>
+                    </p:cTn>
+                  </p:par>
+                  <p:par>
+                    <p:cTn id="27" fill="hold">
+                      <p:stCondLst>
+                        <p:cond delay="indefinite"/>
+                      </p:stCondLst>
+                      <p:childTnLst>
+                        <p:par>
+                          <p:cTn id="28" fill="hold">
+                            <p:stCondLst>
+                              <p:cond delay="0"/>
+                            </p:stCondLst>
+                            <p:childTnLst>
+                              <p:par>
+                                <p:cTn id="29" presetID="1" presetClass="entr" presetSubtype="0" fill="hold" grpId="0" nodeType="clickEffect">
+                                  <p:stCondLst>
+                                    <p:cond delay="0"/>
+                                  </p:stCondLst>
+                                  <p:childTnLst>
+                                    <p:set>
+                                      <p:cBhvr>
+                                        <p:cTn id="30" dur="1" fill="hold">
+                                          <p:stCondLst>
+                                            <p:cond delay="0"/>
+                                          </p:stCondLst>
+                                        </p:cTn>
+                                        <p:tgtEl>
+                                          <p:spTgt spid="39"/>
+                                        </p:tgtEl>
+                                        <p:attrNameLst>
+                                          <p:attrName>style.visibility</p:attrName>
+                                        </p:attrNameLst>
+                                      </p:cBhvr>
+                                      <p:to>
+                                        <p:strVal val="visible"/>
+                                      </p:to>
+                                    </p:set>
+                                  </p:childTnLst>
+                                </p:cTn>
+                              </p:par>
+                              <p:par>
+                                <p:cTn id="31" presetID="1" presetClass="entr" presetSubtype="0" fill="hold" nodeType="withEffect">
+                                  <p:stCondLst>
+                                    <p:cond delay="0"/>
+                                  </p:stCondLst>
+                                  <p:childTnLst>
+                                    <p:set>
+                                      <p:cBhvr>
+                                        <p:cTn id="32" dur="1" fill="hold">
+                                          <p:stCondLst>
+                                            <p:cond delay="0"/>
+                                          </p:stCondLst>
+                                        </p:cTn>
+                                        <p:tgtEl>
+                                          <p:spTgt spid="39">
+                                            <p:txEl>
+                                              <p:pRg st="0" end="0"/>
+                                            </p:txEl>
+                                          </p:spTgt>
+                                        </p:tgtEl>
+                                        <p:attrNameLst>
+                                          <p:attrName>style.visibility</p:attrName>
+                                        </p:attrNameLst>
+                                      </p:cBhvr>
+                                      <p:to>
+                                        <p:strVal val="visible"/>
+                                      </p:to>
+                                    </p:set>
+                                  </p:childTnLst>
+                                </p:cTn>
+                              </p:par>
+                              <p:par>
+                                <p:cTn id="33" presetID="1" presetClass="entr" presetSubtype="0" fill="hold" nodeType="withEffect">
+                                  <p:stCondLst>
+                                    <p:cond delay="0"/>
+                                  </p:stCondLst>
+                                  <p:childTnLst>
+                                    <p:set>
+                                      <p:cBhvr>
+                                        <p:cTn id="34" dur="1" fill="hold">
+                                          <p:stCondLst>
+                                            <p:cond delay="0"/>
+                                          </p:stCondLst>
+                                        </p:cTn>
+                                        <p:tgtEl>
+                                          <p:spTgt spid="39">
+                                            <p:txEl>
+                                              <p:pRg st="2" end="2"/>
+                                            </p:txEl>
+                                          </p:spTgt>
+                                        </p:tgtEl>
+                                        <p:attrNameLst>
+                                          <p:attrName>style.visibility</p:attrName>
+                                        </p:attrNameLst>
+                                      </p:cBhvr>
+                                      <p:to>
+                                        <p:strVal val="visible"/>
+                                      </p:to>
+                                    </p:set>
+                                  </p:childTnLst>
+                                </p:cTn>
+                              </p:par>
+                              <p:par>
+                                <p:cTn id="35" presetID="1" presetClass="entr" presetSubtype="0" fill="hold" nodeType="withEffect">
+                                  <p:stCondLst>
+                                    <p:cond delay="0"/>
+                                  </p:stCondLst>
+                                  <p:childTnLst>
+                                    <p:set>
+                                      <p:cBhvr>
+                                        <p:cTn id="36" dur="1" fill="hold">
+                                          <p:stCondLst>
+                                            <p:cond delay="0"/>
+                                          </p:stCondLst>
+                                        </p:cTn>
+                                        <p:tgtEl>
+                                          <p:spTgt spid="44"/>
+                                        </p:tgtEl>
+                                        <p:attrNameLst>
+                                          <p:attrName>style.visibility</p:attrName>
+                                        </p:attrNameLst>
+                                      </p:cBhvr>
+                                      <p:to>
+                                        <p:strVal val="visible"/>
+                                      </p:to>
+                                    </p:set>
+                                  </p:childTnLst>
+                                </p:cTn>
+                              </p:par>
+                              <p:par>
+                                <p:cTn id="37" presetID="1" presetClass="exit" presetSubtype="0" fill="hold" nodeType="withEffect">
+                                  <p:stCondLst>
+                                    <p:cond delay="0"/>
+                                  </p:stCondLst>
+                                  <p:childTnLst>
+                                    <p:set>
+                                      <p:cBhvr>
+                                        <p:cTn id="38" dur="1" fill="hold">
+                                          <p:stCondLst>
+                                            <p:cond delay="0"/>
+                                          </p:stCondLst>
+                                        </p:cTn>
+                                        <p:tgtEl>
+                                          <p:spTgt spid="36"/>
+                                        </p:tgtEl>
+                                        <p:attrNameLst>
+                                          <p:attrName>style.visibility</p:attrName>
+                                        </p:attrNameLst>
+                                      </p:cBhvr>
+                                      <p:to>
+                                        <p:strVal val="hidden"/>
+                                      </p:to>
+                                    </p:set>
+                                  </p:childTnLst>
+                                </p:cTn>
+                              </p:par>
+                              <p:par>
+                                <p:cTn id="39" presetID="1" presetClass="exit" presetSubtype="0" fill="hold" grpId="1" nodeType="withEffect">
+                                  <p:stCondLst>
+                                    <p:cond delay="0"/>
+                                  </p:stCondLst>
+                                  <p:childTnLst>
+                                    <p:set>
+                                      <p:cBhvr>
+                                        <p:cTn id="40" dur="1" fill="hold">
+                                          <p:stCondLst>
+                                            <p:cond delay="0"/>
+                                          </p:stCondLst>
+                                        </p:cTn>
+                                        <p:tgtEl>
+                                          <p:spTgt spid="38"/>
+                                        </p:tgtEl>
+                                        <p:attrNameLst>
+                                          <p:attrName>style.visibility</p:attrName>
+                                        </p:attrNameLst>
+                                      </p:cBhvr>
+                                      <p:to>
+                                        <p:strVal val="hidden"/>
+                                      </p:to>
+                                    </p:set>
+                                  </p:childTnLst>
+                                </p:cTn>
+                              </p:par>
+                            </p:childTnLst>
+                          </p:cTn>
+                        </p:par>
+                      </p:childTnLst>
+                    </p:cTn>
+                  </p:par>
+                  <p:par>
+                    <p:cTn id="41" fill="hold">
+                      <p:stCondLst>
+                        <p:cond delay="indefinite"/>
+                      </p:stCondLst>
+                      <p:childTnLst>
+                        <p:par>
+                          <p:cTn id="42" fill="hold">
+                            <p:stCondLst>
+                              <p:cond delay="0"/>
+                            </p:stCondLst>
+                            <p:childTnLst>
+                              <p:par>
+                                <p:cTn id="43" presetID="1" presetClass="entr" presetSubtype="0" fill="hold" nodeType="clickEffect">
+                                  <p:stCondLst>
+                                    <p:cond delay="0"/>
+                                  </p:stCondLst>
+                                  <p:childTnLst>
+                                    <p:set>
+                                      <p:cBhvr>
+                                        <p:cTn id="44" dur="1" fill="hold">
+                                          <p:stCondLst>
+                                            <p:cond delay="0"/>
+                                          </p:stCondLst>
+                                        </p:cTn>
+                                        <p:tgtEl>
+                                          <p:spTgt spid="46"/>
+                                        </p:tgtEl>
+                                        <p:attrNameLst>
+                                          <p:attrName>style.visibility</p:attrName>
+                                        </p:attrNameLst>
+                                      </p:cBhvr>
+                                      <p:to>
+                                        <p:strVal val="visible"/>
+                                      </p:to>
+                                    </p:set>
+                                  </p:childTnLst>
+                                </p:cTn>
+                              </p:par>
+                              <p:par>
+                                <p:cTn id="45" presetID="1" presetClass="entr" presetSubtype="0" fill="hold" grpId="0" nodeType="withEffect">
+                                  <p:stCondLst>
+                                    <p:cond delay="0"/>
+                                  </p:stCondLst>
+                                  <p:childTnLst>
+                                    <p:set>
+                                      <p:cBhvr>
+                                        <p:cTn id="46" dur="1" fill="hold">
+                                          <p:stCondLst>
+                                            <p:cond delay="0"/>
+                                          </p:stCondLst>
+                                        </p:cTn>
+                                        <p:tgtEl>
+                                          <p:spTgt spid="47"/>
+                                        </p:tgtEl>
+                                        <p:attrNameLst>
+                                          <p:attrName>style.visibility</p:attrName>
+                                        </p:attrNameLst>
+                                      </p:cBhvr>
+                                      <p:to>
+                                        <p:strVal val="visible"/>
+                                      </p:to>
+                                    </p:set>
+                                  </p:childTnLst>
+                                </p:cTn>
+                              </p:par>
+                            </p:childTnLst>
+                          </p:cTn>
+                        </p:par>
+                      </p:childTnLst>
+                    </p:cTn>
+                  </p:par>
+                  <p:par>
+                    <p:cTn id="47" fill="hold">
+                      <p:stCondLst>
+                        <p:cond delay="indefinite"/>
+                      </p:stCondLst>
+                      <p:childTnLst>
+                        <p:par>
+                          <p:cTn id="48" fill="hold">
+                            <p:stCondLst>
+                              <p:cond delay="0"/>
+                            </p:stCondLst>
+                            <p:childTnLst>
+                              <p:par>
+                                <p:cTn id="49" presetID="1" presetClass="exit" presetSubtype="0" fill="hold" nodeType="clickEffect">
+                                  <p:stCondLst>
+                                    <p:cond delay="0"/>
+                                  </p:stCondLst>
+                                  <p:childTnLst>
+                                    <p:set>
+                                      <p:cBhvr>
+                                        <p:cTn id="50" dur="1" fill="hold">
+                                          <p:stCondLst>
+                                            <p:cond delay="0"/>
+                                          </p:stCondLst>
+                                        </p:cTn>
+                                        <p:tgtEl>
+                                          <p:spTgt spid="46"/>
+                                        </p:tgtEl>
+                                        <p:attrNameLst>
+                                          <p:attrName>style.visibility</p:attrName>
+                                        </p:attrNameLst>
+                                      </p:cBhvr>
+                                      <p:to>
+                                        <p:strVal val="hidden"/>
+                                      </p:to>
+                                    </p:set>
+                                  </p:childTnLst>
+                                </p:cTn>
+                              </p:par>
+                              <p:par>
+                                <p:cTn id="51" presetID="1" presetClass="exit" presetSubtype="0" fill="hold" grpId="1" nodeType="withEffect">
+                                  <p:stCondLst>
+                                    <p:cond delay="0"/>
+                                  </p:stCondLst>
+                                  <p:childTnLst>
+                                    <p:set>
+                                      <p:cBhvr>
+                                        <p:cTn id="52" dur="1" fill="hold">
+                                          <p:stCondLst>
+                                            <p:cond delay="0"/>
+                                          </p:stCondLst>
+                                        </p:cTn>
+                                        <p:tgtEl>
+                                          <p:spTgt spid="47"/>
+                                        </p:tgtEl>
+                                        <p:attrNameLst>
+                                          <p:attrName>style.visibility</p:attrName>
+                                        </p:attrNameLst>
+                                      </p:cBhvr>
+                                      <p:to>
+                                        <p:strVal val="hidden"/>
+                                      </p:to>
+                                    </p:set>
+                                  </p:childTnLst>
+                                </p:cTn>
+                              </p:par>
+                              <p:par>
+                                <p:cTn id="53" presetID="1" presetClass="entr" presetSubtype="0" fill="hold" nodeType="withEffect">
+                                  <p:stCondLst>
+                                    <p:cond delay="0"/>
+                                  </p:stCondLst>
+                                  <p:childTnLst>
+                                    <p:set>
+                                      <p:cBhvr>
+                                        <p:cTn id="54" dur="1" fill="hold">
+                                          <p:stCondLst>
+                                            <p:cond delay="0"/>
+                                          </p:stCondLst>
+                                        </p:cTn>
+                                        <p:tgtEl>
+                                          <p:spTgt spid="48"/>
+                                        </p:tgtEl>
+                                        <p:attrNameLst>
+                                          <p:attrName>style.visibility</p:attrName>
+                                        </p:attrNameLst>
+                                      </p:cBhvr>
+                                      <p:to>
+                                        <p:strVal val="visible"/>
+                                      </p:to>
+                                    </p:set>
+                                  </p:childTnLst>
+                                </p:cTn>
+                              </p:par>
+                              <p:par>
+                                <p:cTn id="55" presetID="1" presetClass="exit" presetSubtype="0" fill="hold" nodeType="withEffect">
+                                  <p:stCondLst>
+                                    <p:cond delay="0"/>
+                                  </p:stCondLst>
+                                  <p:childTnLst>
+                                    <p:set>
+                                      <p:cBhvr>
+                                        <p:cTn id="56" dur="1" fill="hold">
+                                          <p:stCondLst>
+                                            <p:cond delay="0"/>
+                                          </p:stCondLst>
+                                        </p:cTn>
+                                        <p:tgtEl>
+                                          <p:spTgt spid="18"/>
+                                        </p:tgtEl>
+                                        <p:attrNameLst>
+                                          <p:attrName>style.visibility</p:attrName>
+                                        </p:attrNameLst>
+                                      </p:cBhvr>
+                                      <p:to>
+                                        <p:strVal val="hidden"/>
+                                      </p:to>
+                                    </p:set>
+                                  </p:childTnLst>
+                                </p:cTn>
+                              </p:par>
+                              <p:par>
+                                <p:cTn id="57" presetID="1" presetClass="exit" presetSubtype="0" fill="hold" nodeType="withEffect">
+                                  <p:stCondLst>
+                                    <p:cond delay="0"/>
+                                  </p:stCondLst>
+                                  <p:childTnLst>
+                                    <p:set>
+                                      <p:cBhvr>
+                                        <p:cTn id="58" dur="1" fill="hold">
+                                          <p:stCondLst>
+                                            <p:cond delay="0"/>
+                                          </p:stCondLst>
+                                        </p:cTn>
+                                        <p:tgtEl>
+                                          <p:spTgt spid="30"/>
+                                        </p:tgtEl>
+                                        <p:attrNameLst>
+                                          <p:attrName>style.visibility</p:attrName>
+                                        </p:attrNameLst>
+                                      </p:cBhvr>
+                                      <p:to>
+                                        <p:strVal val="hidden"/>
+                                      </p:to>
+                                    </p:set>
+                                  </p:childTnLst>
+                                </p:cTn>
+                              </p:par>
+                              <p:par>
+                                <p:cTn id="59" presetID="1" presetClass="exit" presetSubtype="0" fill="hold" nodeType="withEffect">
+                                  <p:stCondLst>
+                                    <p:cond delay="0"/>
+                                  </p:stCondLst>
+                                  <p:childTnLst>
+                                    <p:set>
+                                      <p:cBhvr>
+                                        <p:cTn id="60" dur="1" fill="hold">
+                                          <p:stCondLst>
+                                            <p:cond delay="0"/>
+                                          </p:stCondLst>
+                                        </p:cTn>
+                                        <p:tgtEl>
+                                          <p:spTgt spid="33"/>
+                                        </p:tgtEl>
+                                        <p:attrNameLst>
+                                          <p:attrName>style.visibility</p:attrName>
+                                        </p:attrNameLst>
+                                      </p:cBhvr>
+                                      <p:to>
+                                        <p:strVal val="hidden"/>
+                                      </p:to>
+                                    </p:set>
+                                  </p:childTnLst>
+                                </p:cTn>
+                              </p:par>
+                              <p:par>
+                                <p:cTn id="61" presetID="1" presetClass="exit" presetSubtype="0" fill="hold" grpId="1" nodeType="withEffect">
+                                  <p:stCondLst>
+                                    <p:cond delay="0"/>
+                                  </p:stCondLst>
+                                  <p:childTnLst>
+                                    <p:set>
+                                      <p:cBhvr>
+                                        <p:cTn id="62" dur="1" fill="hold">
+                                          <p:stCondLst>
+                                            <p:cond delay="0"/>
+                                          </p:stCondLst>
+                                        </p:cTn>
+                                        <p:tgtEl>
+                                          <p:spTgt spid="26"/>
+                                        </p:tgtEl>
+                                        <p:attrNameLst>
+                                          <p:attrName>style.visibility</p:attrName>
+                                        </p:attrNameLst>
+                                      </p:cBhvr>
+                                      <p:to>
+                                        <p:strVal val="hidden"/>
+                                      </p:to>
+                                    </p:set>
+                                  </p:childTnLst>
+                                </p:cTn>
+                              </p:par>
+                              <p:par>
+                                <p:cTn id="63" presetID="1" presetClass="exit" presetSubtype="0" fill="hold" grpId="1" nodeType="withEffect">
+                                  <p:stCondLst>
+                                    <p:cond delay="0"/>
+                                  </p:stCondLst>
+                                  <p:childTnLst>
+                                    <p:set>
+                                      <p:cBhvr>
+                                        <p:cTn id="64" dur="1" fill="hold">
+                                          <p:stCondLst>
+                                            <p:cond delay="0"/>
+                                          </p:stCondLst>
+                                        </p:cTn>
+                                        <p:tgtEl>
+                                          <p:spTgt spid="12"/>
+                                        </p:tgtEl>
+                                        <p:attrNameLst>
+                                          <p:attrName>style.visibility</p:attrName>
+                                        </p:attrNameLst>
+                                      </p:cBhvr>
+                                      <p:to>
+                                        <p:strVal val="hidden"/>
+                                      </p:to>
+                                    </p:set>
+                                  </p:childTnLst>
+                                </p:cTn>
+                              </p:par>
+                              <p:par>
+                                <p:cTn id="65" presetID="1" presetClass="exit" presetSubtype="0" fill="hold" nodeType="withEffect">
+                                  <p:stCondLst>
+                                    <p:cond delay="0"/>
+                                  </p:stCondLst>
+                                  <p:childTnLst>
+                                    <p:set>
+                                      <p:cBhvr>
+                                        <p:cTn id="66" dur="1" fill="hold">
+                                          <p:stCondLst>
+                                            <p:cond delay="0"/>
+                                          </p:stCondLst>
+                                        </p:cTn>
+                                        <p:tgtEl>
+                                          <p:spTgt spid="21"/>
+                                        </p:tgtEl>
+                                        <p:attrNameLst>
+                                          <p:attrName>style.visibility</p:attrName>
+                                        </p:attrNameLst>
+                                      </p:cBhvr>
+                                      <p:to>
+                                        <p:strVal val="hidden"/>
+                                      </p:to>
+                                    </p:set>
+                                  </p:childTnLst>
+                                </p:cTn>
+                              </p:par>
+                            </p:childTnLst>
+                          </p:cTn>
+                        </p:par>
+                      </p:childTnLst>
+                    </p:cTn>
+                  </p:par>
+                  <p:par>
+                    <p:cTn id="67" fill="hold">
+                      <p:stCondLst>
+                        <p:cond delay="indefinite"/>
+                      </p:stCondLst>
+                      <p:childTnLst>
+                        <p:par>
+                          <p:cTn id="68" fill="hold">
+                            <p:stCondLst>
+                              <p:cond delay="0"/>
+                            </p:stCondLst>
+                            <p:childTnLst>
+                              <p:par>
+                                <p:cTn id="69" presetID="1" presetClass="entr" presetSubtype="0" fill="hold" nodeType="clickEffect">
+                                  <p:stCondLst>
+                                    <p:cond delay="0"/>
+                                  </p:stCondLst>
+                                  <p:childTnLst>
+                                    <p:set>
+                                      <p:cBhvr>
+                                        <p:cTn id="70" dur="1" fill="hold">
+                                          <p:stCondLst>
+                                            <p:cond delay="0"/>
+                                          </p:stCondLst>
+                                        </p:cTn>
+                                        <p:tgtEl>
+                                          <p:spTgt spid="50"/>
+                                        </p:tgtEl>
+                                        <p:attrNameLst>
+                                          <p:attrName>style.visibility</p:attrName>
+                                        </p:attrNameLst>
+                                      </p:cBhvr>
+                                      <p:to>
+                                        <p:strVal val="visible"/>
+                                      </p:to>
+                                    </p:set>
+                                  </p:childTnLst>
+                                </p:cTn>
+                              </p:par>
+                              <p:par>
+                                <p:cTn id="71" presetID="1" presetClass="entr" presetSubtype="0" fill="hold" grpId="0" nodeType="withEffect">
+                                  <p:stCondLst>
+                                    <p:cond delay="0"/>
+                                  </p:stCondLst>
+                                  <p:childTnLst>
+                                    <p:set>
+                                      <p:cBhvr>
+                                        <p:cTn id="72" dur="1" fill="hold">
+                                          <p:stCondLst>
+                                            <p:cond delay="0"/>
+                                          </p:stCondLst>
+                                        </p:cTn>
+                                        <p:tgtEl>
+                                          <p:spTgt spid="13"/>
+                                        </p:tgtEl>
+                                        <p:attrNameLst>
+                                          <p:attrName>style.visibility</p:attrName>
+                                        </p:attrNameLst>
+                                      </p:cBhvr>
+                                      <p:to>
+                                        <p:strVal val="visible"/>
+                                      </p:to>
+                                    </p:set>
+                                  </p:childTnLst>
+                                </p:cTn>
+                              </p:par>
+                            </p:childTnLst>
+                          </p:cTn>
+                        </p:par>
+                      </p:childTnLst>
+                    </p:cTn>
+                  </p:par>
+                  <p:par>
+                    <p:cTn id="73" fill="hold">
+                      <p:stCondLst>
+                        <p:cond delay="indefinite"/>
+                      </p:stCondLst>
+                      <p:childTnLst>
+                        <p:par>
+                          <p:cTn id="74" fill="hold">
+                            <p:stCondLst>
+                              <p:cond delay="0"/>
+                            </p:stCondLst>
+                            <p:childTnLst>
+                              <p:par>
+                                <p:cTn id="75" presetID="1" presetClass="entr" presetSubtype="0" fill="hold" nodeType="clickEffect">
+                                  <p:stCondLst>
+                                    <p:cond delay="0"/>
+                                  </p:stCondLst>
+                                  <p:childTnLst>
+                                    <p:set>
+                                      <p:cBhvr>
+                                        <p:cTn id="76" dur="1" fill="hold">
+                                          <p:stCondLst>
+                                            <p:cond delay="0"/>
+                                          </p:stCondLst>
+                                        </p:cTn>
+                                        <p:tgtEl>
+                                          <p:spTgt spid="53"/>
+                                        </p:tgtEl>
+                                        <p:attrNameLst>
+                                          <p:attrName>style.visibility</p:attrName>
+                                        </p:attrNameLst>
+                                      </p:cBhvr>
+                                      <p:to>
+                                        <p:strVal val="visible"/>
+                                      </p:to>
+                                    </p:set>
+                                  </p:childTnLst>
+                                </p:cTn>
+                              </p:par>
+                              <p:par>
+                                <p:cTn id="77" presetID="1" presetClass="entr" presetSubtype="0" fill="hold" grpId="0" nodeType="withEffect">
+                                  <p:stCondLst>
+                                    <p:cond delay="0"/>
+                                  </p:stCondLst>
+                                  <p:childTnLst>
+                                    <p:set>
+                                      <p:cBhvr>
+                                        <p:cTn id="78" dur="1" fill="hold">
+                                          <p:stCondLst>
+                                            <p:cond delay="0"/>
+                                          </p:stCondLst>
+                                        </p:cTn>
+                                        <p:tgtEl>
+                                          <p:spTgt spid="51"/>
+                                        </p:tgtEl>
+                                        <p:attrNameLst>
+                                          <p:attrName>style.visibility</p:attrName>
+                                        </p:attrNameLst>
+                                      </p:cBhvr>
+                                      <p:to>
+                                        <p:strVal val="visible"/>
+                                      </p:to>
+                                    </p:set>
+                                  </p:childTnLst>
+                                </p:cTn>
+                              </p:par>
+                            </p:childTnLst>
+                          </p:cTn>
+                        </p:par>
+                      </p:childTnLst>
+                    </p:cTn>
+                  </p:par>
+                  <p:par>
+                    <p:cTn id="79" fill="hold">
+                      <p:stCondLst>
+                        <p:cond delay="indefinite"/>
+                      </p:stCondLst>
+                      <p:childTnLst>
+                        <p:par>
+                          <p:cTn id="80" fill="hold">
+                            <p:stCondLst>
+                              <p:cond delay="0"/>
+                            </p:stCondLst>
+                            <p:childTnLst>
+                              <p:par>
+                                <p:cTn id="81" presetID="1" presetClass="entr" presetSubtype="0" fill="hold" nodeType="clickEffect">
+                                  <p:stCondLst>
+                                    <p:cond delay="0"/>
+                                  </p:stCondLst>
+                                  <p:childTnLst>
+                                    <p:set>
+                                      <p:cBhvr>
+                                        <p:cTn id="82" dur="1" fill="hold">
+                                          <p:stCondLst>
+                                            <p:cond delay="0"/>
+                                          </p:stCondLst>
+                                        </p:cTn>
+                                        <p:tgtEl>
+                                          <p:spTgt spid="55"/>
+                                        </p:tgtEl>
+                                        <p:attrNameLst>
+                                          <p:attrName>style.visibility</p:attrName>
+                                        </p:attrNameLst>
+                                      </p:cBhvr>
+                                      <p:to>
+                                        <p:strVal val="visible"/>
+                                      </p:to>
+                                    </p:set>
+                                  </p:childTnLst>
+                                </p:cTn>
+                              </p:par>
+                              <p:par>
+                                <p:cTn id="83" presetID="1" presetClass="entr" presetSubtype="0" fill="hold" grpId="0" nodeType="withEffect">
+                                  <p:stCondLst>
+                                    <p:cond delay="0"/>
+                                  </p:stCondLst>
+                                  <p:childTnLst>
+                                    <p:set>
+                                      <p:cBhvr>
+                                        <p:cTn id="84" dur="1" fill="hold">
+                                          <p:stCondLst>
+                                            <p:cond delay="0"/>
+                                          </p:stCondLst>
+                                        </p:cTn>
+                                        <p:tgtEl>
+                                          <p:spTgt spid="56"/>
+                                        </p:tgtEl>
+                                        <p:attrNameLst>
+                                          <p:attrName>style.visibility</p:attrName>
+                                        </p:attrNameLst>
+                                      </p:cBhvr>
+                                      <p:to>
+                                        <p:strVal val="visible"/>
+                                      </p:to>
+                                    </p:set>
+                                  </p:childTnLst>
+                                </p:cTn>
+                              </p:par>
+                            </p:childTnLst>
+                          </p:cTn>
+                        </p:par>
+                      </p:childTnLst>
+                    </p:cTn>
+                  </p:par>
+                  <p:par>
+                    <p:cTn id="85" fill="hold">
+                      <p:stCondLst>
+                        <p:cond delay="indefinite"/>
+                      </p:stCondLst>
+                      <p:childTnLst>
+                        <p:par>
+                          <p:cTn id="86" fill="hold">
+                            <p:stCondLst>
+                              <p:cond delay="0"/>
+                            </p:stCondLst>
+                            <p:childTnLst>
+                              <p:par>
+                                <p:cTn id="87" presetID="1" presetClass="exit" presetSubtype="0" fill="hold" grpId="1" nodeType="clickEffect">
+                                  <p:stCondLst>
+                                    <p:cond delay="0"/>
+                                  </p:stCondLst>
+                                  <p:childTnLst>
+                                    <p:set>
+                                      <p:cBhvr>
+                                        <p:cTn id="88" dur="1" fill="hold">
+                                          <p:stCondLst>
+                                            <p:cond delay="0"/>
+                                          </p:stCondLst>
+                                        </p:cTn>
+                                        <p:tgtEl>
+                                          <p:spTgt spid="56"/>
+                                        </p:tgtEl>
+                                        <p:attrNameLst>
+                                          <p:attrName>style.visibility</p:attrName>
+                                        </p:attrNameLst>
+                                      </p:cBhvr>
+                                      <p:to>
+                                        <p:strVal val="hidden"/>
+                                      </p:to>
+                                    </p:set>
+                                  </p:childTnLst>
+                                </p:cTn>
+                              </p:par>
+                              <p:par>
+                                <p:cTn id="89" presetID="1" presetClass="exit" presetSubtype="0" fill="hold" nodeType="withEffect">
+                                  <p:stCondLst>
+                                    <p:cond delay="0"/>
+                                  </p:stCondLst>
+                                  <p:childTnLst>
+                                    <p:set>
+                                      <p:cBhvr>
+                                        <p:cTn id="90" dur="1" fill="hold">
+                                          <p:stCondLst>
+                                            <p:cond delay="0"/>
+                                          </p:stCondLst>
+                                        </p:cTn>
+                                        <p:tgtEl>
+                                          <p:spTgt spid="55"/>
+                                        </p:tgtEl>
+                                        <p:attrNameLst>
+                                          <p:attrName>style.visibility</p:attrName>
+                                        </p:attrNameLst>
+                                      </p:cBhvr>
+                                      <p:to>
+                                        <p:strVal val="hidden"/>
+                                      </p:to>
+                                    </p:set>
+                                  </p:childTnLst>
+                                </p:cTn>
+                              </p:par>
+                              <p:par>
+                                <p:cTn id="91" presetID="1" presetClass="entr" presetSubtype="0" fill="hold" grpId="0" nodeType="withEffect">
+                                  <p:stCondLst>
+                                    <p:cond delay="0"/>
+                                  </p:stCondLst>
+                                  <p:childTnLst>
+                                    <p:set>
+                                      <p:cBhvr>
+                                        <p:cTn id="92" dur="1" fill="hold">
+                                          <p:stCondLst>
+                                            <p:cond delay="0"/>
+                                          </p:stCondLst>
+                                        </p:cTn>
+                                        <p:tgtEl>
+                                          <p:spTgt spid="57"/>
+                                        </p:tgtEl>
+                                        <p:attrNameLst>
+                                          <p:attrName>style.visibility</p:attrName>
+                                        </p:attrNameLst>
+                                      </p:cBhvr>
+                                      <p:to>
+                                        <p:strVal val="visible"/>
+                                      </p:to>
+                                    </p:set>
+                                  </p:childTnLst>
+                                </p:cTn>
+                              </p:par>
+                            </p:childTnLst>
+                          </p:cTn>
+                        </p:par>
+                      </p:childTnLst>
+                    </p:cTn>
+                  </p:par>
+                  <p:par>
+                    <p:cTn id="93" fill="hold">
+                      <p:stCondLst>
+                        <p:cond delay="indefinite"/>
+                      </p:stCondLst>
+                      <p:childTnLst>
+                        <p:par>
+                          <p:cTn id="94" fill="hold">
+                            <p:stCondLst>
+                              <p:cond delay="0"/>
+                            </p:stCondLst>
+                            <p:childTnLst>
+                              <p:par>
+                                <p:cTn id="95" presetID="1" presetClass="exit" presetSubtype="0" fill="hold" nodeType="clickEffect">
+                                  <p:stCondLst>
+                                    <p:cond delay="0"/>
+                                  </p:stCondLst>
+                                  <p:childTnLst>
+                                    <p:set>
+                                      <p:cBhvr>
+                                        <p:cTn id="96" dur="1" fill="hold">
+                                          <p:stCondLst>
+                                            <p:cond delay="0"/>
+                                          </p:stCondLst>
+                                        </p:cTn>
+                                        <p:tgtEl>
+                                          <p:spTgt spid="39">
+                                            <p:txEl>
+                                              <p:pRg st="2" end="2"/>
+                                            </p:txEl>
+                                          </p:spTgt>
+                                        </p:tgtEl>
+                                        <p:attrNameLst>
+                                          <p:attrName>style.visibility</p:attrName>
+                                        </p:attrNameLst>
+                                      </p:cBhvr>
+                                      <p:to>
+                                        <p:strVal val="hidden"/>
+                                      </p:to>
+                                    </p:set>
+                                  </p:childTnLst>
+                                </p:cTn>
+                              </p:par>
+                              <p:par>
+                                <p:cTn id="97" presetID="1" presetClass="entr" presetSubtype="0" fill="hold" grpId="0" nodeType="withEffect">
+                                  <p:stCondLst>
+                                    <p:cond delay="0"/>
+                                  </p:stCondLst>
+                                  <p:childTnLst>
+                                    <p:set>
+                                      <p:cBhvr>
+                                        <p:cTn id="98" dur="1" fill="hold">
+                                          <p:stCondLst>
+                                            <p:cond delay="0"/>
+                                          </p:stCondLst>
+                                        </p:cTn>
+                                        <p:tgtEl>
+                                          <p:spTgt spid="67"/>
+                                        </p:tgtEl>
+                                        <p:attrNameLst>
+                                          <p:attrName>style.visibility</p:attrName>
+                                        </p:attrNameLst>
+                                      </p:cBhvr>
+                                      <p:to>
+                                        <p:strVal val="visible"/>
+                                      </p:to>
+                                    </p:set>
+                                  </p:childTnLst>
+                                </p:cTn>
+                              </p:par>
+                              <p:par>
+                                <p:cTn id="99" presetID="1" presetClass="entr" presetSubtype="0" fill="hold" grpId="0" nodeType="withEffect">
+                                  <p:stCondLst>
+                                    <p:cond delay="0"/>
+                                  </p:stCondLst>
+                                  <p:childTnLst>
+                                    <p:set>
+                                      <p:cBhvr>
+                                        <p:cTn id="100" dur="1" fill="hold">
+                                          <p:stCondLst>
+                                            <p:cond delay="0"/>
+                                          </p:stCondLst>
+                                        </p:cTn>
+                                        <p:tgtEl>
+                                          <p:spTgt spid="58"/>
+                                        </p:tgtEl>
+                                        <p:attrNameLst>
+                                          <p:attrName>style.visibility</p:attrName>
+                                        </p:attrNameLst>
+                                      </p:cBhvr>
+                                      <p:to>
+                                        <p:strVal val="visible"/>
+                                      </p:to>
+                                    </p:set>
+                                  </p:childTnLst>
+                                </p:cTn>
+                              </p:par>
+                              <p:par>
+                                <p:cTn id="101" presetID="1" presetClass="entr" presetSubtype="0" fill="hold" nodeType="withEffect">
+                                  <p:stCondLst>
+                                    <p:cond delay="0"/>
+                                  </p:stCondLst>
+                                  <p:childTnLst>
+                                    <p:set>
+                                      <p:cBhvr>
+                                        <p:cTn id="102" dur="1" fill="hold">
+                                          <p:stCondLst>
+                                            <p:cond delay="0"/>
+                                          </p:stCondLst>
+                                        </p:cTn>
+                                        <p:tgtEl>
+                                          <p:spTgt spid="66"/>
+                                        </p:tgtEl>
+                                        <p:attrNameLst>
+                                          <p:attrName>style.visibility</p:attrName>
+                                        </p:attrNameLst>
+                                      </p:cBhvr>
+                                      <p:to>
+                                        <p:strVal val="visible"/>
+                                      </p:to>
+                                    </p:set>
+                                  </p:childTnLst>
+                                </p:cTn>
+                              </p:par>
+                            </p:childTnLst>
+                          </p:cTn>
+                        </p:par>
+                      </p:childTnLst>
+                    </p:cTn>
+                  </p:par>
+                  <p:par>
+                    <p:cTn id="103" fill="hold">
+                      <p:stCondLst>
+                        <p:cond delay="indefinite"/>
+                      </p:stCondLst>
+                      <p:childTnLst>
+                        <p:par>
+                          <p:cTn id="104" fill="hold">
+                            <p:stCondLst>
+                              <p:cond delay="0"/>
+                            </p:stCondLst>
+                            <p:childTnLst>
+                              <p:par>
+                                <p:cTn id="105" presetID="1" presetClass="entr" presetSubtype="0" fill="hold" nodeType="clickEffect">
+                                  <p:stCondLst>
+                                    <p:cond delay="0"/>
+                                  </p:stCondLst>
+                                  <p:childTnLst>
+                                    <p:set>
+                                      <p:cBhvr>
+                                        <p:cTn id="106" dur="1" fill="hold">
+                                          <p:stCondLst>
+                                            <p:cond delay="0"/>
+                                          </p:stCondLst>
+                                        </p:cTn>
+                                        <p:tgtEl>
+                                          <p:spTgt spid="70"/>
+                                        </p:tgtEl>
+                                        <p:attrNameLst>
+                                          <p:attrName>style.visibility</p:attrName>
+                                        </p:attrNameLst>
+                                      </p:cBhvr>
+                                      <p:to>
+                                        <p:strVal val="visible"/>
+                                      </p:to>
+                                    </p:set>
+                                  </p:childTnLst>
+                                </p:cTn>
+                              </p:par>
+                              <p:par>
+                                <p:cTn id="107" presetID="1" presetClass="entr" presetSubtype="0" fill="hold" grpId="1" nodeType="withEffect">
+                                  <p:stCondLst>
+                                    <p:cond delay="0"/>
+                                  </p:stCondLst>
+                                  <p:childTnLst>
+                                    <p:set>
+                                      <p:cBhvr>
+                                        <p:cTn id="108" dur="1" fill="hold">
+                                          <p:stCondLst>
+                                            <p:cond delay="0"/>
+                                          </p:stCondLst>
+                                        </p:cTn>
+                                        <p:tgtEl>
+                                          <p:spTgt spid="71"/>
+                                        </p:tgtEl>
+                                        <p:attrNameLst>
+                                          <p:attrName>style.visibility</p:attrName>
+                                        </p:attrNameLst>
+                                      </p:cBhvr>
+                                      <p:to>
+                                        <p:strVal val="visible"/>
+                                      </p:to>
+                                    </p:set>
+                                  </p:childTnLst>
+                                </p:cTn>
+                              </p:par>
+                              <p:par>
+                                <p:cTn id="109" presetID="1" presetClass="exit" presetSubtype="0" fill="hold" grpId="1" nodeType="withEffect">
+                                  <p:stCondLst>
+                                    <p:cond delay="0"/>
+                                  </p:stCondLst>
+                                  <p:childTnLst>
+                                    <p:set>
+                                      <p:cBhvr>
+                                        <p:cTn id="110" dur="1" fill="hold">
+                                          <p:stCondLst>
+                                            <p:cond delay="0"/>
+                                          </p:stCondLst>
+                                        </p:cTn>
+                                        <p:tgtEl>
+                                          <p:spTgt spid="58"/>
+                                        </p:tgtEl>
+                                        <p:attrNameLst>
+                                          <p:attrName>style.visibility</p:attrName>
+                                        </p:attrNameLst>
+                                      </p:cBhvr>
+                                      <p:to>
+                                        <p:strVal val="hidden"/>
+                                      </p:to>
+                                    </p:set>
+                                  </p:childTnLst>
+                                </p:cTn>
+                              </p:par>
+                            </p:childTnLst>
+                          </p:cTn>
+                        </p:par>
+                      </p:childTnLst>
+                    </p:cTn>
+                  </p:par>
+                  <p:par>
+                    <p:cTn id="111" fill="hold">
+                      <p:stCondLst>
+                        <p:cond delay="indefinite"/>
+                      </p:stCondLst>
+                      <p:childTnLst>
+                        <p:par>
+                          <p:cTn id="112" fill="hold">
+                            <p:stCondLst>
+                              <p:cond delay="0"/>
+                            </p:stCondLst>
+                            <p:childTnLst>
+                              <p:par>
+                                <p:cTn id="113" presetID="1" presetClass="exit" presetSubtype="0" fill="hold" nodeType="clickEffect">
+                                  <p:stCondLst>
+                                    <p:cond delay="0"/>
+                                  </p:stCondLst>
+                                  <p:childTnLst>
+                                    <p:set>
+                                      <p:cBhvr>
+                                        <p:cTn id="114" dur="1" fill="hold">
+                                          <p:stCondLst>
+                                            <p:cond delay="0"/>
+                                          </p:stCondLst>
+                                        </p:cTn>
+                                        <p:tgtEl>
+                                          <p:spTgt spid="70"/>
+                                        </p:tgtEl>
+                                        <p:attrNameLst>
+                                          <p:attrName>style.visibility</p:attrName>
+                                        </p:attrNameLst>
+                                      </p:cBhvr>
+                                      <p:to>
+                                        <p:strVal val="hidden"/>
+                                      </p:to>
+                                    </p:set>
+                                  </p:childTnLst>
+                                </p:cTn>
+                              </p:par>
+                              <p:par>
+                                <p:cTn id="115" presetID="1" presetClass="exit" presetSubtype="0" fill="hold" grpId="0" nodeType="withEffect">
+                                  <p:stCondLst>
+                                    <p:cond delay="0"/>
+                                  </p:stCondLst>
+                                  <p:childTnLst>
+                                    <p:set>
+                                      <p:cBhvr>
+                                        <p:cTn id="116" dur="1" fill="hold">
+                                          <p:stCondLst>
+                                            <p:cond delay="0"/>
+                                          </p:stCondLst>
+                                        </p:cTn>
+                                        <p:tgtEl>
+                                          <p:spTgt spid="71"/>
+                                        </p:tgtEl>
+                                        <p:attrNameLst>
+                                          <p:attrName>style.visibility</p:attrName>
+                                        </p:attrNameLst>
+                                      </p:cBhvr>
+                                      <p:to>
+                                        <p:strVal val="hidden"/>
+                                      </p:to>
+                                    </p:set>
+                                  </p:childTnLst>
+                                </p:cTn>
+                              </p:par>
+                              <p:par>
+                                <p:cTn id="117" presetID="1" presetClass="exit" presetSubtype="0" fill="hold" grpId="1" nodeType="withEffect">
+                                  <p:stCondLst>
+                                    <p:cond delay="0"/>
+                                  </p:stCondLst>
+                                  <p:childTnLst>
+                                    <p:set>
+                                      <p:cBhvr>
+                                        <p:cTn id="118" dur="1" fill="hold">
+                                          <p:stCondLst>
+                                            <p:cond delay="0"/>
+                                          </p:stCondLst>
+                                        </p:cTn>
+                                        <p:tgtEl>
+                                          <p:spTgt spid="51"/>
+                                        </p:tgtEl>
+                                        <p:attrNameLst>
+                                          <p:attrName>style.visibility</p:attrName>
+                                        </p:attrNameLst>
+                                      </p:cBhvr>
+                                      <p:to>
+                                        <p:strVal val="hidden"/>
+                                      </p:to>
+                                    </p:set>
+                                  </p:childTnLst>
+                                </p:cTn>
+                              </p:par>
+                              <p:par>
+                                <p:cTn id="119" presetID="1" presetClass="exit" presetSubtype="0" fill="hold" nodeType="withEffect">
+                                  <p:stCondLst>
+                                    <p:cond delay="0"/>
+                                  </p:stCondLst>
+                                  <p:childTnLst>
+                                    <p:set>
+                                      <p:cBhvr>
+                                        <p:cTn id="120" dur="1" fill="hold">
+                                          <p:stCondLst>
+                                            <p:cond delay="0"/>
+                                          </p:stCondLst>
+                                        </p:cTn>
+                                        <p:tgtEl>
+                                          <p:spTgt spid="53"/>
+                                        </p:tgtEl>
+                                        <p:attrNameLst>
+                                          <p:attrName>style.visibility</p:attrName>
+                                        </p:attrNameLst>
+                                      </p:cBhvr>
+                                      <p:to>
+                                        <p:strVal val="hidden"/>
+                                      </p:to>
+                                    </p:set>
+                                  </p:childTnLst>
+                                </p:cTn>
+                              </p:par>
+                              <p:par>
+                                <p:cTn id="121" presetID="1" presetClass="exit" presetSubtype="0" fill="hold" grpId="1" nodeType="withEffect">
+                                  <p:stCondLst>
+                                    <p:cond delay="0"/>
+                                  </p:stCondLst>
+                                  <p:childTnLst>
+                                    <p:set>
+                                      <p:cBhvr>
+                                        <p:cTn id="122" dur="1" fill="hold">
+                                          <p:stCondLst>
+                                            <p:cond delay="0"/>
+                                          </p:stCondLst>
+                                        </p:cTn>
+                                        <p:tgtEl>
+                                          <p:spTgt spid="13"/>
+                                        </p:tgtEl>
+                                        <p:attrNameLst>
+                                          <p:attrName>style.visibility</p:attrName>
+                                        </p:attrNameLst>
+                                      </p:cBhvr>
+                                      <p:to>
+                                        <p:strVal val="hidden"/>
+                                      </p:to>
+                                    </p:set>
+                                  </p:childTnLst>
+                                </p:cTn>
+                              </p:par>
+                              <p:par>
+                                <p:cTn id="123" presetID="1" presetClass="exit" presetSubtype="0" fill="hold" nodeType="withEffect">
+                                  <p:stCondLst>
+                                    <p:cond delay="0"/>
+                                  </p:stCondLst>
+                                  <p:childTnLst>
+                                    <p:set>
+                                      <p:cBhvr>
+                                        <p:cTn id="124" dur="1" fill="hold">
+                                          <p:stCondLst>
+                                            <p:cond delay="0"/>
+                                          </p:stCondLst>
+                                        </p:cTn>
+                                        <p:tgtEl>
+                                          <p:spTgt spid="50"/>
+                                        </p:tgtEl>
+                                        <p:attrNameLst>
+                                          <p:attrName>style.visibility</p:attrName>
+                                        </p:attrNameLst>
+                                      </p:cBhvr>
+                                      <p:to>
+                                        <p:strVal val="hidden"/>
+                                      </p:to>
+                                    </p:set>
+                                  </p:childTnLst>
+                                </p:cTn>
+                              </p:par>
+                              <p:par>
+                                <p:cTn id="125" presetID="1" presetClass="exit" presetSubtype="0" fill="hold" nodeType="withEffect">
+                                  <p:stCondLst>
+                                    <p:cond delay="0"/>
+                                  </p:stCondLst>
+                                  <p:childTnLst>
+                                    <p:set>
+                                      <p:cBhvr>
+                                        <p:cTn id="126" dur="1" fill="hold">
+                                          <p:stCondLst>
+                                            <p:cond delay="0"/>
+                                          </p:stCondLst>
+                                        </p:cTn>
+                                        <p:tgtEl>
+                                          <p:spTgt spid="48"/>
+                                        </p:tgtEl>
+                                        <p:attrNameLst>
+                                          <p:attrName>style.visibility</p:attrName>
+                                        </p:attrNameLst>
+                                      </p:cBhvr>
+                                      <p:to>
+                                        <p:strVal val="hidden"/>
+                                      </p:to>
+                                    </p:set>
+                                  </p:childTnLst>
+                                </p:cTn>
+                              </p:par>
+                              <p:par>
+                                <p:cTn id="127" presetID="1" presetClass="entr" presetSubtype="0" fill="hold" nodeType="withEffect">
+                                  <p:stCondLst>
+                                    <p:cond delay="0"/>
+                                  </p:stCondLst>
+                                  <p:childTnLst>
+                                    <p:set>
+                                      <p:cBhvr>
+                                        <p:cTn id="128" dur="1" fill="hold">
+                                          <p:stCondLst>
+                                            <p:cond delay="0"/>
+                                          </p:stCondLst>
+                                        </p:cTn>
+                                        <p:tgtEl>
+                                          <p:spTgt spid="72"/>
+                                        </p:tgtEl>
+                                        <p:attrNameLst>
+                                          <p:attrName>style.visibility</p:attrName>
+                                        </p:attrNameLst>
+                                      </p:cBhvr>
+                                      <p:to>
+                                        <p:strVal val="visible"/>
+                                      </p:to>
+                                    </p:set>
+                                  </p:childTnLst>
+                                </p:cTn>
+                              </p:par>
+                            </p:childTnLst>
+                          </p:cTn>
+                        </p:par>
+                      </p:childTnLst>
+                    </p:cTn>
+                  </p:par>
+                  <p:par>
+                    <p:cTn id="129" fill="hold">
+                      <p:stCondLst>
+                        <p:cond delay="indefinite"/>
+                      </p:stCondLst>
+                      <p:childTnLst>
+                        <p:par>
+                          <p:cTn id="130" fill="hold">
+                            <p:stCondLst>
+                              <p:cond delay="0"/>
+                            </p:stCondLst>
+                            <p:childTnLst>
+                              <p:par>
+                                <p:cTn id="131" presetID="1" presetClass="entr" presetSubtype="0" fill="hold" nodeType="clickEffect">
+                                  <p:stCondLst>
+                                    <p:cond delay="0"/>
+                                  </p:stCondLst>
+                                  <p:childTnLst>
+                                    <p:set>
+                                      <p:cBhvr>
+                                        <p:cTn id="132" dur="1" fill="hold">
+                                          <p:stCondLst>
+                                            <p:cond delay="0"/>
+                                          </p:stCondLst>
+                                        </p:cTn>
+                                        <p:tgtEl>
+                                          <p:spTgt spid="74"/>
+                                        </p:tgtEl>
+                                        <p:attrNameLst>
+                                          <p:attrName>style.visibility</p:attrName>
+                                        </p:attrNameLst>
+                                      </p:cBhvr>
+                                      <p:to>
+                                        <p:strVal val="visible"/>
+                                      </p:to>
+                                    </p:set>
+                                  </p:childTnLst>
+                                </p:cTn>
+                              </p:par>
+                              <p:par>
+                                <p:cTn id="133" presetID="1" presetClass="entr" presetSubtype="0" fill="hold" grpId="0" nodeType="withEffect">
+                                  <p:stCondLst>
+                                    <p:cond delay="0"/>
+                                  </p:stCondLst>
+                                  <p:childTnLst>
+                                    <p:set>
+                                      <p:cBhvr>
+                                        <p:cTn id="134" dur="1" fill="hold">
+                                          <p:stCondLst>
+                                            <p:cond delay="0"/>
+                                          </p:stCondLst>
+                                        </p:cTn>
+                                        <p:tgtEl>
+                                          <p:spTgt spid="73"/>
+                                        </p:tgtEl>
+                                        <p:attrNameLst>
+                                          <p:attrName>style.visibility</p:attrName>
+                                        </p:attrNameLst>
+                                      </p:cBhvr>
+                                      <p:to>
+                                        <p:strVal val="visible"/>
+                                      </p:to>
+                                    </p:set>
+                                  </p:childTnLst>
+                                </p:cTn>
+                              </p:par>
+                            </p:childTnLst>
+                          </p:cTn>
+                        </p:par>
+                      </p:childTnLst>
+                    </p:cTn>
+                  </p:par>
+                </p:childTnLst>
+              </p:cTn>
+              <p:prevCondLst>
+                <p:cond evt="onPrev" delay="0">
+                  <p:tgtEl>
+                    <p:sldTgt/>
+                  </p:tgtEl>
+                </p:cond>
+              </p:prevCondLst>
+              <p:nextCondLst>
+                <p:cond evt="onNext" delay="0">
+                  <p:tgtEl>
+                    <p:sldTgt/>
+                  </p:tgtEl>
+                </p:cond>
+              </p:nextCondLst>
+            </p:seq>
+          </p:childTnLst>
+        </p:cTn>
+      </p:par>
+    </p:tnLst>
+    <p:bldLst>
+      <p:bldP spid="56" grpId="0"/>
+      <p:bldP spid="56" grpId="1"/>
+      <p:bldP spid="12" grpId="0" animBg="1"/>
+      <p:bldP spid="12" grpId="1" animBg="1"/>
+      <p:bldP spid="13" grpId="0" animBg="1"/>
+      <p:bldP spid="13" grpId="1" animBg="1"/>
+      <p:bldP spid="26" grpId="0" animBg="1"/>
+      <p:bldP spid="26" grpId="1" animBg="1"/>
+      <p:bldP spid="38" grpId="0"/>
+      <p:bldP spid="38" grpId="1"/>
+      <p:bldP spid="39" grpId="0" animBg="1"/>
+      <p:bldP spid="47" grpId="0"/>
+      <p:bldP spid="47" grpId="1"/>
+      <p:bldP spid="51" grpId="0" animBg="1"/>
+      <p:bldP spid="51" grpId="1" animBg="1"/>
+      <p:bldP spid="57" grpId="0" animBg="1"/>
+      <p:bldP spid="58" grpId="0" animBg="1"/>
+      <p:bldP spid="58" grpId="1" animBg="1"/>
+      <p:bldP spid="67" grpId="0"/>
+      <p:bldP spid="71" grpId="0"/>
+      <p:bldP spid="71" grpId="1"/>
+      <p:bldP spid="73" grpId="0" animBg="1"/>
+    </p:bldLst>
+  </p:timing>
+</p:sld>
+</file>
+
+<file path=ppt/slides/slide4.xml><?xml version="1.0" encoding="utf-8"?>
+<p:sld xmlns:a="http://schemas.openxmlformats.org/drawingml/2006/main" xmlns:r="http://schemas.openxmlformats.org/officeDocument/2006/relationships" xmlns:p="http://schemas.openxmlformats.org/presentationml/2006/main">
+  <p:cSld>
+    <p:spTree>
+      <p:nvGrpSpPr>
+        <p:cNvPr id="1" name=""/>
+        <p:cNvGrpSpPr/>
+        <p:nvPr/>
+      </p:nvGrpSpPr>
+      <p:grpSpPr>
+        <a:xfrm>
+          <a:off x="0" y="0"/>
+          <a:ext cx="0" cy="0"/>
+          <a:chOff x="0" y="0"/>
+          <a:chExt cx="0" cy="0"/>
+        </a:xfrm>
+      </p:grpSpPr>
+      <p:sp>
+        <p:nvSpPr>
+          <p:cNvPr id="2" name="Title 1">
+            <a:extLst>
+              <a:ext uri="{FF2B5EF4-FFF2-40B4-BE49-F238E27FC236}">
+                <a16:creationId xmlns:a16="http://schemas.microsoft.com/office/drawing/2014/main" id="{4A678759-483A-844D-94FE-5C1204A1B999}"/>
+              </a:ext>
+            </a:extLst>
+          </p:cNvPr>
+          <p:cNvSpPr>
+            <a:spLocks noGrp="1"/>
+          </p:cNvSpPr>
+          <p:nvPr>
+            <p:ph type="title"/>
+          </p:nvPr>
+        </p:nvSpPr>
+        <p:spPr/>
+        <p:txBody>
+          <a:bodyPr/>
+          <a:lstStyle/>
+          <a:p>
+            <a:r>
+              <a:rPr lang="en-US" dirty="0"/>
+              <a:t>New map helpers</a:t>
+            </a:r>
+          </a:p>
+        </p:txBody>
+      </p:sp>
+      <p:sp>
+        <p:nvSpPr>
+          <p:cNvPr id="3" name="Content Placeholder 2">
+            <a:extLst>
+              <a:ext uri="{FF2B5EF4-FFF2-40B4-BE49-F238E27FC236}">
+                <a16:creationId xmlns:a16="http://schemas.microsoft.com/office/drawing/2014/main" id="{16EFEAFE-C852-3C4D-BE87-A1A8AA784B90}"/>
+              </a:ext>
+            </a:extLst>
+          </p:cNvPr>
+          <p:cNvSpPr>
+            <a:spLocks noGrp="1"/>
+          </p:cNvSpPr>
+          <p:nvPr>
+            <p:ph idx="1"/>
+          </p:nvPr>
+        </p:nvSpPr>
+        <p:spPr/>
+        <p:txBody>
+          <a:bodyPr/>
+          <a:lstStyle/>
+          <a:p>
+            <a:r>
+              <a:rPr lang="en-US" dirty="0"/>
+              <a:t>Re-implemented map helpers for rust programs</a:t>
+            </a:r>
+          </a:p>
+          <a:p>
+            <a:r>
+              <a:rPr lang="en-US" dirty="0"/>
+              <a:t>Upon invocation the helpers finds the actual BPF map in </a:t>
+            </a:r>
+            <a:r>
+              <a:rPr lang="en-US" sz="2600" dirty="0" err="1">
+                <a:latin typeface="Menlo" panose="020B0609030804020204" pitchFamily="49" charset="0"/>
+                <a:ea typeface="Menlo" panose="020B0609030804020204" pitchFamily="49" charset="0"/>
+                <a:cs typeface="Menlo" panose="020B0609030804020204" pitchFamily="49" charset="0"/>
+              </a:rPr>
+              <a:t>iu_maps</a:t>
+            </a:r>
+            <a:r>
+              <a:rPr lang="en-US" dirty="0"/>
+              <a:t>  array using the index</a:t>
+            </a:r>
+          </a:p>
+          <a:p>
+            <a:pPr lvl="1"/>
+            <a:r>
+              <a:rPr lang="en-US" dirty="0"/>
+              <a:t>An extra step with constant time</a:t>
+            </a:r>
+          </a:p>
+        </p:txBody>
+      </p:sp>
+    </p:spTree>
+    <p:extLst>
+      <p:ext uri="{BB962C8B-B14F-4D97-AF65-F5344CB8AC3E}">
+        <p14:creationId xmlns:p14="http://schemas.microsoft.com/office/powerpoint/2010/main" val="3472452754"/>
+      </p:ext>
+    </p:extLst>
+  </p:cSld>
+  <p:clrMapOvr>
+    <a:masterClrMapping/>
+  </p:clrMapOvr>
+</p:sld>
+</file>
+
 <file path=ppt/theme/theme1.xml><?xml version="1.0" encoding="utf-8"?>
 <a:theme xmlns:a="http://schemas.openxmlformats.org/drawingml/2006/main" name="Office Theme">
   <a:themeElements>
